--- a/Yorkshore-BrassBitCoin.pptx
+++ b/Yorkshore-BrassBitCoin.pptx
@@ -5,10 +5,10 @@
     <p:sldMasterId id="2147483720" r:id="rId2"/>
   </p:sldMasterIdLst>
   <p:notesMasterIdLst>
-    <p:notesMasterId r:id="rId15"/>
+    <p:notesMasterId r:id="rId18"/>
   </p:notesMasterIdLst>
   <p:handoutMasterIdLst>
-    <p:handoutMasterId r:id="rId16"/>
+    <p:handoutMasterId r:id="rId19"/>
   </p:handoutMasterIdLst>
   <p:sldIdLst>
     <p:sldId id="269" r:id="rId3"/>
@@ -20,9 +20,12 @@
     <p:sldId id="288" r:id="rId9"/>
     <p:sldId id="290" r:id="rId10"/>
     <p:sldId id="282" r:id="rId11"/>
-    <p:sldId id="291" r:id="rId12"/>
-    <p:sldId id="283" r:id="rId13"/>
-    <p:sldId id="289" r:id="rId14"/>
+    <p:sldId id="295" r:id="rId12"/>
+    <p:sldId id="291" r:id="rId13"/>
+    <p:sldId id="292" r:id="rId14"/>
+    <p:sldId id="293" r:id="rId15"/>
+    <p:sldId id="294" r:id="rId16"/>
+    <p:sldId id="289" r:id="rId17"/>
   </p:sldIdLst>
   <p:sldSz cx="12188825" cy="6858000"/>
   <p:notesSz cx="6858000" cy="9144000"/>
@@ -158,6 +161,10 @@
 <p:cmAuthorLst xmlns:a="http://schemas.openxmlformats.org/drawingml/2006/main" xmlns:r="http://schemas.openxmlformats.org/officeDocument/2006/relationships" xmlns:p="http://schemas.openxmlformats.org/presentationml/2006/main">
   <p:cmAuthor id="2" name="Author" initials="A" lastIdx="0" clrIdx="1"/>
 </p:cmAuthorLst>
+</file>
+
+<file path=ppt/revisionInfo.xml><?xml version="1.0" encoding="utf-8"?>
+<p1510:revInfo xmlns:a="http://schemas.openxmlformats.org/drawingml/2006/main" xmlns:r="http://schemas.openxmlformats.org/officeDocument/2006/relationships" xmlns:p1510="http://schemas.microsoft.com/office/powerpoint/2015/10/main"/>
 </file>
 
 <file path=ppt/diagrams/colors1.xml><?xml version="1.0" encoding="utf-8"?>
@@ -907,886 +914,6 @@
 </dgm:colorsDef>
 </file>
 
-<file path=ppt/diagrams/colors2.xml><?xml version="1.0" encoding="utf-8"?>
-<dgm:colorsDef xmlns:dgm="http://schemas.openxmlformats.org/drawingml/2006/diagram" xmlns:a="http://schemas.openxmlformats.org/drawingml/2006/main" uniqueId="urn:microsoft.com/office/officeart/2005/8/colors/accent1_5">
-  <dgm:title val=""/>
-  <dgm:desc val=""/>
-  <dgm:catLst>
-    <dgm:cat type="accent1" pri="11500"/>
-  </dgm:catLst>
-  <dgm:styleLbl name="node0">
-    <dgm:fillClrLst meth="cycle">
-      <a:schemeClr val="accent1">
-        <a:alpha val="80000"/>
-      </a:schemeClr>
-    </dgm:fillClrLst>
-    <dgm:linClrLst meth="repeat">
-      <a:schemeClr val="lt1"/>
-    </dgm:linClrLst>
-    <dgm:effectClrLst/>
-    <dgm:txLinClrLst/>
-    <dgm:txFillClrLst/>
-    <dgm:txEffectClrLst/>
-  </dgm:styleLbl>
-  <dgm:styleLbl name="node1">
-    <dgm:fillClrLst>
-      <a:schemeClr val="accent1">
-        <a:alpha val="90000"/>
-      </a:schemeClr>
-      <a:schemeClr val="accent1">
-        <a:alpha val="50000"/>
-      </a:schemeClr>
-    </dgm:fillClrLst>
-    <dgm:linClrLst meth="repeat">
-      <a:schemeClr val="lt1"/>
-    </dgm:linClrLst>
-    <dgm:effectClrLst/>
-    <dgm:txLinClrLst/>
-    <dgm:txFillClrLst/>
-    <dgm:txEffectClrLst/>
-  </dgm:styleLbl>
-  <dgm:styleLbl name="alignNode1">
-    <dgm:fillClrLst>
-      <a:schemeClr val="accent1">
-        <a:alpha val="90000"/>
-      </a:schemeClr>
-      <a:schemeClr val="accent1">
-        <a:alpha val="50000"/>
-      </a:schemeClr>
-    </dgm:fillClrLst>
-    <dgm:linClrLst>
-      <a:schemeClr val="accent1">
-        <a:alpha val="90000"/>
-      </a:schemeClr>
-      <a:schemeClr val="accent1">
-        <a:alpha val="50000"/>
-      </a:schemeClr>
-    </dgm:linClrLst>
-    <dgm:effectClrLst/>
-    <dgm:txLinClrLst/>
-    <dgm:txFillClrLst/>
-    <dgm:txEffectClrLst/>
-  </dgm:styleLbl>
-  <dgm:styleLbl name="lnNode1">
-    <dgm:fillClrLst>
-      <a:schemeClr val="accent1">
-        <a:shade val="90000"/>
-      </a:schemeClr>
-      <a:schemeClr val="accent1">
-        <a:alpha val="50000"/>
-        <a:tint val="50000"/>
-      </a:schemeClr>
-    </dgm:fillClrLst>
-    <dgm:linClrLst meth="repeat">
-      <a:schemeClr val="lt1"/>
-    </dgm:linClrLst>
-    <dgm:effectClrLst/>
-    <dgm:txLinClrLst/>
-    <dgm:txFillClrLst/>
-    <dgm:txEffectClrLst/>
-  </dgm:styleLbl>
-  <dgm:styleLbl name="vennNode1">
-    <dgm:fillClrLst>
-      <a:schemeClr val="accent1">
-        <a:shade val="80000"/>
-        <a:alpha val="50000"/>
-      </a:schemeClr>
-      <a:schemeClr val="accent1">
-        <a:alpha val="80000"/>
-      </a:schemeClr>
-    </dgm:fillClrLst>
-    <dgm:linClrLst meth="repeat">
-      <a:schemeClr val="lt1"/>
-    </dgm:linClrLst>
-    <dgm:effectClrLst/>
-    <dgm:txLinClrLst/>
-    <dgm:txFillClrLst/>
-    <dgm:txEffectClrLst/>
-  </dgm:styleLbl>
-  <dgm:styleLbl name="node2">
-    <dgm:fillClrLst>
-      <a:schemeClr val="accent1">
-        <a:alpha val="70000"/>
-      </a:schemeClr>
-    </dgm:fillClrLst>
-    <dgm:linClrLst meth="repeat">
-      <a:schemeClr val="lt1"/>
-    </dgm:linClrLst>
-    <dgm:effectClrLst/>
-    <dgm:txLinClrLst/>
-    <dgm:txFillClrLst/>
-    <dgm:txEffectClrLst/>
-  </dgm:styleLbl>
-  <dgm:styleLbl name="node3">
-    <dgm:fillClrLst>
-      <a:schemeClr val="accent1">
-        <a:alpha val="50000"/>
-      </a:schemeClr>
-    </dgm:fillClrLst>
-    <dgm:linClrLst meth="repeat">
-      <a:schemeClr val="lt1"/>
-    </dgm:linClrLst>
-    <dgm:effectClrLst/>
-    <dgm:txLinClrLst/>
-    <dgm:txFillClrLst/>
-    <dgm:txEffectClrLst/>
-  </dgm:styleLbl>
-  <dgm:styleLbl name="node4">
-    <dgm:fillClrLst>
-      <a:schemeClr val="accent1">
-        <a:alpha val="30000"/>
-      </a:schemeClr>
-    </dgm:fillClrLst>
-    <dgm:linClrLst meth="repeat">
-      <a:schemeClr val="lt1"/>
-    </dgm:linClrLst>
-    <dgm:effectClrLst/>
-    <dgm:txLinClrLst/>
-    <dgm:txFillClrLst/>
-    <dgm:txEffectClrLst/>
-  </dgm:styleLbl>
-  <dgm:styleLbl name="fgImgPlace1">
-    <dgm:fillClrLst>
-      <a:schemeClr val="accent1">
-        <a:tint val="50000"/>
-        <a:alpha val="90000"/>
-      </a:schemeClr>
-      <a:schemeClr val="accent1">
-        <a:tint val="20000"/>
-        <a:alpha val="50000"/>
-      </a:schemeClr>
-    </dgm:fillClrLst>
-    <dgm:linClrLst meth="repeat">
-      <a:schemeClr val="lt1"/>
-    </dgm:linClrLst>
-    <dgm:effectClrLst/>
-    <dgm:txLinClrLst/>
-    <dgm:txFillClrLst meth="repeat">
-      <a:schemeClr val="lt1"/>
-    </dgm:txFillClrLst>
-    <dgm:txEffectClrLst/>
-  </dgm:styleLbl>
-  <dgm:styleLbl name="alignImgPlace1">
-    <dgm:fillClrLst>
-      <a:schemeClr val="accent1">
-        <a:tint val="50000"/>
-      </a:schemeClr>
-      <a:schemeClr val="accent1">
-        <a:tint val="20000"/>
-      </a:schemeClr>
-    </dgm:fillClrLst>
-    <dgm:linClrLst meth="repeat">
-      <a:schemeClr val="lt1"/>
-    </dgm:linClrLst>
-    <dgm:effectClrLst/>
-    <dgm:txLinClrLst/>
-    <dgm:txFillClrLst meth="repeat">
-      <a:schemeClr val="lt1"/>
-    </dgm:txFillClrLst>
-    <dgm:txEffectClrLst/>
-  </dgm:styleLbl>
-  <dgm:styleLbl name="bgImgPlace1">
-    <dgm:fillClrLst>
-      <a:schemeClr val="accent1">
-        <a:tint val="50000"/>
-      </a:schemeClr>
-      <a:schemeClr val="accent1">
-        <a:tint val="20000"/>
-      </a:schemeClr>
-    </dgm:fillClrLst>
-    <dgm:linClrLst meth="repeat">
-      <a:schemeClr val="lt1"/>
-    </dgm:linClrLst>
-    <dgm:effectClrLst/>
-    <dgm:txLinClrLst/>
-    <dgm:txFillClrLst meth="repeat">
-      <a:schemeClr val="lt1"/>
-    </dgm:txFillClrLst>
-    <dgm:txEffectClrLst/>
-  </dgm:styleLbl>
-  <dgm:styleLbl name="sibTrans2D1">
-    <dgm:fillClrLst>
-      <a:schemeClr val="accent1">
-        <a:shade val="90000"/>
-      </a:schemeClr>
-      <a:schemeClr val="accent1">
-        <a:tint val="50000"/>
-      </a:schemeClr>
-    </dgm:fillClrLst>
-    <dgm:linClrLst>
-      <a:schemeClr val="accent1">
-        <a:shade val="90000"/>
-      </a:schemeClr>
-      <a:schemeClr val="accent1">
-        <a:tint val="50000"/>
-      </a:schemeClr>
-    </dgm:linClrLst>
-    <dgm:effectClrLst/>
-    <dgm:txLinClrLst/>
-    <dgm:txFillClrLst/>
-    <dgm:txEffectClrLst/>
-  </dgm:styleLbl>
-  <dgm:styleLbl name="fgSibTrans2D1">
-    <dgm:fillClrLst>
-      <a:schemeClr val="accent1">
-        <a:shade val="90000"/>
-      </a:schemeClr>
-      <a:schemeClr val="accent1">
-        <a:tint val="50000"/>
-      </a:schemeClr>
-    </dgm:fillClrLst>
-    <dgm:linClrLst>
-      <a:schemeClr val="accent1">
-        <a:shade val="90000"/>
-      </a:schemeClr>
-      <a:schemeClr val="accent1">
-        <a:tint val="50000"/>
-      </a:schemeClr>
-    </dgm:linClrLst>
-    <dgm:effectClrLst/>
-    <dgm:txLinClrLst/>
-    <dgm:txFillClrLst/>
-    <dgm:txEffectClrLst/>
-  </dgm:styleLbl>
-  <dgm:styleLbl name="bgSibTrans2D1">
-    <dgm:fillClrLst>
-      <a:schemeClr val="accent1">
-        <a:shade val="90000"/>
-      </a:schemeClr>
-      <a:schemeClr val="accent1">
-        <a:tint val="50000"/>
-      </a:schemeClr>
-    </dgm:fillClrLst>
-    <dgm:linClrLst>
-      <a:schemeClr val="accent1">
-        <a:shade val="90000"/>
-      </a:schemeClr>
-      <a:schemeClr val="accent1">
-        <a:tint val="50000"/>
-      </a:schemeClr>
-    </dgm:linClrLst>
-    <dgm:effectClrLst/>
-    <dgm:txLinClrLst/>
-    <dgm:txFillClrLst/>
-    <dgm:txEffectClrLst/>
-  </dgm:styleLbl>
-  <dgm:styleLbl name="sibTrans1D1">
-    <dgm:fillClrLst>
-      <a:schemeClr val="accent1">
-        <a:shade val="90000"/>
-      </a:schemeClr>
-      <a:schemeClr val="accent1">
-        <a:tint val="50000"/>
-      </a:schemeClr>
-    </dgm:fillClrLst>
-    <dgm:linClrLst>
-      <a:schemeClr val="accent1">
-        <a:shade val="90000"/>
-      </a:schemeClr>
-      <a:schemeClr val="accent1">
-        <a:tint val="50000"/>
-      </a:schemeClr>
-    </dgm:linClrLst>
-    <dgm:effectClrLst/>
-    <dgm:txLinClrLst/>
-    <dgm:txFillClrLst meth="repeat">
-      <a:schemeClr val="tx1"/>
-    </dgm:txFillClrLst>
-    <dgm:txEffectClrLst/>
-  </dgm:styleLbl>
-  <dgm:styleLbl name="callout">
-    <dgm:fillClrLst meth="repeat">
-      <a:schemeClr val="accent1"/>
-    </dgm:fillClrLst>
-    <dgm:linClrLst meth="repeat">
-      <a:schemeClr val="accent1"/>
-    </dgm:linClrLst>
-    <dgm:effectClrLst/>
-    <dgm:txLinClrLst/>
-    <dgm:txFillClrLst meth="repeat">
-      <a:schemeClr val="tx1"/>
-    </dgm:txFillClrLst>
-    <dgm:txEffectClrLst/>
-  </dgm:styleLbl>
-  <dgm:styleLbl name="asst0">
-    <dgm:fillClrLst meth="repeat">
-      <a:schemeClr val="accent1">
-        <a:alpha val="90000"/>
-      </a:schemeClr>
-    </dgm:fillClrLst>
-    <dgm:linClrLst meth="repeat">
-      <a:schemeClr val="lt1"/>
-    </dgm:linClrLst>
-    <dgm:effectClrLst/>
-    <dgm:txLinClrLst/>
-    <dgm:txFillClrLst/>
-    <dgm:txEffectClrLst/>
-  </dgm:styleLbl>
-  <dgm:styleLbl name="asst1">
-    <dgm:fillClrLst meth="repeat">
-      <a:schemeClr val="accent1">
-        <a:alpha val="90000"/>
-      </a:schemeClr>
-    </dgm:fillClrLst>
-    <dgm:linClrLst meth="repeat">
-      <a:schemeClr val="lt1"/>
-    </dgm:linClrLst>
-    <dgm:effectClrLst/>
-    <dgm:txLinClrLst/>
-    <dgm:txFillClrLst/>
-    <dgm:txEffectClrLst/>
-  </dgm:styleLbl>
-  <dgm:styleLbl name="asst2">
-    <dgm:fillClrLst>
-      <a:schemeClr val="accent1">
-        <a:alpha val="90000"/>
-      </a:schemeClr>
-    </dgm:fillClrLst>
-    <dgm:linClrLst meth="repeat">
-      <a:schemeClr val="lt1"/>
-    </dgm:linClrLst>
-    <dgm:effectClrLst/>
-    <dgm:txLinClrLst/>
-    <dgm:txFillClrLst/>
-    <dgm:txEffectClrLst/>
-  </dgm:styleLbl>
-  <dgm:styleLbl name="asst3">
-    <dgm:fillClrLst>
-      <a:schemeClr val="accent1">
-        <a:alpha val="70000"/>
-      </a:schemeClr>
-    </dgm:fillClrLst>
-    <dgm:linClrLst meth="repeat">
-      <a:schemeClr val="lt1"/>
-    </dgm:linClrLst>
-    <dgm:effectClrLst/>
-    <dgm:txLinClrLst/>
-    <dgm:txFillClrLst/>
-    <dgm:txEffectClrLst/>
-  </dgm:styleLbl>
-  <dgm:styleLbl name="asst4">
-    <dgm:fillClrLst>
-      <a:schemeClr val="accent1">
-        <a:alpha val="50000"/>
-      </a:schemeClr>
-    </dgm:fillClrLst>
-    <dgm:linClrLst meth="repeat">
-      <a:schemeClr val="lt1"/>
-    </dgm:linClrLst>
-    <dgm:effectClrLst/>
-    <dgm:txLinClrLst/>
-    <dgm:txFillClrLst/>
-    <dgm:txEffectClrLst/>
-  </dgm:styleLbl>
-  <dgm:styleLbl name="parChTrans2D1">
-    <dgm:fillClrLst meth="repeat">
-      <a:schemeClr val="accent1">
-        <a:shade val="80000"/>
-      </a:schemeClr>
-    </dgm:fillClrLst>
-    <dgm:linClrLst meth="repeat">
-      <a:schemeClr val="accent1">
-        <a:shade val="80000"/>
-      </a:schemeClr>
-    </dgm:linClrLst>
-    <dgm:effectClrLst/>
-    <dgm:txLinClrLst/>
-    <dgm:txFillClrLst/>
-    <dgm:txEffectClrLst/>
-  </dgm:styleLbl>
-  <dgm:styleLbl name="parChTrans2D2">
-    <dgm:fillClrLst meth="repeat">
-      <a:schemeClr val="accent1">
-        <a:tint val="90000"/>
-      </a:schemeClr>
-    </dgm:fillClrLst>
-    <dgm:linClrLst meth="repeat">
-      <a:schemeClr val="accent1">
-        <a:tint val="90000"/>
-      </a:schemeClr>
-    </dgm:linClrLst>
-    <dgm:effectClrLst/>
-    <dgm:txLinClrLst/>
-    <dgm:txFillClrLst/>
-    <dgm:txEffectClrLst/>
-  </dgm:styleLbl>
-  <dgm:styleLbl name="parChTrans2D3">
-    <dgm:fillClrLst meth="repeat">
-      <a:schemeClr val="accent1">
-        <a:tint val="70000"/>
-      </a:schemeClr>
-    </dgm:fillClrLst>
-    <dgm:linClrLst meth="repeat">
-      <a:schemeClr val="accent1">
-        <a:tint val="70000"/>
-      </a:schemeClr>
-    </dgm:linClrLst>
-    <dgm:effectClrLst/>
-    <dgm:txLinClrLst/>
-    <dgm:txFillClrLst/>
-    <dgm:txEffectClrLst/>
-  </dgm:styleLbl>
-  <dgm:styleLbl name="parChTrans2D4">
-    <dgm:fillClrLst meth="repeat">
-      <a:schemeClr val="accent1">
-        <a:tint val="50000"/>
-      </a:schemeClr>
-    </dgm:fillClrLst>
-    <dgm:linClrLst meth="repeat">
-      <a:schemeClr val="accent1">
-        <a:tint val="50000"/>
-      </a:schemeClr>
-    </dgm:linClrLst>
-    <dgm:effectClrLst/>
-    <dgm:txLinClrLst/>
-    <dgm:txFillClrLst meth="repeat">
-      <a:schemeClr val="dk1"/>
-    </dgm:txFillClrLst>
-    <dgm:txEffectClrLst/>
-  </dgm:styleLbl>
-  <dgm:styleLbl name="parChTrans1D1">
-    <dgm:fillClrLst meth="repeat">
-      <a:schemeClr val="accent1">
-        <a:shade val="80000"/>
-      </a:schemeClr>
-    </dgm:fillClrLst>
-    <dgm:linClrLst meth="repeat">
-      <a:schemeClr val="accent1">
-        <a:shade val="80000"/>
-      </a:schemeClr>
-    </dgm:linClrLst>
-    <dgm:effectClrLst/>
-    <dgm:txLinClrLst/>
-    <dgm:txFillClrLst meth="repeat">
-      <a:schemeClr val="tx1"/>
-    </dgm:txFillClrLst>
-    <dgm:txEffectClrLst/>
-  </dgm:styleLbl>
-  <dgm:styleLbl name="parChTrans1D2">
-    <dgm:fillClrLst meth="repeat">
-      <a:schemeClr val="accent1">
-        <a:tint val="90000"/>
-      </a:schemeClr>
-    </dgm:fillClrLst>
-    <dgm:linClrLst meth="repeat">
-      <a:schemeClr val="accent1">
-        <a:tint val="90000"/>
-      </a:schemeClr>
-    </dgm:linClrLst>
-    <dgm:effectClrLst/>
-    <dgm:txLinClrLst/>
-    <dgm:txFillClrLst meth="repeat">
-      <a:schemeClr val="tx1"/>
-    </dgm:txFillClrLst>
-    <dgm:txEffectClrLst/>
-  </dgm:styleLbl>
-  <dgm:styleLbl name="parChTrans1D3">
-    <dgm:fillClrLst meth="repeat">
-      <a:schemeClr val="accent1">
-        <a:tint val="70000"/>
-      </a:schemeClr>
-    </dgm:fillClrLst>
-    <dgm:linClrLst meth="repeat">
-      <a:schemeClr val="accent1">
-        <a:tint val="70000"/>
-      </a:schemeClr>
-    </dgm:linClrLst>
-    <dgm:effectClrLst/>
-    <dgm:txLinClrLst/>
-    <dgm:txFillClrLst meth="repeat">
-      <a:schemeClr val="tx1"/>
-    </dgm:txFillClrLst>
-    <dgm:txEffectClrLst/>
-  </dgm:styleLbl>
-  <dgm:styleLbl name="parChTrans1D4">
-    <dgm:fillClrLst meth="repeat">
-      <a:schemeClr val="accent1">
-        <a:tint val="50000"/>
-      </a:schemeClr>
-    </dgm:fillClrLst>
-    <dgm:linClrLst meth="repeat">
-      <a:schemeClr val="accent1">
-        <a:tint val="50000"/>
-      </a:schemeClr>
-    </dgm:linClrLst>
-    <dgm:effectClrLst/>
-    <dgm:txLinClrLst/>
-    <dgm:txFillClrLst meth="repeat">
-      <a:schemeClr val="tx1"/>
-    </dgm:txFillClrLst>
-    <dgm:txEffectClrLst/>
-  </dgm:styleLbl>
-  <dgm:styleLbl name="fgAcc1">
-    <dgm:fillClrLst meth="repeat">
-      <a:schemeClr val="lt1">
-        <a:alpha val="90000"/>
-      </a:schemeClr>
-    </dgm:fillClrLst>
-    <dgm:linClrLst>
-      <a:schemeClr val="accent1">
-        <a:alpha val="90000"/>
-      </a:schemeClr>
-      <a:schemeClr val="accent1">
-        <a:alpha val="50000"/>
-      </a:schemeClr>
-    </dgm:linClrLst>
-    <dgm:effectClrLst/>
-    <dgm:txLinClrLst/>
-    <dgm:txFillClrLst meth="repeat">
-      <a:schemeClr val="dk1"/>
-    </dgm:txFillClrLst>
-    <dgm:txEffectClrLst/>
-  </dgm:styleLbl>
-  <dgm:styleLbl name="conFgAcc1">
-    <dgm:fillClrLst meth="repeat">
-      <a:schemeClr val="lt1">
-        <a:alpha val="90000"/>
-      </a:schemeClr>
-    </dgm:fillClrLst>
-    <dgm:linClrLst>
-      <a:schemeClr val="accent1">
-        <a:alpha val="90000"/>
-      </a:schemeClr>
-      <a:schemeClr val="accent1">
-        <a:alpha val="50000"/>
-      </a:schemeClr>
-    </dgm:linClrLst>
-    <dgm:effectClrLst/>
-    <dgm:txLinClrLst/>
-    <dgm:txFillClrLst meth="repeat">
-      <a:schemeClr val="dk1"/>
-    </dgm:txFillClrLst>
-    <dgm:txEffectClrLst/>
-  </dgm:styleLbl>
-  <dgm:styleLbl name="alignAcc1">
-    <dgm:fillClrLst meth="repeat">
-      <a:schemeClr val="lt1">
-        <a:alpha val="90000"/>
-      </a:schemeClr>
-    </dgm:fillClrLst>
-    <dgm:linClrLst>
-      <a:schemeClr val="accent1">
-        <a:alpha val="90000"/>
-      </a:schemeClr>
-      <a:schemeClr val="accent1">
-        <a:alpha val="50000"/>
-      </a:schemeClr>
-    </dgm:linClrLst>
-    <dgm:effectClrLst/>
-    <dgm:txLinClrLst/>
-    <dgm:txFillClrLst meth="repeat">
-      <a:schemeClr val="dk1"/>
-    </dgm:txFillClrLst>
-    <dgm:txEffectClrLst/>
-  </dgm:styleLbl>
-  <dgm:styleLbl name="trAlignAcc1">
-    <dgm:fillClrLst meth="repeat">
-      <a:schemeClr val="lt1">
-        <a:alpha val="40000"/>
-      </a:schemeClr>
-    </dgm:fillClrLst>
-    <dgm:linClrLst>
-      <a:schemeClr val="accent1">
-        <a:alpha val="90000"/>
-      </a:schemeClr>
-      <a:schemeClr val="accent1">
-        <a:alpha val="50000"/>
-      </a:schemeClr>
-    </dgm:linClrLst>
-    <dgm:effectClrLst/>
-    <dgm:txLinClrLst/>
-    <dgm:txFillClrLst meth="repeat">
-      <a:schemeClr val="dk1"/>
-    </dgm:txFillClrLst>
-    <dgm:txEffectClrLst/>
-  </dgm:styleLbl>
-  <dgm:styleLbl name="bgAcc1">
-    <dgm:fillClrLst meth="repeat">
-      <a:schemeClr val="lt1">
-        <a:alpha val="90000"/>
-      </a:schemeClr>
-    </dgm:fillClrLst>
-    <dgm:linClrLst>
-      <a:schemeClr val="accent1">
-        <a:alpha val="90000"/>
-      </a:schemeClr>
-      <a:schemeClr val="accent1">
-        <a:alpha val="50000"/>
-      </a:schemeClr>
-    </dgm:linClrLst>
-    <dgm:effectClrLst/>
-    <dgm:txLinClrLst/>
-    <dgm:txFillClrLst meth="repeat">
-      <a:schemeClr val="dk1"/>
-    </dgm:txFillClrLst>
-    <dgm:txEffectClrLst/>
-  </dgm:styleLbl>
-  <dgm:styleLbl name="solidFgAcc1">
-    <dgm:fillClrLst meth="repeat">
-      <a:schemeClr val="lt1"/>
-    </dgm:fillClrLst>
-    <dgm:linClrLst>
-      <a:schemeClr val="accent1">
-        <a:alpha val="90000"/>
-      </a:schemeClr>
-      <a:schemeClr val="accent1">
-        <a:alpha val="50000"/>
-      </a:schemeClr>
-    </dgm:linClrLst>
-    <dgm:effectClrLst/>
-    <dgm:txLinClrLst/>
-    <dgm:txFillClrLst meth="repeat">
-      <a:schemeClr val="dk1"/>
-    </dgm:txFillClrLst>
-    <dgm:txEffectClrLst/>
-  </dgm:styleLbl>
-  <dgm:styleLbl name="solidAlignAcc1">
-    <dgm:fillClrLst meth="repeat">
-      <a:schemeClr val="lt1"/>
-    </dgm:fillClrLst>
-    <dgm:linClrLst meth="repeat">
-      <a:schemeClr val="accent1"/>
-    </dgm:linClrLst>
-    <dgm:effectClrLst/>
-    <dgm:txLinClrLst/>
-    <dgm:txFillClrLst meth="repeat">
-      <a:schemeClr val="dk1"/>
-    </dgm:txFillClrLst>
-    <dgm:txEffectClrLst/>
-  </dgm:styleLbl>
-  <dgm:styleLbl name="solidBgAcc1">
-    <dgm:fillClrLst meth="repeat">
-      <a:schemeClr val="lt1"/>
-    </dgm:fillClrLst>
-    <dgm:linClrLst meth="repeat">
-      <a:schemeClr val="accent1"/>
-    </dgm:linClrLst>
-    <dgm:effectClrLst/>
-    <dgm:txLinClrLst/>
-    <dgm:txFillClrLst meth="repeat">
-      <a:schemeClr val="dk1"/>
-    </dgm:txFillClrLst>
-    <dgm:txEffectClrLst/>
-  </dgm:styleLbl>
-  <dgm:styleLbl name="fgAccFollowNode1">
-    <dgm:fillClrLst>
-      <a:schemeClr val="accent1">
-        <a:alpha val="90000"/>
-        <a:tint val="40000"/>
-      </a:schemeClr>
-      <a:schemeClr val="accent1">
-        <a:alpha val="50000"/>
-        <a:tint val="40000"/>
-      </a:schemeClr>
-    </dgm:fillClrLst>
-    <dgm:linClrLst meth="repeat">
-      <a:schemeClr val="accent1">
-        <a:alpha val="90000"/>
-        <a:tint val="40000"/>
-      </a:schemeClr>
-    </dgm:linClrLst>
-    <dgm:effectClrLst/>
-    <dgm:txLinClrLst/>
-    <dgm:txFillClrLst meth="repeat">
-      <a:schemeClr val="dk1"/>
-    </dgm:txFillClrLst>
-    <dgm:txEffectClrLst/>
-  </dgm:styleLbl>
-  <dgm:styleLbl name="alignAccFollowNode1">
-    <dgm:fillClrLst meth="repeat">
-      <a:schemeClr val="accent1">
-        <a:alpha val="90000"/>
-        <a:tint val="40000"/>
-      </a:schemeClr>
-    </dgm:fillClrLst>
-    <dgm:linClrLst meth="repeat">
-      <a:schemeClr val="accent1">
-        <a:alpha val="90000"/>
-        <a:tint val="40000"/>
-      </a:schemeClr>
-    </dgm:linClrLst>
-    <dgm:effectClrLst/>
-    <dgm:txLinClrLst/>
-    <dgm:txFillClrLst meth="repeat">
-      <a:schemeClr val="dk1"/>
-    </dgm:txFillClrLst>
-    <dgm:txEffectClrLst/>
-  </dgm:styleLbl>
-  <dgm:styleLbl name="bgAccFollowNode1">
-    <dgm:fillClrLst meth="repeat">
-      <a:schemeClr val="accent1">
-        <a:alpha val="90000"/>
-        <a:tint val="40000"/>
-      </a:schemeClr>
-    </dgm:fillClrLst>
-    <dgm:linClrLst meth="repeat">
-      <a:schemeClr val="lt1"/>
-    </dgm:linClrLst>
-    <dgm:effectClrLst/>
-    <dgm:txLinClrLst/>
-    <dgm:txFillClrLst meth="repeat">
-      <a:schemeClr val="dk1"/>
-    </dgm:txFillClrLst>
-    <dgm:txEffectClrLst/>
-  </dgm:styleLbl>
-  <dgm:styleLbl name="fgAcc0">
-    <dgm:fillClrLst meth="repeat">
-      <a:schemeClr val="lt1">
-        <a:alpha val="90000"/>
-      </a:schemeClr>
-    </dgm:fillClrLst>
-    <dgm:linClrLst meth="repeat">
-      <a:schemeClr val="accent1">
-        <a:shade val="80000"/>
-      </a:schemeClr>
-    </dgm:linClrLst>
-    <dgm:effectClrLst/>
-    <dgm:txLinClrLst/>
-    <dgm:txFillClrLst meth="repeat">
-      <a:schemeClr val="dk1"/>
-    </dgm:txFillClrLst>
-    <dgm:txEffectClrLst/>
-  </dgm:styleLbl>
-  <dgm:styleLbl name="fgAcc2">
-    <dgm:fillClrLst meth="repeat">
-      <a:schemeClr val="lt1">
-        <a:alpha val="90000"/>
-      </a:schemeClr>
-    </dgm:fillClrLst>
-    <dgm:linClrLst meth="repeat">
-      <a:schemeClr val="accent1">
-        <a:tint val="90000"/>
-      </a:schemeClr>
-    </dgm:linClrLst>
-    <dgm:effectClrLst/>
-    <dgm:txLinClrLst/>
-    <dgm:txFillClrLst meth="repeat">
-      <a:schemeClr val="dk1"/>
-    </dgm:txFillClrLst>
-    <dgm:txEffectClrLst/>
-  </dgm:styleLbl>
-  <dgm:styleLbl name="fgAcc3">
-    <dgm:fillClrLst meth="repeat">
-      <a:schemeClr val="lt1">
-        <a:alpha val="90000"/>
-      </a:schemeClr>
-    </dgm:fillClrLst>
-    <dgm:linClrLst meth="repeat">
-      <a:schemeClr val="accent1">
-        <a:tint val="70000"/>
-      </a:schemeClr>
-    </dgm:linClrLst>
-    <dgm:effectClrLst/>
-    <dgm:txLinClrLst/>
-    <dgm:txFillClrLst meth="repeat">
-      <a:schemeClr val="dk1"/>
-    </dgm:txFillClrLst>
-    <dgm:txEffectClrLst/>
-  </dgm:styleLbl>
-  <dgm:styleLbl name="fgAcc4">
-    <dgm:fillClrLst meth="repeat">
-      <a:schemeClr val="lt1">
-        <a:alpha val="90000"/>
-      </a:schemeClr>
-    </dgm:fillClrLst>
-    <dgm:linClrLst meth="repeat">
-      <a:schemeClr val="accent1">
-        <a:tint val="50000"/>
-      </a:schemeClr>
-    </dgm:linClrLst>
-    <dgm:effectClrLst/>
-    <dgm:txLinClrLst/>
-    <dgm:txFillClrLst meth="repeat">
-      <a:schemeClr val="dk1"/>
-    </dgm:txFillClrLst>
-    <dgm:txEffectClrLst/>
-  </dgm:styleLbl>
-  <dgm:styleLbl name="bgShp">
-    <dgm:fillClrLst meth="repeat">
-      <a:schemeClr val="accent1">
-        <a:tint val="40000"/>
-      </a:schemeClr>
-    </dgm:fillClrLst>
-    <dgm:linClrLst meth="repeat">
-      <a:schemeClr val="dk1"/>
-    </dgm:linClrLst>
-    <dgm:effectClrLst/>
-    <dgm:txLinClrLst/>
-    <dgm:txFillClrLst meth="repeat">
-      <a:schemeClr val="dk1"/>
-    </dgm:txFillClrLst>
-    <dgm:txEffectClrLst/>
-  </dgm:styleLbl>
-  <dgm:styleLbl name="dkBgShp">
-    <dgm:fillClrLst meth="repeat">
-      <a:schemeClr val="accent1">
-        <a:shade val="90000"/>
-      </a:schemeClr>
-    </dgm:fillClrLst>
-    <dgm:linClrLst meth="repeat">
-      <a:schemeClr val="dk1"/>
-    </dgm:linClrLst>
-    <dgm:effectClrLst/>
-    <dgm:txLinClrLst/>
-    <dgm:txFillClrLst meth="repeat">
-      <a:schemeClr val="lt1"/>
-    </dgm:txFillClrLst>
-    <dgm:txEffectClrLst/>
-  </dgm:styleLbl>
-  <dgm:styleLbl name="trBgShp">
-    <dgm:fillClrLst meth="repeat">
-      <a:schemeClr val="accent1">
-        <a:tint val="50000"/>
-        <a:alpha val="40000"/>
-      </a:schemeClr>
-    </dgm:fillClrLst>
-    <dgm:linClrLst meth="repeat">
-      <a:schemeClr val="accent1"/>
-    </dgm:linClrLst>
-    <dgm:effectClrLst/>
-    <dgm:txLinClrLst/>
-    <dgm:txFillClrLst meth="repeat">
-      <a:schemeClr val="lt1"/>
-    </dgm:txFillClrLst>
-    <dgm:txEffectClrLst/>
-  </dgm:styleLbl>
-  <dgm:styleLbl name="fgShp">
-    <dgm:fillClrLst meth="repeat">
-      <a:schemeClr val="accent1">
-        <a:tint val="40000"/>
-      </a:schemeClr>
-    </dgm:fillClrLst>
-    <dgm:linClrLst meth="repeat">
-      <a:schemeClr val="lt1"/>
-    </dgm:linClrLst>
-    <dgm:effectClrLst/>
-    <dgm:txLinClrLst/>
-    <dgm:txFillClrLst meth="repeat">
-      <a:schemeClr val="dk1"/>
-    </dgm:txFillClrLst>
-    <dgm:txEffectClrLst/>
-  </dgm:styleLbl>
-  <dgm:styleLbl name="revTx">
-    <dgm:fillClrLst meth="repeat">
-      <a:schemeClr val="lt1">
-        <a:alpha val="0"/>
-      </a:schemeClr>
-    </dgm:fillClrLst>
-    <dgm:linClrLst meth="repeat">
-      <a:schemeClr val="dk1">
-        <a:alpha val="0"/>
-      </a:schemeClr>
-    </dgm:linClrLst>
-    <dgm:effectClrLst/>
-    <dgm:txLinClrLst/>
-    <dgm:txFillClrLst meth="repeat">
-      <a:schemeClr val="tx1"/>
-    </dgm:txFillClrLst>
-    <dgm:txEffectClrLst/>
-  </dgm:styleLbl>
-</dgm:colorsDef>
-</file>
-
 <file path=ppt/diagrams/data1.xml><?xml version="1.0" encoding="utf-8"?>
 <dgm:dataModel xmlns:dgm="http://schemas.openxmlformats.org/drawingml/2006/diagram" xmlns:a="http://schemas.openxmlformats.org/drawingml/2006/main">
   <dgm:ptLst>
@@ -1873,245 +1000,6 @@
   <dgm:extLst>
     <a:ext uri="http://schemas.microsoft.com/office/drawing/2008/diagram">
       <dsp:dataModelExt xmlns:dsp="http://schemas.microsoft.com/office/drawing/2008/diagram" relId="rId7" minVer="http://schemas.openxmlformats.org/drawingml/2006/diagram"/>
-    </a:ext>
-  </dgm:extLst>
-</dgm:dataModel>
-</file>
-
-<file path=ppt/diagrams/data2.xml><?xml version="1.0" encoding="utf-8"?>
-<dgm:dataModel xmlns:dgm="http://schemas.openxmlformats.org/drawingml/2006/diagram" xmlns:a="http://schemas.openxmlformats.org/drawingml/2006/main">
-  <dgm:ptLst>
-    <dgm:pt modelId="{91EE948B-D334-4AA7-98AB-779B1FEE39FF}" type="doc">
-      <dgm:prSet loTypeId="urn:microsoft.com/office/officeart/2005/8/layout/matrix3" loCatId="matrix" qsTypeId="urn:microsoft.com/office/officeart/2005/8/quickstyle/simple1" qsCatId="simple" csTypeId="urn:microsoft.com/office/officeart/2005/8/colors/accent1_5" csCatId="accent1" phldr="1"/>
-      <dgm:spPr/>
-      <dgm:t>
-        <a:bodyPr/>
-        <a:lstStyle/>
-        <a:p>
-          <a:endParaRPr lang="en-US"/>
-        </a:p>
-      </dgm:t>
-    </dgm:pt>
-    <dgm:pt modelId="{290F5A70-C44A-4B52-92CE-26180C71C0C3}">
-      <dgm:prSet phldrT="[Text]"/>
-      <dgm:spPr/>
-      <dgm:t>
-        <a:bodyPr/>
-        <a:lstStyle/>
-        <a:p>
-          <a:r>
-            <a:rPr lang="en-US" dirty="0"/>
-            <a:t>Group A</a:t>
-          </a:r>
-        </a:p>
-      </dgm:t>
-    </dgm:pt>
-    <dgm:pt modelId="{AADFE34E-32D1-4825-BE00-F4B230412484}" type="parTrans" cxnId="{FC2D246E-8FDC-4D4A-8387-62FA4D2E0611}">
-      <dgm:prSet/>
-      <dgm:spPr/>
-      <dgm:t>
-        <a:bodyPr/>
-        <a:lstStyle/>
-        <a:p>
-          <a:endParaRPr lang="en-US"/>
-        </a:p>
-      </dgm:t>
-    </dgm:pt>
-    <dgm:pt modelId="{943E6433-2441-4DCC-9B19-BC8B9E713996}" type="sibTrans" cxnId="{FC2D246E-8FDC-4D4A-8387-62FA4D2E0611}">
-      <dgm:prSet/>
-      <dgm:spPr/>
-      <dgm:t>
-        <a:bodyPr/>
-        <a:lstStyle/>
-        <a:p>
-          <a:endParaRPr lang="en-US"/>
-        </a:p>
-      </dgm:t>
-    </dgm:pt>
-    <dgm:pt modelId="{B93E2E82-252A-48CD-A1D8-06B990939E6F}">
-      <dgm:prSet phldrT="[Text]"/>
-      <dgm:spPr/>
-      <dgm:t>
-        <a:bodyPr/>
-        <a:lstStyle/>
-        <a:p>
-          <a:r>
-            <a:rPr lang="en-US" dirty="0"/>
-            <a:t>Group B</a:t>
-          </a:r>
-        </a:p>
-      </dgm:t>
-    </dgm:pt>
-    <dgm:pt modelId="{17D2A218-DDF6-43D4-A8BA-98867FDDAA0C}" type="parTrans" cxnId="{465FC909-F113-4B06-897B-CC8164761565}">
-      <dgm:prSet/>
-      <dgm:spPr/>
-      <dgm:t>
-        <a:bodyPr/>
-        <a:lstStyle/>
-        <a:p>
-          <a:endParaRPr lang="en-US"/>
-        </a:p>
-      </dgm:t>
-    </dgm:pt>
-    <dgm:pt modelId="{63B6290B-A5E6-437E-B6E7-8614FDE311A0}" type="sibTrans" cxnId="{465FC909-F113-4B06-897B-CC8164761565}">
-      <dgm:prSet/>
-      <dgm:spPr/>
-      <dgm:t>
-        <a:bodyPr/>
-        <a:lstStyle/>
-        <a:p>
-          <a:endParaRPr lang="en-US"/>
-        </a:p>
-      </dgm:t>
-    </dgm:pt>
-    <dgm:pt modelId="{8727E899-11EE-48CD-A1B0-5F57E2AD77A4}">
-      <dgm:prSet phldrT="[Text]"/>
-      <dgm:spPr/>
-      <dgm:t>
-        <a:bodyPr/>
-        <a:lstStyle/>
-        <a:p>
-          <a:r>
-            <a:rPr lang="en-US" dirty="0"/>
-            <a:t>Group C</a:t>
-          </a:r>
-        </a:p>
-      </dgm:t>
-    </dgm:pt>
-    <dgm:pt modelId="{9C75B0EF-CC0A-4CFA-B9D4-886D27C77F55}" type="parTrans" cxnId="{8E4D3A70-B70B-4774-8745-E4950E3C9056}">
-      <dgm:prSet/>
-      <dgm:spPr/>
-      <dgm:t>
-        <a:bodyPr/>
-        <a:lstStyle/>
-        <a:p>
-          <a:endParaRPr lang="en-US"/>
-        </a:p>
-      </dgm:t>
-    </dgm:pt>
-    <dgm:pt modelId="{B6E75460-D4D7-4DDF-8CBA-DA2D8D6F1EE3}" type="sibTrans" cxnId="{8E4D3A70-B70B-4774-8745-E4950E3C9056}">
-      <dgm:prSet/>
-      <dgm:spPr/>
-      <dgm:t>
-        <a:bodyPr/>
-        <a:lstStyle/>
-        <a:p>
-          <a:endParaRPr lang="en-US"/>
-        </a:p>
-      </dgm:t>
-    </dgm:pt>
-    <dgm:pt modelId="{ECC96F1C-78AA-4D30-8D28-89F49BC1C513}">
-      <dgm:prSet phldrT="[Text]"/>
-      <dgm:spPr/>
-      <dgm:t>
-        <a:bodyPr/>
-        <a:lstStyle/>
-        <a:p>
-          <a:r>
-            <a:rPr lang="en-US" dirty="0"/>
-            <a:t>Group D</a:t>
-          </a:r>
-        </a:p>
-      </dgm:t>
-    </dgm:pt>
-    <dgm:pt modelId="{06BA0BA5-ADA5-4363-9FF3-4F959571F5D5}" type="parTrans" cxnId="{05E7B3CE-87A0-4035-BFA1-52AB8392D593}">
-      <dgm:prSet/>
-      <dgm:spPr/>
-      <dgm:t>
-        <a:bodyPr/>
-        <a:lstStyle/>
-        <a:p>
-          <a:endParaRPr lang="en-US"/>
-        </a:p>
-      </dgm:t>
-    </dgm:pt>
-    <dgm:pt modelId="{4D5FB8C7-4E2B-4776-BDBF-B505818DE24C}" type="sibTrans" cxnId="{05E7B3CE-87A0-4035-BFA1-52AB8392D593}">
-      <dgm:prSet/>
-      <dgm:spPr/>
-      <dgm:t>
-        <a:bodyPr/>
-        <a:lstStyle/>
-        <a:p>
-          <a:endParaRPr lang="en-US"/>
-        </a:p>
-      </dgm:t>
-    </dgm:pt>
-    <dgm:pt modelId="{A4224FE7-9BBC-4062-865A-D43A140DF049}" type="pres">
-      <dgm:prSet presAssocID="{91EE948B-D334-4AA7-98AB-779B1FEE39FF}" presName="matrix" presStyleCnt="0">
-        <dgm:presLayoutVars>
-          <dgm:chMax val="1"/>
-          <dgm:dir/>
-          <dgm:resizeHandles val="exact"/>
-        </dgm:presLayoutVars>
-      </dgm:prSet>
-      <dgm:spPr/>
-    </dgm:pt>
-    <dgm:pt modelId="{BE8F9D25-FBB2-4901-A05F-27F55857791A}" type="pres">
-      <dgm:prSet presAssocID="{91EE948B-D334-4AA7-98AB-779B1FEE39FF}" presName="diamond" presStyleLbl="bgShp" presStyleIdx="0" presStyleCnt="1"/>
-      <dgm:spPr/>
-    </dgm:pt>
-    <dgm:pt modelId="{ABBAF0FA-4E57-420B-8BD9-D4A166110C32}" type="pres">
-      <dgm:prSet presAssocID="{91EE948B-D334-4AA7-98AB-779B1FEE39FF}" presName="quad1" presStyleLbl="node1" presStyleIdx="0" presStyleCnt="4">
-        <dgm:presLayoutVars>
-          <dgm:chMax val="0"/>
-          <dgm:chPref val="0"/>
-          <dgm:bulletEnabled val="1"/>
-        </dgm:presLayoutVars>
-      </dgm:prSet>
-      <dgm:spPr/>
-    </dgm:pt>
-    <dgm:pt modelId="{A4FA82A8-1178-4F4C-ACFA-3EEEA883F03E}" type="pres">
-      <dgm:prSet presAssocID="{91EE948B-D334-4AA7-98AB-779B1FEE39FF}" presName="quad2" presStyleLbl="node1" presStyleIdx="1" presStyleCnt="4">
-        <dgm:presLayoutVars>
-          <dgm:chMax val="0"/>
-          <dgm:chPref val="0"/>
-          <dgm:bulletEnabled val="1"/>
-        </dgm:presLayoutVars>
-      </dgm:prSet>
-      <dgm:spPr/>
-    </dgm:pt>
-    <dgm:pt modelId="{2A9610F8-779E-4E38-A399-2736776CD4D9}" type="pres">
-      <dgm:prSet presAssocID="{91EE948B-D334-4AA7-98AB-779B1FEE39FF}" presName="quad3" presStyleLbl="node1" presStyleIdx="2" presStyleCnt="4">
-        <dgm:presLayoutVars>
-          <dgm:chMax val="0"/>
-          <dgm:chPref val="0"/>
-          <dgm:bulletEnabled val="1"/>
-        </dgm:presLayoutVars>
-      </dgm:prSet>
-      <dgm:spPr/>
-    </dgm:pt>
-    <dgm:pt modelId="{FC7DD138-A8DD-4267-9F2D-48932B0903EF}" type="pres">
-      <dgm:prSet presAssocID="{91EE948B-D334-4AA7-98AB-779B1FEE39FF}" presName="quad4" presStyleLbl="node1" presStyleIdx="3" presStyleCnt="4">
-        <dgm:presLayoutVars>
-          <dgm:chMax val="0"/>
-          <dgm:chPref val="0"/>
-          <dgm:bulletEnabled val="1"/>
-        </dgm:presLayoutVars>
-      </dgm:prSet>
-      <dgm:spPr/>
-    </dgm:pt>
-  </dgm:ptLst>
-  <dgm:cxnLst>
-    <dgm:cxn modelId="{465FC909-F113-4B06-897B-CC8164761565}" srcId="{91EE948B-D334-4AA7-98AB-779B1FEE39FF}" destId="{B93E2E82-252A-48CD-A1D8-06B990939E6F}" srcOrd="1" destOrd="0" parTransId="{17D2A218-DDF6-43D4-A8BA-98867FDDAA0C}" sibTransId="{63B6290B-A5E6-437E-B6E7-8614FDE311A0}"/>
-    <dgm:cxn modelId="{CB8DAA0A-4739-4818-8F5D-D86925FF5D3E}" type="presOf" srcId="{91EE948B-D334-4AA7-98AB-779B1FEE39FF}" destId="{A4224FE7-9BBC-4062-865A-D43A140DF049}" srcOrd="0" destOrd="0" presId="urn:microsoft.com/office/officeart/2005/8/layout/matrix3"/>
-    <dgm:cxn modelId="{81310744-F84A-4C3C-B88E-E43C8BA3E651}" type="presOf" srcId="{8727E899-11EE-48CD-A1B0-5F57E2AD77A4}" destId="{2A9610F8-779E-4E38-A399-2736776CD4D9}" srcOrd="0" destOrd="0" presId="urn:microsoft.com/office/officeart/2005/8/layout/matrix3"/>
-    <dgm:cxn modelId="{FC2D246E-8FDC-4D4A-8387-62FA4D2E0611}" srcId="{91EE948B-D334-4AA7-98AB-779B1FEE39FF}" destId="{290F5A70-C44A-4B52-92CE-26180C71C0C3}" srcOrd="0" destOrd="0" parTransId="{AADFE34E-32D1-4825-BE00-F4B230412484}" sibTransId="{943E6433-2441-4DCC-9B19-BC8B9E713996}"/>
-    <dgm:cxn modelId="{8E4D3A70-B70B-4774-8745-E4950E3C9056}" srcId="{91EE948B-D334-4AA7-98AB-779B1FEE39FF}" destId="{8727E899-11EE-48CD-A1B0-5F57E2AD77A4}" srcOrd="2" destOrd="0" parTransId="{9C75B0EF-CC0A-4CFA-B9D4-886D27C77F55}" sibTransId="{B6E75460-D4D7-4DDF-8CBA-DA2D8D6F1EE3}"/>
-    <dgm:cxn modelId="{90DE3957-673B-417D-A862-5B20D19257FD}" type="presOf" srcId="{B93E2E82-252A-48CD-A1D8-06B990939E6F}" destId="{A4FA82A8-1178-4F4C-ACFA-3EEEA883F03E}" srcOrd="0" destOrd="0" presId="urn:microsoft.com/office/officeart/2005/8/layout/matrix3"/>
-    <dgm:cxn modelId="{05E7B3CE-87A0-4035-BFA1-52AB8392D593}" srcId="{91EE948B-D334-4AA7-98AB-779B1FEE39FF}" destId="{ECC96F1C-78AA-4D30-8D28-89F49BC1C513}" srcOrd="3" destOrd="0" parTransId="{06BA0BA5-ADA5-4363-9FF3-4F959571F5D5}" sibTransId="{4D5FB8C7-4E2B-4776-BDBF-B505818DE24C}"/>
-    <dgm:cxn modelId="{B9C6E4D0-F142-4454-BB50-0B954E3CCEFD}" type="presOf" srcId="{290F5A70-C44A-4B52-92CE-26180C71C0C3}" destId="{ABBAF0FA-4E57-420B-8BD9-D4A166110C32}" srcOrd="0" destOrd="0" presId="urn:microsoft.com/office/officeart/2005/8/layout/matrix3"/>
-    <dgm:cxn modelId="{E72B25D8-F7BB-4568-B45E-86F9C7AD355A}" type="presOf" srcId="{ECC96F1C-78AA-4D30-8D28-89F49BC1C513}" destId="{FC7DD138-A8DD-4267-9F2D-48932B0903EF}" srcOrd="0" destOrd="0" presId="urn:microsoft.com/office/officeart/2005/8/layout/matrix3"/>
-    <dgm:cxn modelId="{602EF1E5-DA1F-4F25-9F52-335C0A8CBD5A}" type="presParOf" srcId="{A4224FE7-9BBC-4062-865A-D43A140DF049}" destId="{BE8F9D25-FBB2-4901-A05F-27F55857791A}" srcOrd="0" destOrd="0" presId="urn:microsoft.com/office/officeart/2005/8/layout/matrix3"/>
-    <dgm:cxn modelId="{9E65764E-F67D-45E1-AD59-D2D43BA5EE44}" type="presParOf" srcId="{A4224FE7-9BBC-4062-865A-D43A140DF049}" destId="{ABBAF0FA-4E57-420B-8BD9-D4A166110C32}" srcOrd="1" destOrd="0" presId="urn:microsoft.com/office/officeart/2005/8/layout/matrix3"/>
-    <dgm:cxn modelId="{71C6D7BF-C0C5-4747-9673-A9FD7CDF5368}" type="presParOf" srcId="{A4224FE7-9BBC-4062-865A-D43A140DF049}" destId="{A4FA82A8-1178-4F4C-ACFA-3EEEA883F03E}" srcOrd="2" destOrd="0" presId="urn:microsoft.com/office/officeart/2005/8/layout/matrix3"/>
-    <dgm:cxn modelId="{F1842C26-CFD2-4D43-9B17-6DC909DC7D0A}" type="presParOf" srcId="{A4224FE7-9BBC-4062-865A-D43A140DF049}" destId="{2A9610F8-779E-4E38-A399-2736776CD4D9}" srcOrd="3" destOrd="0" presId="urn:microsoft.com/office/officeart/2005/8/layout/matrix3"/>
-    <dgm:cxn modelId="{D8CC07FB-DCFD-48A6-B0FE-08640B9C3386}" type="presParOf" srcId="{A4224FE7-9BBC-4062-865A-D43A140DF049}" destId="{FC7DD138-A8DD-4267-9F2D-48932B0903EF}" srcOrd="4" destOrd="0" presId="urn:microsoft.com/office/officeart/2005/8/layout/matrix3"/>
-  </dgm:cxnLst>
-  <dgm:bg/>
-  <dgm:whole/>
-  <dgm:extLst>
-    <a:ext uri="http://schemas.microsoft.com/office/drawing/2008/diagram">
-      <dsp:dataModelExt xmlns:dsp="http://schemas.microsoft.com/office/drawing/2008/diagram" relId="rId6" minVer="http://schemas.openxmlformats.org/drawingml/2006/diagram"/>
     </a:ext>
   </dgm:extLst>
 </dgm:dataModel>
@@ -2218,370 +1106,6 @@
       <dsp:txXfrm>
         <a:off x="28822" y="29325"/>
         <a:ext cx="8831069" cy="532783"/>
-      </dsp:txXfrm>
-    </dsp:sp>
-  </dsp:spTree>
-</dsp:drawing>
-</file>
-
-<file path=ppt/diagrams/drawing2.xml><?xml version="1.0" encoding="utf-8"?>
-<dsp:drawing xmlns:dgm="http://schemas.openxmlformats.org/drawingml/2006/diagram" xmlns:dsp="http://schemas.microsoft.com/office/drawing/2008/diagram" xmlns:a="http://schemas.openxmlformats.org/drawingml/2006/main">
-  <dsp:spTree>
-    <dsp:nvGrpSpPr>
-      <dsp:cNvPr id="0" name=""/>
-      <dsp:cNvGrpSpPr/>
-    </dsp:nvGrpSpPr>
-    <dsp:grpSpPr/>
-    <dsp:sp modelId="{BE8F9D25-FBB2-4901-A05F-27F55857791A}">
-      <dsp:nvSpPr>
-        <dsp:cNvPr id="0" name=""/>
-        <dsp:cNvSpPr/>
-      </dsp:nvSpPr>
-      <dsp:spPr>
-        <a:xfrm>
-          <a:off x="228600" y="0"/>
-          <a:ext cx="4191000" cy="4191000"/>
-        </a:xfrm>
-        <a:prstGeom prst="diamond">
-          <a:avLst/>
-        </a:prstGeom>
-        <a:solidFill>
-          <a:schemeClr val="accent1">
-            <a:tint val="40000"/>
-            <a:hueOff val="0"/>
-            <a:satOff val="0"/>
-            <a:lumOff val="0"/>
-            <a:alphaOff val="0"/>
-          </a:schemeClr>
-        </a:solidFill>
-        <a:ln>
-          <a:noFill/>
-        </a:ln>
-        <a:effectLst/>
-      </dsp:spPr>
-      <dsp:style>
-        <a:lnRef idx="0">
-          <a:scrgbClr r="0" g="0" b="0"/>
-        </a:lnRef>
-        <a:fillRef idx="1">
-          <a:scrgbClr r="0" g="0" b="0"/>
-        </a:fillRef>
-        <a:effectRef idx="0">
-          <a:scrgbClr r="0" g="0" b="0"/>
-        </a:effectRef>
-        <a:fontRef idx="minor"/>
-      </dsp:style>
-    </dsp:sp>
-    <dsp:sp modelId="{ABBAF0FA-4E57-420B-8BD9-D4A166110C32}">
-      <dsp:nvSpPr>
-        <dsp:cNvPr id="0" name=""/>
-        <dsp:cNvSpPr/>
-      </dsp:nvSpPr>
-      <dsp:spPr>
-        <a:xfrm>
-          <a:off x="626745" y="398144"/>
-          <a:ext cx="1634490" cy="1634490"/>
-        </a:xfrm>
-        <a:prstGeom prst="roundRect">
-          <a:avLst/>
-        </a:prstGeom>
-        <a:solidFill>
-          <a:schemeClr val="accent1">
-            <a:alpha val="90000"/>
-            <a:hueOff val="0"/>
-            <a:satOff val="0"/>
-            <a:lumOff val="0"/>
-            <a:alphaOff val="0"/>
-          </a:schemeClr>
-        </a:solidFill>
-        <a:ln w="28575" cap="flat" cmpd="sng" algn="ctr">
-          <a:solidFill>
-            <a:schemeClr val="lt1">
-              <a:hueOff val="0"/>
-              <a:satOff val="0"/>
-              <a:lumOff val="0"/>
-              <a:alphaOff val="0"/>
-            </a:schemeClr>
-          </a:solidFill>
-          <a:miter lim="800000"/>
-        </a:ln>
-        <a:effectLst/>
-      </dsp:spPr>
-      <dsp:style>
-        <a:lnRef idx="2">
-          <a:scrgbClr r="0" g="0" b="0"/>
-        </a:lnRef>
-        <a:fillRef idx="1">
-          <a:scrgbClr r="0" g="0" b="0"/>
-        </a:fillRef>
-        <a:effectRef idx="0">
-          <a:scrgbClr r="0" g="0" b="0"/>
-        </a:effectRef>
-        <a:fontRef idx="minor">
-          <a:schemeClr val="lt1"/>
-        </a:fontRef>
-      </dsp:style>
-      <dsp:txBody>
-        <a:bodyPr spcFirstLastPara="0" vert="horz" wrap="square" lIns="133350" tIns="133350" rIns="133350" bIns="133350" numCol="1" spcCol="1270" anchor="ctr" anchorCtr="0">
-          <a:noAutofit/>
-        </a:bodyPr>
-        <a:lstStyle/>
-        <a:p>
-          <a:pPr marL="0" lvl="0" indent="0" algn="ctr" defTabSz="1555750">
-            <a:lnSpc>
-              <a:spcPct val="90000"/>
-            </a:lnSpc>
-            <a:spcBef>
-              <a:spcPct val="0"/>
-            </a:spcBef>
-            <a:spcAft>
-              <a:spcPct val="35000"/>
-            </a:spcAft>
-            <a:buNone/>
-          </a:pPr>
-          <a:r>
-            <a:rPr lang="en-US" sz="3500" kern="1200" dirty="0"/>
-            <a:t>Group A</a:t>
-          </a:r>
-        </a:p>
-      </dsp:txBody>
-      <dsp:txXfrm>
-        <a:off x="706534" y="477933"/>
-        <a:ext cx="1474912" cy="1474912"/>
-      </dsp:txXfrm>
-    </dsp:sp>
-    <dsp:sp modelId="{A4FA82A8-1178-4F4C-ACFA-3EEEA883F03E}">
-      <dsp:nvSpPr>
-        <dsp:cNvPr id="0" name=""/>
-        <dsp:cNvSpPr/>
-      </dsp:nvSpPr>
-      <dsp:spPr>
-        <a:xfrm>
-          <a:off x="2386965" y="398144"/>
-          <a:ext cx="1634490" cy="1634490"/>
-        </a:xfrm>
-        <a:prstGeom prst="roundRect">
-          <a:avLst/>
-        </a:prstGeom>
-        <a:solidFill>
-          <a:schemeClr val="accent1">
-            <a:alpha val="90000"/>
-            <a:hueOff val="0"/>
-            <a:satOff val="0"/>
-            <a:lumOff val="0"/>
-            <a:alphaOff val="-13333"/>
-          </a:schemeClr>
-        </a:solidFill>
-        <a:ln w="28575" cap="flat" cmpd="sng" algn="ctr">
-          <a:solidFill>
-            <a:schemeClr val="lt1">
-              <a:hueOff val="0"/>
-              <a:satOff val="0"/>
-              <a:lumOff val="0"/>
-              <a:alphaOff val="0"/>
-            </a:schemeClr>
-          </a:solidFill>
-          <a:miter lim="800000"/>
-        </a:ln>
-        <a:effectLst/>
-      </dsp:spPr>
-      <dsp:style>
-        <a:lnRef idx="2">
-          <a:scrgbClr r="0" g="0" b="0"/>
-        </a:lnRef>
-        <a:fillRef idx="1">
-          <a:scrgbClr r="0" g="0" b="0"/>
-        </a:fillRef>
-        <a:effectRef idx="0">
-          <a:scrgbClr r="0" g="0" b="0"/>
-        </a:effectRef>
-        <a:fontRef idx="minor">
-          <a:schemeClr val="lt1"/>
-        </a:fontRef>
-      </dsp:style>
-      <dsp:txBody>
-        <a:bodyPr spcFirstLastPara="0" vert="horz" wrap="square" lIns="133350" tIns="133350" rIns="133350" bIns="133350" numCol="1" spcCol="1270" anchor="ctr" anchorCtr="0">
-          <a:noAutofit/>
-        </a:bodyPr>
-        <a:lstStyle/>
-        <a:p>
-          <a:pPr marL="0" lvl="0" indent="0" algn="ctr" defTabSz="1555750">
-            <a:lnSpc>
-              <a:spcPct val="90000"/>
-            </a:lnSpc>
-            <a:spcBef>
-              <a:spcPct val="0"/>
-            </a:spcBef>
-            <a:spcAft>
-              <a:spcPct val="35000"/>
-            </a:spcAft>
-            <a:buNone/>
-          </a:pPr>
-          <a:r>
-            <a:rPr lang="en-US" sz="3500" kern="1200" dirty="0"/>
-            <a:t>Group B</a:t>
-          </a:r>
-        </a:p>
-      </dsp:txBody>
-      <dsp:txXfrm>
-        <a:off x="2466754" y="477933"/>
-        <a:ext cx="1474912" cy="1474912"/>
-      </dsp:txXfrm>
-    </dsp:sp>
-    <dsp:sp modelId="{2A9610F8-779E-4E38-A399-2736776CD4D9}">
-      <dsp:nvSpPr>
-        <dsp:cNvPr id="0" name=""/>
-        <dsp:cNvSpPr/>
-      </dsp:nvSpPr>
-      <dsp:spPr>
-        <a:xfrm>
-          <a:off x="626745" y="2158365"/>
-          <a:ext cx="1634490" cy="1634490"/>
-        </a:xfrm>
-        <a:prstGeom prst="roundRect">
-          <a:avLst/>
-        </a:prstGeom>
-        <a:solidFill>
-          <a:schemeClr val="accent1">
-            <a:alpha val="90000"/>
-            <a:hueOff val="0"/>
-            <a:satOff val="0"/>
-            <a:lumOff val="0"/>
-            <a:alphaOff val="-26667"/>
-          </a:schemeClr>
-        </a:solidFill>
-        <a:ln w="28575" cap="flat" cmpd="sng" algn="ctr">
-          <a:solidFill>
-            <a:schemeClr val="lt1">
-              <a:hueOff val="0"/>
-              <a:satOff val="0"/>
-              <a:lumOff val="0"/>
-              <a:alphaOff val="0"/>
-            </a:schemeClr>
-          </a:solidFill>
-          <a:miter lim="800000"/>
-        </a:ln>
-        <a:effectLst/>
-      </dsp:spPr>
-      <dsp:style>
-        <a:lnRef idx="2">
-          <a:scrgbClr r="0" g="0" b="0"/>
-        </a:lnRef>
-        <a:fillRef idx="1">
-          <a:scrgbClr r="0" g="0" b="0"/>
-        </a:fillRef>
-        <a:effectRef idx="0">
-          <a:scrgbClr r="0" g="0" b="0"/>
-        </a:effectRef>
-        <a:fontRef idx="minor">
-          <a:schemeClr val="lt1"/>
-        </a:fontRef>
-      </dsp:style>
-      <dsp:txBody>
-        <a:bodyPr spcFirstLastPara="0" vert="horz" wrap="square" lIns="133350" tIns="133350" rIns="133350" bIns="133350" numCol="1" spcCol="1270" anchor="ctr" anchorCtr="0">
-          <a:noAutofit/>
-        </a:bodyPr>
-        <a:lstStyle/>
-        <a:p>
-          <a:pPr marL="0" lvl="0" indent="0" algn="ctr" defTabSz="1555750">
-            <a:lnSpc>
-              <a:spcPct val="90000"/>
-            </a:lnSpc>
-            <a:spcBef>
-              <a:spcPct val="0"/>
-            </a:spcBef>
-            <a:spcAft>
-              <a:spcPct val="35000"/>
-            </a:spcAft>
-            <a:buNone/>
-          </a:pPr>
-          <a:r>
-            <a:rPr lang="en-US" sz="3500" kern="1200" dirty="0"/>
-            <a:t>Group C</a:t>
-          </a:r>
-        </a:p>
-      </dsp:txBody>
-      <dsp:txXfrm>
-        <a:off x="706534" y="2238154"/>
-        <a:ext cx="1474912" cy="1474912"/>
-      </dsp:txXfrm>
-    </dsp:sp>
-    <dsp:sp modelId="{FC7DD138-A8DD-4267-9F2D-48932B0903EF}">
-      <dsp:nvSpPr>
-        <dsp:cNvPr id="0" name=""/>
-        <dsp:cNvSpPr/>
-      </dsp:nvSpPr>
-      <dsp:spPr>
-        <a:xfrm>
-          <a:off x="2386965" y="2158365"/>
-          <a:ext cx="1634490" cy="1634490"/>
-        </a:xfrm>
-        <a:prstGeom prst="roundRect">
-          <a:avLst/>
-        </a:prstGeom>
-        <a:solidFill>
-          <a:schemeClr val="accent1">
-            <a:alpha val="90000"/>
-            <a:hueOff val="0"/>
-            <a:satOff val="0"/>
-            <a:lumOff val="0"/>
-            <a:alphaOff val="-40000"/>
-          </a:schemeClr>
-        </a:solidFill>
-        <a:ln w="28575" cap="flat" cmpd="sng" algn="ctr">
-          <a:solidFill>
-            <a:schemeClr val="lt1">
-              <a:hueOff val="0"/>
-              <a:satOff val="0"/>
-              <a:lumOff val="0"/>
-              <a:alphaOff val="0"/>
-            </a:schemeClr>
-          </a:solidFill>
-          <a:miter lim="800000"/>
-        </a:ln>
-        <a:effectLst/>
-      </dsp:spPr>
-      <dsp:style>
-        <a:lnRef idx="2">
-          <a:scrgbClr r="0" g="0" b="0"/>
-        </a:lnRef>
-        <a:fillRef idx="1">
-          <a:scrgbClr r="0" g="0" b="0"/>
-        </a:fillRef>
-        <a:effectRef idx="0">
-          <a:scrgbClr r="0" g="0" b="0"/>
-        </a:effectRef>
-        <a:fontRef idx="minor">
-          <a:schemeClr val="lt1"/>
-        </a:fontRef>
-      </dsp:style>
-      <dsp:txBody>
-        <a:bodyPr spcFirstLastPara="0" vert="horz" wrap="square" lIns="133350" tIns="133350" rIns="133350" bIns="133350" numCol="1" spcCol="1270" anchor="ctr" anchorCtr="0">
-          <a:noAutofit/>
-        </a:bodyPr>
-        <a:lstStyle/>
-        <a:p>
-          <a:pPr marL="0" lvl="0" indent="0" algn="ctr" defTabSz="1555750">
-            <a:lnSpc>
-              <a:spcPct val="90000"/>
-            </a:lnSpc>
-            <a:spcBef>
-              <a:spcPct val="0"/>
-            </a:spcBef>
-            <a:spcAft>
-              <a:spcPct val="35000"/>
-            </a:spcAft>
-            <a:buNone/>
-          </a:pPr>
-          <a:r>
-            <a:rPr lang="en-US" sz="3500" kern="1200" dirty="0"/>
-            <a:t>Group D</a:t>
-          </a:r>
-        </a:p>
-      </dsp:txBody>
-      <dsp:txXfrm>
-        <a:off x="2466754" y="2238154"/>
-        <a:ext cx="1474912" cy="1474912"/>
       </dsp:txXfrm>
     </dsp:sp>
   </dsp:spTree>
@@ -2755,1260 +1279,7 @@
 </dgm:layoutDef>
 </file>
 
-<file path=ppt/diagrams/layout2.xml><?xml version="1.0" encoding="utf-8"?>
-<dgm:layoutDef xmlns:dgm="http://schemas.openxmlformats.org/drawingml/2006/diagram" xmlns:a="http://schemas.openxmlformats.org/drawingml/2006/main" uniqueId="urn:microsoft.com/office/officeart/2005/8/layout/matrix3">
-  <dgm:title val=""/>
-  <dgm:desc val=""/>
-  <dgm:catLst>
-    <dgm:cat type="matrix" pri="1000"/>
-    <dgm:cat type="convert" pri="18000"/>
-  </dgm:catLst>
-  <dgm:sampData>
-    <dgm:dataModel>
-      <dgm:ptLst>
-        <dgm:pt modelId="0" type="doc"/>
-        <dgm:pt modelId="1">
-          <dgm:prSet phldr="1"/>
-        </dgm:pt>
-        <dgm:pt modelId="2">
-          <dgm:prSet phldr="1"/>
-        </dgm:pt>
-        <dgm:pt modelId="3">
-          <dgm:prSet phldr="1"/>
-        </dgm:pt>
-        <dgm:pt modelId="4">
-          <dgm:prSet phldr="1"/>
-        </dgm:pt>
-      </dgm:ptLst>
-      <dgm:cxnLst>
-        <dgm:cxn modelId="5" srcId="0" destId="1" srcOrd="0" destOrd="0"/>
-        <dgm:cxn modelId="6" srcId="0" destId="2" srcOrd="1" destOrd="0"/>
-        <dgm:cxn modelId="7" srcId="0" destId="3" srcOrd="0" destOrd="0"/>
-        <dgm:cxn modelId="8" srcId="0" destId="4" srcOrd="1" destOrd="0"/>
-      </dgm:cxnLst>
-      <dgm:bg/>
-      <dgm:whole/>
-    </dgm:dataModel>
-  </dgm:sampData>
-  <dgm:styleData useDef="1">
-    <dgm:dataModel>
-      <dgm:ptLst/>
-      <dgm:bg/>
-      <dgm:whole/>
-    </dgm:dataModel>
-  </dgm:styleData>
-  <dgm:clrData useDef="1">
-    <dgm:dataModel>
-      <dgm:ptLst/>
-      <dgm:bg/>
-      <dgm:whole/>
-    </dgm:dataModel>
-  </dgm:clrData>
-  <dgm:layoutNode name="matrix">
-    <dgm:varLst>
-      <dgm:chMax val="1"/>
-      <dgm:dir/>
-      <dgm:resizeHandles val="exact"/>
-    </dgm:varLst>
-    <dgm:alg type="composite">
-      <dgm:param type="ar" val="1"/>
-    </dgm:alg>
-    <dgm:shape xmlns:r="http://schemas.openxmlformats.org/officeDocument/2006/relationships" r:blip="">
-      <dgm:adjLst/>
-    </dgm:shape>
-    <dgm:presOf/>
-    <dgm:choose name="Name0">
-      <dgm:if name="Name1" func="var" arg="dir" op="equ" val="norm">
-        <dgm:constrLst>
-          <dgm:constr type="w" for="ch" forName="diamond" refType="w"/>
-          <dgm:constr type="h" for="ch" forName="diamond" refType="h"/>
-          <dgm:constr type="w" for="ch" forName="quad1" refType="w" fact="0.39"/>
-          <dgm:constr type="h" for="ch" forName="quad1" refType="h" fact="0.39"/>
-          <dgm:constr type="ctrX" for="ch" forName="quad1" refType="w" fact="0.29"/>
-          <dgm:constr type="ctrY" for="ch" forName="quad1" refType="h" fact="0.29"/>
-          <dgm:constr type="w" for="ch" forName="quad2" refType="w" fact="0.39"/>
-          <dgm:constr type="h" for="ch" forName="quad2" refType="h" fact="0.39"/>
-          <dgm:constr type="ctrX" for="ch" forName="quad2" refType="w" fact="0.71"/>
-          <dgm:constr type="ctrY" for="ch" forName="quad2" refType="h" fact="0.29"/>
-          <dgm:constr type="w" for="ch" forName="quad3" refType="w" fact="0.39"/>
-          <dgm:constr type="h" for="ch" forName="quad3" refType="h" fact="0.39"/>
-          <dgm:constr type="ctrX" for="ch" forName="quad3" refType="w" fact="0.29"/>
-          <dgm:constr type="ctrY" for="ch" forName="quad3" refType="h" fact="0.71"/>
-          <dgm:constr type="w" for="ch" forName="quad4" refType="w" fact="0.39"/>
-          <dgm:constr type="h" for="ch" forName="quad4" refType="h" fact="0.39"/>
-          <dgm:constr type="ctrX" for="ch" forName="quad4" refType="w" fact="0.71"/>
-          <dgm:constr type="ctrY" for="ch" forName="quad4" refType="h" fact="0.71"/>
-          <dgm:constr type="primFontSz" for="des" ptType="node" op="equ" val="65"/>
-        </dgm:constrLst>
-      </dgm:if>
-      <dgm:else name="Name2">
-        <dgm:constrLst>
-          <dgm:constr type="w" for="ch" forName="diamond" refType="w"/>
-          <dgm:constr type="h" for="ch" forName="diamond" refType="h"/>
-          <dgm:constr type="w" for="ch" forName="quad1" refType="w" fact="0.39"/>
-          <dgm:constr type="h" for="ch" forName="quad1" refType="h" fact="0.39"/>
-          <dgm:constr type="ctrX" for="ch" forName="quad1" refType="w" fact="0.71"/>
-          <dgm:constr type="ctrY" for="ch" forName="quad1" refType="h" fact="0.29"/>
-          <dgm:constr type="w" for="ch" forName="quad2" refType="w" fact="0.39"/>
-          <dgm:constr type="h" for="ch" forName="quad2" refType="h" fact="0.39"/>
-          <dgm:constr type="ctrX" for="ch" forName="quad2" refType="w" fact="0.29"/>
-          <dgm:constr type="ctrY" for="ch" forName="quad2" refType="h" fact="0.29"/>
-          <dgm:constr type="w" for="ch" forName="quad3" refType="w" fact="0.39"/>
-          <dgm:constr type="h" for="ch" forName="quad3" refType="h" fact="0.39"/>
-          <dgm:constr type="ctrX" for="ch" forName="quad3" refType="w" fact="0.71"/>
-          <dgm:constr type="ctrY" for="ch" forName="quad3" refType="h" fact="0.71"/>
-          <dgm:constr type="w" for="ch" forName="quad4" refType="w" fact="0.39"/>
-          <dgm:constr type="h" for="ch" forName="quad4" refType="h" fact="0.39"/>
-          <dgm:constr type="ctrX" for="ch" forName="quad4" refType="w" fact="0.29"/>
-          <dgm:constr type="ctrY" for="ch" forName="quad4" refType="h" fact="0.71"/>
-          <dgm:constr type="primFontSz" for="des" ptType="node" op="equ" val="65"/>
-        </dgm:constrLst>
-      </dgm:else>
-    </dgm:choose>
-    <dgm:ruleLst/>
-    <dgm:choose name="Name3">
-      <dgm:if name="Name4" axis="ch" ptType="node" func="cnt" op="gte" val="1">
-        <dgm:layoutNode name="diamond" styleLbl="bgShp">
-          <dgm:alg type="sp"/>
-          <dgm:shape xmlns:r="http://schemas.openxmlformats.org/officeDocument/2006/relationships" type="diamond" r:blip="">
-            <dgm:adjLst/>
-          </dgm:shape>
-          <dgm:presOf/>
-          <dgm:constrLst>
-            <dgm:constr type="w" refType="h" op="equ"/>
-          </dgm:constrLst>
-          <dgm:ruleLst/>
-        </dgm:layoutNode>
-        <dgm:layoutNode name="quad1">
-          <dgm:varLst>
-            <dgm:chMax val="0"/>
-            <dgm:chPref val="0"/>
-            <dgm:bulletEnabled val="1"/>
-          </dgm:varLst>
-          <dgm:alg type="tx"/>
-          <dgm:shape xmlns:r="http://schemas.openxmlformats.org/officeDocument/2006/relationships" type="roundRect" r:blip="">
-            <dgm:adjLst/>
-          </dgm:shape>
-          <dgm:presOf axis="ch desOrSelf" ptType="node node" st="1 1" cnt="1 0"/>
-          <dgm:constrLst>
-            <dgm:constr type="w" refType="h" op="equ"/>
-            <dgm:constr type="tMarg" refType="primFontSz" fact="0.3"/>
-            <dgm:constr type="bMarg" refType="primFontSz" fact="0.3"/>
-            <dgm:constr type="lMarg" refType="primFontSz" fact="0.3"/>
-            <dgm:constr type="rMarg" refType="primFontSz" fact="0.3"/>
-          </dgm:constrLst>
-          <dgm:ruleLst>
-            <dgm:rule type="primFontSz" val="5" fact="NaN" max="NaN"/>
-          </dgm:ruleLst>
-        </dgm:layoutNode>
-        <dgm:layoutNode name="quad2">
-          <dgm:varLst>
-            <dgm:chMax val="0"/>
-            <dgm:chPref val="0"/>
-            <dgm:bulletEnabled val="1"/>
-          </dgm:varLst>
-          <dgm:alg type="tx"/>
-          <dgm:shape xmlns:r="http://schemas.openxmlformats.org/officeDocument/2006/relationships" type="roundRect" r:blip="">
-            <dgm:adjLst/>
-          </dgm:shape>
-          <dgm:presOf axis="ch desOrSelf" ptType="node node" st="2 1" cnt="1 0"/>
-          <dgm:constrLst>
-            <dgm:constr type="w" refType="h" op="equ"/>
-            <dgm:constr type="tMarg" refType="primFontSz" fact="0.3"/>
-            <dgm:constr type="bMarg" refType="primFontSz" fact="0.3"/>
-            <dgm:constr type="lMarg" refType="primFontSz" fact="0.3"/>
-            <dgm:constr type="rMarg" refType="primFontSz" fact="0.3"/>
-          </dgm:constrLst>
-          <dgm:ruleLst>
-            <dgm:rule type="primFontSz" val="5" fact="NaN" max="NaN"/>
-          </dgm:ruleLst>
-        </dgm:layoutNode>
-        <dgm:layoutNode name="quad3">
-          <dgm:varLst>
-            <dgm:chMax val="0"/>
-            <dgm:chPref val="0"/>
-            <dgm:bulletEnabled val="1"/>
-          </dgm:varLst>
-          <dgm:alg type="tx"/>
-          <dgm:shape xmlns:r="http://schemas.openxmlformats.org/officeDocument/2006/relationships" type="roundRect" r:blip="">
-            <dgm:adjLst/>
-          </dgm:shape>
-          <dgm:presOf axis="ch desOrSelf" ptType="node node" st="3 1" cnt="1 0"/>
-          <dgm:constrLst>
-            <dgm:constr type="w" refType="h" op="equ"/>
-            <dgm:constr type="tMarg" refType="primFontSz" fact="0.3"/>
-            <dgm:constr type="bMarg" refType="primFontSz" fact="0.3"/>
-            <dgm:constr type="lMarg" refType="primFontSz" fact="0.3"/>
-            <dgm:constr type="rMarg" refType="primFontSz" fact="0.3"/>
-          </dgm:constrLst>
-          <dgm:ruleLst>
-            <dgm:rule type="primFontSz" val="5" fact="NaN" max="NaN"/>
-          </dgm:ruleLst>
-        </dgm:layoutNode>
-        <dgm:layoutNode name="quad4">
-          <dgm:varLst>
-            <dgm:chMax val="0"/>
-            <dgm:chPref val="0"/>
-            <dgm:bulletEnabled val="1"/>
-          </dgm:varLst>
-          <dgm:alg type="tx"/>
-          <dgm:shape xmlns:r="http://schemas.openxmlformats.org/officeDocument/2006/relationships" type="roundRect" r:blip="">
-            <dgm:adjLst/>
-          </dgm:shape>
-          <dgm:presOf axis="ch desOrSelf" ptType="node node" st="4 1" cnt="1 0"/>
-          <dgm:constrLst>
-            <dgm:constr type="w" refType="h" op="equ"/>
-            <dgm:constr type="tMarg" refType="primFontSz" fact="0.3"/>
-            <dgm:constr type="bMarg" refType="primFontSz" fact="0.3"/>
-            <dgm:constr type="lMarg" refType="primFontSz" fact="0.3"/>
-            <dgm:constr type="rMarg" refType="primFontSz" fact="0.3"/>
-          </dgm:constrLst>
-          <dgm:ruleLst>
-            <dgm:rule type="primFontSz" val="5" fact="NaN" max="NaN"/>
-          </dgm:ruleLst>
-        </dgm:layoutNode>
-      </dgm:if>
-      <dgm:else name="Name5"/>
-    </dgm:choose>
-  </dgm:layoutNode>
-</dgm:layoutDef>
-</file>
-
 <file path=ppt/diagrams/quickStyle1.xml><?xml version="1.0" encoding="utf-8"?>
-<dgm:styleDef xmlns:dgm="http://schemas.openxmlformats.org/drawingml/2006/diagram" xmlns:a="http://schemas.openxmlformats.org/drawingml/2006/main" uniqueId="urn:microsoft.com/office/officeart/2005/8/quickstyle/simple1">
-  <dgm:title val=""/>
-  <dgm:desc val=""/>
-  <dgm:catLst>
-    <dgm:cat type="simple" pri="10100"/>
-  </dgm:catLst>
-  <dgm:scene3d>
-    <a:camera prst="orthographicFront"/>
-    <a:lightRig rig="threePt" dir="t"/>
-  </dgm:scene3d>
-  <dgm:styleLbl name="node0">
-    <dgm:scene3d>
-      <a:camera prst="orthographicFront"/>
-      <a:lightRig rig="threePt" dir="t"/>
-    </dgm:scene3d>
-    <dgm:sp3d/>
-    <dgm:txPr/>
-    <dgm:style>
-      <a:lnRef idx="2">
-        <a:scrgbClr r="0" g="0" b="0"/>
-      </a:lnRef>
-      <a:fillRef idx="1">
-        <a:scrgbClr r="0" g="0" b="0"/>
-      </a:fillRef>
-      <a:effectRef idx="0">
-        <a:scrgbClr r="0" g="0" b="0"/>
-      </a:effectRef>
-      <a:fontRef idx="minor">
-        <a:schemeClr val="lt1"/>
-      </a:fontRef>
-    </dgm:style>
-  </dgm:styleLbl>
-  <dgm:styleLbl name="lnNode1">
-    <dgm:scene3d>
-      <a:camera prst="orthographicFront"/>
-      <a:lightRig rig="threePt" dir="t"/>
-    </dgm:scene3d>
-    <dgm:sp3d/>
-    <dgm:txPr/>
-    <dgm:style>
-      <a:lnRef idx="2">
-        <a:scrgbClr r="0" g="0" b="0"/>
-      </a:lnRef>
-      <a:fillRef idx="1">
-        <a:scrgbClr r="0" g="0" b="0"/>
-      </a:fillRef>
-      <a:effectRef idx="0">
-        <a:scrgbClr r="0" g="0" b="0"/>
-      </a:effectRef>
-      <a:fontRef idx="minor">
-        <a:schemeClr val="lt1"/>
-      </a:fontRef>
-    </dgm:style>
-  </dgm:styleLbl>
-  <dgm:styleLbl name="vennNode1">
-    <dgm:scene3d>
-      <a:camera prst="orthographicFront"/>
-      <a:lightRig rig="threePt" dir="t"/>
-    </dgm:scene3d>
-    <dgm:sp3d/>
-    <dgm:txPr/>
-    <dgm:style>
-      <a:lnRef idx="2">
-        <a:scrgbClr r="0" g="0" b="0"/>
-      </a:lnRef>
-      <a:fillRef idx="1">
-        <a:scrgbClr r="0" g="0" b="0"/>
-      </a:fillRef>
-      <a:effectRef idx="0">
-        <a:scrgbClr r="0" g="0" b="0"/>
-      </a:effectRef>
-      <a:fontRef idx="minor">
-        <a:schemeClr val="tx1"/>
-      </a:fontRef>
-    </dgm:style>
-  </dgm:styleLbl>
-  <dgm:styleLbl name="alignNode1">
-    <dgm:scene3d>
-      <a:camera prst="orthographicFront"/>
-      <a:lightRig rig="threePt" dir="t"/>
-    </dgm:scene3d>
-    <dgm:sp3d/>
-    <dgm:txPr/>
-    <dgm:style>
-      <a:lnRef idx="2">
-        <a:scrgbClr r="0" g="0" b="0"/>
-      </a:lnRef>
-      <a:fillRef idx="1">
-        <a:scrgbClr r="0" g="0" b="0"/>
-      </a:fillRef>
-      <a:effectRef idx="0">
-        <a:scrgbClr r="0" g="0" b="0"/>
-      </a:effectRef>
-      <a:fontRef idx="minor">
-        <a:schemeClr val="lt1"/>
-      </a:fontRef>
-    </dgm:style>
-  </dgm:styleLbl>
-  <dgm:styleLbl name="node1">
-    <dgm:scene3d>
-      <a:camera prst="orthographicFront"/>
-      <a:lightRig rig="threePt" dir="t"/>
-    </dgm:scene3d>
-    <dgm:sp3d/>
-    <dgm:txPr/>
-    <dgm:style>
-      <a:lnRef idx="2">
-        <a:scrgbClr r="0" g="0" b="0"/>
-      </a:lnRef>
-      <a:fillRef idx="1">
-        <a:scrgbClr r="0" g="0" b="0"/>
-      </a:fillRef>
-      <a:effectRef idx="0">
-        <a:scrgbClr r="0" g="0" b="0"/>
-      </a:effectRef>
-      <a:fontRef idx="minor">
-        <a:schemeClr val="lt1"/>
-      </a:fontRef>
-    </dgm:style>
-  </dgm:styleLbl>
-  <dgm:styleLbl name="node2">
-    <dgm:scene3d>
-      <a:camera prst="orthographicFront"/>
-      <a:lightRig rig="threePt" dir="t"/>
-    </dgm:scene3d>
-    <dgm:sp3d/>
-    <dgm:txPr/>
-    <dgm:style>
-      <a:lnRef idx="2">
-        <a:scrgbClr r="0" g="0" b="0"/>
-      </a:lnRef>
-      <a:fillRef idx="1">
-        <a:scrgbClr r="0" g="0" b="0"/>
-      </a:fillRef>
-      <a:effectRef idx="0">
-        <a:scrgbClr r="0" g="0" b="0"/>
-      </a:effectRef>
-      <a:fontRef idx="minor">
-        <a:schemeClr val="lt1"/>
-      </a:fontRef>
-    </dgm:style>
-  </dgm:styleLbl>
-  <dgm:styleLbl name="node3">
-    <dgm:scene3d>
-      <a:camera prst="orthographicFront"/>
-      <a:lightRig rig="threePt" dir="t"/>
-    </dgm:scene3d>
-    <dgm:sp3d/>
-    <dgm:txPr/>
-    <dgm:style>
-      <a:lnRef idx="2">
-        <a:scrgbClr r="0" g="0" b="0"/>
-      </a:lnRef>
-      <a:fillRef idx="1">
-        <a:scrgbClr r="0" g="0" b="0"/>
-      </a:fillRef>
-      <a:effectRef idx="0">
-        <a:scrgbClr r="0" g="0" b="0"/>
-      </a:effectRef>
-      <a:fontRef idx="minor">
-        <a:schemeClr val="lt1"/>
-      </a:fontRef>
-    </dgm:style>
-  </dgm:styleLbl>
-  <dgm:styleLbl name="node4">
-    <dgm:scene3d>
-      <a:camera prst="orthographicFront"/>
-      <a:lightRig rig="threePt" dir="t"/>
-    </dgm:scene3d>
-    <dgm:sp3d/>
-    <dgm:txPr/>
-    <dgm:style>
-      <a:lnRef idx="2">
-        <a:scrgbClr r="0" g="0" b="0"/>
-      </a:lnRef>
-      <a:fillRef idx="1">
-        <a:scrgbClr r="0" g="0" b="0"/>
-      </a:fillRef>
-      <a:effectRef idx="0">
-        <a:scrgbClr r="0" g="0" b="0"/>
-      </a:effectRef>
-      <a:fontRef idx="minor">
-        <a:schemeClr val="lt1"/>
-      </a:fontRef>
-    </dgm:style>
-  </dgm:styleLbl>
-  <dgm:styleLbl name="fgImgPlace1">
-    <dgm:scene3d>
-      <a:camera prst="orthographicFront"/>
-      <a:lightRig rig="threePt" dir="t"/>
-    </dgm:scene3d>
-    <dgm:sp3d/>
-    <dgm:txPr/>
-    <dgm:style>
-      <a:lnRef idx="2">
-        <a:scrgbClr r="0" g="0" b="0"/>
-      </a:lnRef>
-      <a:fillRef idx="1">
-        <a:scrgbClr r="0" g="0" b="0"/>
-      </a:fillRef>
-      <a:effectRef idx="0">
-        <a:scrgbClr r="0" g="0" b="0"/>
-      </a:effectRef>
-      <a:fontRef idx="minor"/>
-    </dgm:style>
-  </dgm:styleLbl>
-  <dgm:styleLbl name="alignImgPlace1">
-    <dgm:scene3d>
-      <a:camera prst="orthographicFront"/>
-      <a:lightRig rig="threePt" dir="t"/>
-    </dgm:scene3d>
-    <dgm:sp3d/>
-    <dgm:txPr/>
-    <dgm:style>
-      <a:lnRef idx="2">
-        <a:scrgbClr r="0" g="0" b="0"/>
-      </a:lnRef>
-      <a:fillRef idx="1">
-        <a:scrgbClr r="0" g="0" b="0"/>
-      </a:fillRef>
-      <a:effectRef idx="0">
-        <a:scrgbClr r="0" g="0" b="0"/>
-      </a:effectRef>
-      <a:fontRef idx="minor"/>
-    </dgm:style>
-  </dgm:styleLbl>
-  <dgm:styleLbl name="bgImgPlace1">
-    <dgm:scene3d>
-      <a:camera prst="orthographicFront"/>
-      <a:lightRig rig="threePt" dir="t"/>
-    </dgm:scene3d>
-    <dgm:sp3d/>
-    <dgm:txPr/>
-    <dgm:style>
-      <a:lnRef idx="2">
-        <a:scrgbClr r="0" g="0" b="0"/>
-      </a:lnRef>
-      <a:fillRef idx="1">
-        <a:scrgbClr r="0" g="0" b="0"/>
-      </a:fillRef>
-      <a:effectRef idx="0">
-        <a:scrgbClr r="0" g="0" b="0"/>
-      </a:effectRef>
-      <a:fontRef idx="minor"/>
-    </dgm:style>
-  </dgm:styleLbl>
-  <dgm:styleLbl name="sibTrans2D1">
-    <dgm:scene3d>
-      <a:camera prst="orthographicFront"/>
-      <a:lightRig rig="threePt" dir="t"/>
-    </dgm:scene3d>
-    <dgm:sp3d/>
-    <dgm:txPr/>
-    <dgm:style>
-      <a:lnRef idx="0">
-        <a:scrgbClr r="0" g="0" b="0"/>
-      </a:lnRef>
-      <a:fillRef idx="1">
-        <a:scrgbClr r="0" g="0" b="0"/>
-      </a:fillRef>
-      <a:effectRef idx="0">
-        <a:scrgbClr r="0" g="0" b="0"/>
-      </a:effectRef>
-      <a:fontRef idx="minor">
-        <a:schemeClr val="lt1"/>
-      </a:fontRef>
-    </dgm:style>
-  </dgm:styleLbl>
-  <dgm:styleLbl name="fgSibTrans2D1">
-    <dgm:scene3d>
-      <a:camera prst="orthographicFront"/>
-      <a:lightRig rig="threePt" dir="t"/>
-    </dgm:scene3d>
-    <dgm:sp3d/>
-    <dgm:txPr/>
-    <dgm:style>
-      <a:lnRef idx="0">
-        <a:scrgbClr r="0" g="0" b="0"/>
-      </a:lnRef>
-      <a:fillRef idx="1">
-        <a:scrgbClr r="0" g="0" b="0"/>
-      </a:fillRef>
-      <a:effectRef idx="0">
-        <a:scrgbClr r="0" g="0" b="0"/>
-      </a:effectRef>
-      <a:fontRef idx="minor">
-        <a:schemeClr val="lt1"/>
-      </a:fontRef>
-    </dgm:style>
-  </dgm:styleLbl>
-  <dgm:styleLbl name="bgSibTrans2D1">
-    <dgm:scene3d>
-      <a:camera prst="orthographicFront"/>
-      <a:lightRig rig="threePt" dir="t"/>
-    </dgm:scene3d>
-    <dgm:sp3d/>
-    <dgm:txPr/>
-    <dgm:style>
-      <a:lnRef idx="0">
-        <a:scrgbClr r="0" g="0" b="0"/>
-      </a:lnRef>
-      <a:fillRef idx="1">
-        <a:scrgbClr r="0" g="0" b="0"/>
-      </a:fillRef>
-      <a:effectRef idx="0">
-        <a:scrgbClr r="0" g="0" b="0"/>
-      </a:effectRef>
-      <a:fontRef idx="minor">
-        <a:schemeClr val="lt1"/>
-      </a:fontRef>
-    </dgm:style>
-  </dgm:styleLbl>
-  <dgm:styleLbl name="sibTrans1D1">
-    <dgm:scene3d>
-      <a:camera prst="orthographicFront"/>
-      <a:lightRig rig="threePt" dir="t"/>
-    </dgm:scene3d>
-    <dgm:sp3d/>
-    <dgm:txPr/>
-    <dgm:style>
-      <a:lnRef idx="1">
-        <a:scrgbClr r="0" g="0" b="0"/>
-      </a:lnRef>
-      <a:fillRef idx="0">
-        <a:scrgbClr r="0" g="0" b="0"/>
-      </a:fillRef>
-      <a:effectRef idx="0">
-        <a:scrgbClr r="0" g="0" b="0"/>
-      </a:effectRef>
-      <a:fontRef idx="minor"/>
-    </dgm:style>
-  </dgm:styleLbl>
-  <dgm:styleLbl name="callout">
-    <dgm:scene3d>
-      <a:camera prst="orthographicFront"/>
-      <a:lightRig rig="threePt" dir="t"/>
-    </dgm:scene3d>
-    <dgm:sp3d/>
-    <dgm:txPr/>
-    <dgm:style>
-      <a:lnRef idx="2">
-        <a:scrgbClr r="0" g="0" b="0"/>
-      </a:lnRef>
-      <a:fillRef idx="1">
-        <a:scrgbClr r="0" g="0" b="0"/>
-      </a:fillRef>
-      <a:effectRef idx="0">
-        <a:scrgbClr r="0" g="0" b="0"/>
-      </a:effectRef>
-      <a:fontRef idx="minor"/>
-    </dgm:style>
-  </dgm:styleLbl>
-  <dgm:styleLbl name="asst0">
-    <dgm:scene3d>
-      <a:camera prst="orthographicFront"/>
-      <a:lightRig rig="threePt" dir="t"/>
-    </dgm:scene3d>
-    <dgm:sp3d/>
-    <dgm:txPr/>
-    <dgm:style>
-      <a:lnRef idx="2">
-        <a:scrgbClr r="0" g="0" b="0"/>
-      </a:lnRef>
-      <a:fillRef idx="1">
-        <a:scrgbClr r="0" g="0" b="0"/>
-      </a:fillRef>
-      <a:effectRef idx="0">
-        <a:scrgbClr r="0" g="0" b="0"/>
-      </a:effectRef>
-      <a:fontRef idx="minor">
-        <a:schemeClr val="lt1"/>
-      </a:fontRef>
-    </dgm:style>
-  </dgm:styleLbl>
-  <dgm:styleLbl name="asst1">
-    <dgm:scene3d>
-      <a:camera prst="orthographicFront"/>
-      <a:lightRig rig="threePt" dir="t"/>
-    </dgm:scene3d>
-    <dgm:sp3d/>
-    <dgm:txPr/>
-    <dgm:style>
-      <a:lnRef idx="2">
-        <a:scrgbClr r="0" g="0" b="0"/>
-      </a:lnRef>
-      <a:fillRef idx="1">
-        <a:scrgbClr r="0" g="0" b="0"/>
-      </a:fillRef>
-      <a:effectRef idx="0">
-        <a:scrgbClr r="0" g="0" b="0"/>
-      </a:effectRef>
-      <a:fontRef idx="minor">
-        <a:schemeClr val="lt1"/>
-      </a:fontRef>
-    </dgm:style>
-  </dgm:styleLbl>
-  <dgm:styleLbl name="asst2">
-    <dgm:scene3d>
-      <a:camera prst="orthographicFront"/>
-      <a:lightRig rig="threePt" dir="t"/>
-    </dgm:scene3d>
-    <dgm:sp3d/>
-    <dgm:txPr/>
-    <dgm:style>
-      <a:lnRef idx="2">
-        <a:scrgbClr r="0" g="0" b="0"/>
-      </a:lnRef>
-      <a:fillRef idx="1">
-        <a:scrgbClr r="0" g="0" b="0"/>
-      </a:fillRef>
-      <a:effectRef idx="0">
-        <a:scrgbClr r="0" g="0" b="0"/>
-      </a:effectRef>
-      <a:fontRef idx="minor">
-        <a:schemeClr val="lt1"/>
-      </a:fontRef>
-    </dgm:style>
-  </dgm:styleLbl>
-  <dgm:styleLbl name="asst3">
-    <dgm:scene3d>
-      <a:camera prst="orthographicFront"/>
-      <a:lightRig rig="threePt" dir="t"/>
-    </dgm:scene3d>
-    <dgm:sp3d/>
-    <dgm:txPr/>
-    <dgm:style>
-      <a:lnRef idx="2">
-        <a:scrgbClr r="0" g="0" b="0"/>
-      </a:lnRef>
-      <a:fillRef idx="1">
-        <a:scrgbClr r="0" g="0" b="0"/>
-      </a:fillRef>
-      <a:effectRef idx="0">
-        <a:scrgbClr r="0" g="0" b="0"/>
-      </a:effectRef>
-      <a:fontRef idx="minor">
-        <a:schemeClr val="lt1"/>
-      </a:fontRef>
-    </dgm:style>
-  </dgm:styleLbl>
-  <dgm:styleLbl name="asst4">
-    <dgm:scene3d>
-      <a:camera prst="orthographicFront"/>
-      <a:lightRig rig="threePt" dir="t"/>
-    </dgm:scene3d>
-    <dgm:sp3d/>
-    <dgm:txPr/>
-    <dgm:style>
-      <a:lnRef idx="2">
-        <a:scrgbClr r="0" g="0" b="0"/>
-      </a:lnRef>
-      <a:fillRef idx="1">
-        <a:scrgbClr r="0" g="0" b="0"/>
-      </a:fillRef>
-      <a:effectRef idx="0">
-        <a:scrgbClr r="0" g="0" b="0"/>
-      </a:effectRef>
-      <a:fontRef idx="minor">
-        <a:schemeClr val="lt1"/>
-      </a:fontRef>
-    </dgm:style>
-  </dgm:styleLbl>
-  <dgm:styleLbl name="parChTrans2D1">
-    <dgm:scene3d>
-      <a:camera prst="orthographicFront"/>
-      <a:lightRig rig="threePt" dir="t"/>
-    </dgm:scene3d>
-    <dgm:sp3d/>
-    <dgm:txPr/>
-    <dgm:style>
-      <a:lnRef idx="2">
-        <a:scrgbClr r="0" g="0" b="0"/>
-      </a:lnRef>
-      <a:fillRef idx="1">
-        <a:scrgbClr r="0" g="0" b="0"/>
-      </a:fillRef>
-      <a:effectRef idx="0">
-        <a:scrgbClr r="0" g="0" b="0"/>
-      </a:effectRef>
-      <a:fontRef idx="minor">
-        <a:schemeClr val="lt1"/>
-      </a:fontRef>
-    </dgm:style>
-  </dgm:styleLbl>
-  <dgm:styleLbl name="parChTrans2D2">
-    <dgm:scene3d>
-      <a:camera prst="orthographicFront"/>
-      <a:lightRig rig="threePt" dir="t"/>
-    </dgm:scene3d>
-    <dgm:sp3d/>
-    <dgm:txPr/>
-    <dgm:style>
-      <a:lnRef idx="2">
-        <a:scrgbClr r="0" g="0" b="0"/>
-      </a:lnRef>
-      <a:fillRef idx="1">
-        <a:scrgbClr r="0" g="0" b="0"/>
-      </a:fillRef>
-      <a:effectRef idx="0">
-        <a:scrgbClr r="0" g="0" b="0"/>
-      </a:effectRef>
-      <a:fontRef idx="minor">
-        <a:schemeClr val="lt1"/>
-      </a:fontRef>
-    </dgm:style>
-  </dgm:styleLbl>
-  <dgm:styleLbl name="parChTrans2D3">
-    <dgm:scene3d>
-      <a:camera prst="orthographicFront"/>
-      <a:lightRig rig="threePt" dir="t"/>
-    </dgm:scene3d>
-    <dgm:sp3d/>
-    <dgm:txPr/>
-    <dgm:style>
-      <a:lnRef idx="2">
-        <a:scrgbClr r="0" g="0" b="0"/>
-      </a:lnRef>
-      <a:fillRef idx="1">
-        <a:scrgbClr r="0" g="0" b="0"/>
-      </a:fillRef>
-      <a:effectRef idx="0">
-        <a:scrgbClr r="0" g="0" b="0"/>
-      </a:effectRef>
-      <a:fontRef idx="minor">
-        <a:schemeClr val="lt1"/>
-      </a:fontRef>
-    </dgm:style>
-  </dgm:styleLbl>
-  <dgm:styleLbl name="parChTrans2D4">
-    <dgm:scene3d>
-      <a:camera prst="orthographicFront"/>
-      <a:lightRig rig="threePt" dir="t"/>
-    </dgm:scene3d>
-    <dgm:sp3d/>
-    <dgm:txPr/>
-    <dgm:style>
-      <a:lnRef idx="2">
-        <a:scrgbClr r="0" g="0" b="0"/>
-      </a:lnRef>
-      <a:fillRef idx="1">
-        <a:scrgbClr r="0" g="0" b="0"/>
-      </a:fillRef>
-      <a:effectRef idx="0">
-        <a:scrgbClr r="0" g="0" b="0"/>
-      </a:effectRef>
-      <a:fontRef idx="minor">
-        <a:schemeClr val="lt1"/>
-      </a:fontRef>
-    </dgm:style>
-  </dgm:styleLbl>
-  <dgm:styleLbl name="parChTrans1D1">
-    <dgm:scene3d>
-      <a:camera prst="orthographicFront"/>
-      <a:lightRig rig="threePt" dir="t"/>
-    </dgm:scene3d>
-    <dgm:sp3d/>
-    <dgm:txPr/>
-    <dgm:style>
-      <a:lnRef idx="2">
-        <a:scrgbClr r="0" g="0" b="0"/>
-      </a:lnRef>
-      <a:fillRef idx="0">
-        <a:scrgbClr r="0" g="0" b="0"/>
-      </a:fillRef>
-      <a:effectRef idx="0">
-        <a:scrgbClr r="0" g="0" b="0"/>
-      </a:effectRef>
-      <a:fontRef idx="minor"/>
-    </dgm:style>
-  </dgm:styleLbl>
-  <dgm:styleLbl name="parChTrans1D2">
-    <dgm:scene3d>
-      <a:camera prst="orthographicFront"/>
-      <a:lightRig rig="threePt" dir="t"/>
-    </dgm:scene3d>
-    <dgm:sp3d/>
-    <dgm:txPr/>
-    <dgm:style>
-      <a:lnRef idx="2">
-        <a:scrgbClr r="0" g="0" b="0"/>
-      </a:lnRef>
-      <a:fillRef idx="0">
-        <a:scrgbClr r="0" g="0" b="0"/>
-      </a:fillRef>
-      <a:effectRef idx="0">
-        <a:scrgbClr r="0" g="0" b="0"/>
-      </a:effectRef>
-      <a:fontRef idx="minor"/>
-    </dgm:style>
-  </dgm:styleLbl>
-  <dgm:styleLbl name="parChTrans1D3">
-    <dgm:scene3d>
-      <a:camera prst="orthographicFront"/>
-      <a:lightRig rig="threePt" dir="t"/>
-    </dgm:scene3d>
-    <dgm:sp3d/>
-    <dgm:txPr/>
-    <dgm:style>
-      <a:lnRef idx="2">
-        <a:scrgbClr r="0" g="0" b="0"/>
-      </a:lnRef>
-      <a:fillRef idx="0">
-        <a:scrgbClr r="0" g="0" b="0"/>
-      </a:fillRef>
-      <a:effectRef idx="0">
-        <a:scrgbClr r="0" g="0" b="0"/>
-      </a:effectRef>
-      <a:fontRef idx="minor"/>
-    </dgm:style>
-  </dgm:styleLbl>
-  <dgm:styleLbl name="parChTrans1D4">
-    <dgm:scene3d>
-      <a:camera prst="orthographicFront"/>
-      <a:lightRig rig="threePt" dir="t"/>
-    </dgm:scene3d>
-    <dgm:sp3d/>
-    <dgm:txPr/>
-    <dgm:style>
-      <a:lnRef idx="2">
-        <a:scrgbClr r="0" g="0" b="0"/>
-      </a:lnRef>
-      <a:fillRef idx="0">
-        <a:scrgbClr r="0" g="0" b="0"/>
-      </a:fillRef>
-      <a:effectRef idx="0">
-        <a:scrgbClr r="0" g="0" b="0"/>
-      </a:effectRef>
-      <a:fontRef idx="minor"/>
-    </dgm:style>
-  </dgm:styleLbl>
-  <dgm:styleLbl name="fgAcc1">
-    <dgm:scene3d>
-      <a:camera prst="orthographicFront"/>
-      <a:lightRig rig="threePt" dir="t"/>
-    </dgm:scene3d>
-    <dgm:sp3d/>
-    <dgm:txPr/>
-    <dgm:style>
-      <a:lnRef idx="2">
-        <a:scrgbClr r="0" g="0" b="0"/>
-      </a:lnRef>
-      <a:fillRef idx="1">
-        <a:scrgbClr r="0" g="0" b="0"/>
-      </a:fillRef>
-      <a:effectRef idx="0">
-        <a:scrgbClr r="0" g="0" b="0"/>
-      </a:effectRef>
-      <a:fontRef idx="minor"/>
-    </dgm:style>
-  </dgm:styleLbl>
-  <dgm:styleLbl name="conFgAcc1">
-    <dgm:scene3d>
-      <a:camera prst="orthographicFront"/>
-      <a:lightRig rig="threePt" dir="t"/>
-    </dgm:scene3d>
-    <dgm:sp3d/>
-    <dgm:txPr/>
-    <dgm:style>
-      <a:lnRef idx="2">
-        <a:scrgbClr r="0" g="0" b="0"/>
-      </a:lnRef>
-      <a:fillRef idx="1">
-        <a:scrgbClr r="0" g="0" b="0"/>
-      </a:fillRef>
-      <a:effectRef idx="0">
-        <a:scrgbClr r="0" g="0" b="0"/>
-      </a:effectRef>
-      <a:fontRef idx="minor"/>
-    </dgm:style>
-  </dgm:styleLbl>
-  <dgm:styleLbl name="alignAcc1">
-    <dgm:scene3d>
-      <a:camera prst="orthographicFront"/>
-      <a:lightRig rig="threePt" dir="t"/>
-    </dgm:scene3d>
-    <dgm:sp3d/>
-    <dgm:txPr/>
-    <dgm:style>
-      <a:lnRef idx="2">
-        <a:scrgbClr r="0" g="0" b="0"/>
-      </a:lnRef>
-      <a:fillRef idx="1">
-        <a:scrgbClr r="0" g="0" b="0"/>
-      </a:fillRef>
-      <a:effectRef idx="0">
-        <a:scrgbClr r="0" g="0" b="0"/>
-      </a:effectRef>
-      <a:fontRef idx="minor"/>
-    </dgm:style>
-  </dgm:styleLbl>
-  <dgm:styleLbl name="trAlignAcc1">
-    <dgm:scene3d>
-      <a:camera prst="orthographicFront"/>
-      <a:lightRig rig="threePt" dir="t"/>
-    </dgm:scene3d>
-    <dgm:sp3d/>
-    <dgm:txPr/>
-    <dgm:style>
-      <a:lnRef idx="1">
-        <a:scrgbClr r="0" g="0" b="0"/>
-      </a:lnRef>
-      <a:fillRef idx="1">
-        <a:scrgbClr r="0" g="0" b="0"/>
-      </a:fillRef>
-      <a:effectRef idx="0">
-        <a:scrgbClr r="0" g="0" b="0"/>
-      </a:effectRef>
-      <a:fontRef idx="minor"/>
-    </dgm:style>
-  </dgm:styleLbl>
-  <dgm:styleLbl name="bgAcc1">
-    <dgm:scene3d>
-      <a:camera prst="orthographicFront"/>
-      <a:lightRig rig="threePt" dir="t"/>
-    </dgm:scene3d>
-    <dgm:sp3d/>
-    <dgm:txPr/>
-    <dgm:style>
-      <a:lnRef idx="2">
-        <a:scrgbClr r="0" g="0" b="0"/>
-      </a:lnRef>
-      <a:fillRef idx="1">
-        <a:scrgbClr r="0" g="0" b="0"/>
-      </a:fillRef>
-      <a:effectRef idx="0">
-        <a:scrgbClr r="0" g="0" b="0"/>
-      </a:effectRef>
-      <a:fontRef idx="minor"/>
-    </dgm:style>
-  </dgm:styleLbl>
-  <dgm:styleLbl name="solidFgAcc1">
-    <dgm:scene3d>
-      <a:camera prst="orthographicFront"/>
-      <a:lightRig rig="threePt" dir="t"/>
-    </dgm:scene3d>
-    <dgm:sp3d/>
-    <dgm:txPr/>
-    <dgm:style>
-      <a:lnRef idx="2">
-        <a:scrgbClr r="0" g="0" b="0"/>
-      </a:lnRef>
-      <a:fillRef idx="1">
-        <a:scrgbClr r="0" g="0" b="0"/>
-      </a:fillRef>
-      <a:effectRef idx="0">
-        <a:scrgbClr r="0" g="0" b="0"/>
-      </a:effectRef>
-      <a:fontRef idx="minor"/>
-    </dgm:style>
-  </dgm:styleLbl>
-  <dgm:styleLbl name="solidAlignAcc1">
-    <dgm:scene3d>
-      <a:camera prst="orthographicFront"/>
-      <a:lightRig rig="threePt" dir="t"/>
-    </dgm:scene3d>
-    <dgm:sp3d/>
-    <dgm:txPr/>
-    <dgm:style>
-      <a:lnRef idx="2">
-        <a:scrgbClr r="0" g="0" b="0"/>
-      </a:lnRef>
-      <a:fillRef idx="1">
-        <a:scrgbClr r="0" g="0" b="0"/>
-      </a:fillRef>
-      <a:effectRef idx="0">
-        <a:scrgbClr r="0" g="0" b="0"/>
-      </a:effectRef>
-      <a:fontRef idx="minor"/>
-    </dgm:style>
-  </dgm:styleLbl>
-  <dgm:styleLbl name="solidBgAcc1">
-    <dgm:scene3d>
-      <a:camera prst="orthographicFront"/>
-      <a:lightRig rig="threePt" dir="t"/>
-    </dgm:scene3d>
-    <dgm:sp3d/>
-    <dgm:txPr/>
-    <dgm:style>
-      <a:lnRef idx="2">
-        <a:scrgbClr r="0" g="0" b="0"/>
-      </a:lnRef>
-      <a:fillRef idx="1">
-        <a:scrgbClr r="0" g="0" b="0"/>
-      </a:fillRef>
-      <a:effectRef idx="0">
-        <a:scrgbClr r="0" g="0" b="0"/>
-      </a:effectRef>
-      <a:fontRef idx="minor"/>
-    </dgm:style>
-  </dgm:styleLbl>
-  <dgm:styleLbl name="fgAccFollowNode1">
-    <dgm:scene3d>
-      <a:camera prst="orthographicFront"/>
-      <a:lightRig rig="threePt" dir="t"/>
-    </dgm:scene3d>
-    <dgm:sp3d/>
-    <dgm:txPr/>
-    <dgm:style>
-      <a:lnRef idx="2">
-        <a:scrgbClr r="0" g="0" b="0"/>
-      </a:lnRef>
-      <a:fillRef idx="1">
-        <a:scrgbClr r="0" g="0" b="0"/>
-      </a:fillRef>
-      <a:effectRef idx="0">
-        <a:scrgbClr r="0" g="0" b="0"/>
-      </a:effectRef>
-      <a:fontRef idx="minor"/>
-    </dgm:style>
-  </dgm:styleLbl>
-  <dgm:styleLbl name="alignAccFollowNode1">
-    <dgm:scene3d>
-      <a:camera prst="orthographicFront"/>
-      <a:lightRig rig="threePt" dir="t"/>
-    </dgm:scene3d>
-    <dgm:sp3d/>
-    <dgm:txPr/>
-    <dgm:style>
-      <a:lnRef idx="2">
-        <a:scrgbClr r="0" g="0" b="0"/>
-      </a:lnRef>
-      <a:fillRef idx="1">
-        <a:scrgbClr r="0" g="0" b="0"/>
-      </a:fillRef>
-      <a:effectRef idx="0">
-        <a:scrgbClr r="0" g="0" b="0"/>
-      </a:effectRef>
-      <a:fontRef idx="minor"/>
-    </dgm:style>
-  </dgm:styleLbl>
-  <dgm:styleLbl name="bgAccFollowNode1">
-    <dgm:scene3d>
-      <a:camera prst="orthographicFront"/>
-      <a:lightRig rig="threePt" dir="t"/>
-    </dgm:scene3d>
-    <dgm:sp3d/>
-    <dgm:txPr/>
-    <dgm:style>
-      <a:lnRef idx="2">
-        <a:scrgbClr r="0" g="0" b="0"/>
-      </a:lnRef>
-      <a:fillRef idx="1">
-        <a:scrgbClr r="0" g="0" b="0"/>
-      </a:fillRef>
-      <a:effectRef idx="0">
-        <a:scrgbClr r="0" g="0" b="0"/>
-      </a:effectRef>
-      <a:fontRef idx="minor"/>
-    </dgm:style>
-  </dgm:styleLbl>
-  <dgm:styleLbl name="fgAcc0">
-    <dgm:scene3d>
-      <a:camera prst="orthographicFront"/>
-      <a:lightRig rig="threePt" dir="t"/>
-    </dgm:scene3d>
-    <dgm:sp3d/>
-    <dgm:txPr/>
-    <dgm:style>
-      <a:lnRef idx="2">
-        <a:scrgbClr r="0" g="0" b="0"/>
-      </a:lnRef>
-      <a:fillRef idx="1">
-        <a:scrgbClr r="0" g="0" b="0"/>
-      </a:fillRef>
-      <a:effectRef idx="0">
-        <a:scrgbClr r="0" g="0" b="0"/>
-      </a:effectRef>
-      <a:fontRef idx="minor"/>
-    </dgm:style>
-  </dgm:styleLbl>
-  <dgm:styleLbl name="fgAcc2">
-    <dgm:scene3d>
-      <a:camera prst="orthographicFront"/>
-      <a:lightRig rig="threePt" dir="t"/>
-    </dgm:scene3d>
-    <dgm:sp3d/>
-    <dgm:txPr/>
-    <dgm:style>
-      <a:lnRef idx="2">
-        <a:scrgbClr r="0" g="0" b="0"/>
-      </a:lnRef>
-      <a:fillRef idx="1">
-        <a:scrgbClr r="0" g="0" b="0"/>
-      </a:fillRef>
-      <a:effectRef idx="0">
-        <a:scrgbClr r="0" g="0" b="0"/>
-      </a:effectRef>
-      <a:fontRef idx="minor"/>
-    </dgm:style>
-  </dgm:styleLbl>
-  <dgm:styleLbl name="fgAcc3">
-    <dgm:scene3d>
-      <a:camera prst="orthographicFront"/>
-      <a:lightRig rig="threePt" dir="t"/>
-    </dgm:scene3d>
-    <dgm:sp3d/>
-    <dgm:txPr/>
-    <dgm:style>
-      <a:lnRef idx="2">
-        <a:scrgbClr r="0" g="0" b="0"/>
-      </a:lnRef>
-      <a:fillRef idx="1">
-        <a:scrgbClr r="0" g="0" b="0"/>
-      </a:fillRef>
-      <a:effectRef idx="0">
-        <a:scrgbClr r="0" g="0" b="0"/>
-      </a:effectRef>
-      <a:fontRef idx="minor"/>
-    </dgm:style>
-  </dgm:styleLbl>
-  <dgm:styleLbl name="fgAcc4">
-    <dgm:scene3d>
-      <a:camera prst="orthographicFront"/>
-      <a:lightRig rig="threePt" dir="t"/>
-    </dgm:scene3d>
-    <dgm:sp3d/>
-    <dgm:txPr/>
-    <dgm:style>
-      <a:lnRef idx="2">
-        <a:scrgbClr r="0" g="0" b="0"/>
-      </a:lnRef>
-      <a:fillRef idx="1">
-        <a:scrgbClr r="0" g="0" b="0"/>
-      </a:fillRef>
-      <a:effectRef idx="0">
-        <a:scrgbClr r="0" g="0" b="0"/>
-      </a:effectRef>
-      <a:fontRef idx="minor"/>
-    </dgm:style>
-  </dgm:styleLbl>
-  <dgm:styleLbl name="bgShp">
-    <dgm:scene3d>
-      <a:camera prst="orthographicFront"/>
-      <a:lightRig rig="threePt" dir="t"/>
-    </dgm:scene3d>
-    <dgm:sp3d/>
-    <dgm:txPr/>
-    <dgm:style>
-      <a:lnRef idx="0">
-        <a:scrgbClr r="0" g="0" b="0"/>
-      </a:lnRef>
-      <a:fillRef idx="1">
-        <a:scrgbClr r="0" g="0" b="0"/>
-      </a:fillRef>
-      <a:effectRef idx="0">
-        <a:scrgbClr r="0" g="0" b="0"/>
-      </a:effectRef>
-      <a:fontRef idx="minor"/>
-    </dgm:style>
-  </dgm:styleLbl>
-  <dgm:styleLbl name="dkBgShp">
-    <dgm:scene3d>
-      <a:camera prst="orthographicFront"/>
-      <a:lightRig rig="threePt" dir="t"/>
-    </dgm:scene3d>
-    <dgm:sp3d/>
-    <dgm:txPr/>
-    <dgm:style>
-      <a:lnRef idx="0">
-        <a:scrgbClr r="0" g="0" b="0"/>
-      </a:lnRef>
-      <a:fillRef idx="1">
-        <a:scrgbClr r="0" g="0" b="0"/>
-      </a:fillRef>
-      <a:effectRef idx="0">
-        <a:scrgbClr r="0" g="0" b="0"/>
-      </a:effectRef>
-      <a:fontRef idx="minor"/>
-    </dgm:style>
-  </dgm:styleLbl>
-  <dgm:styleLbl name="trBgShp">
-    <dgm:scene3d>
-      <a:camera prst="orthographicFront"/>
-      <a:lightRig rig="threePt" dir="t"/>
-    </dgm:scene3d>
-    <dgm:sp3d/>
-    <dgm:txPr/>
-    <dgm:style>
-      <a:lnRef idx="0">
-        <a:scrgbClr r="0" g="0" b="0"/>
-      </a:lnRef>
-      <a:fillRef idx="1">
-        <a:scrgbClr r="0" g="0" b="0"/>
-      </a:fillRef>
-      <a:effectRef idx="0">
-        <a:scrgbClr r="0" g="0" b="0"/>
-      </a:effectRef>
-      <a:fontRef idx="minor"/>
-    </dgm:style>
-  </dgm:styleLbl>
-  <dgm:styleLbl name="fgShp">
-    <dgm:scene3d>
-      <a:camera prst="orthographicFront"/>
-      <a:lightRig rig="threePt" dir="t"/>
-    </dgm:scene3d>
-    <dgm:sp3d/>
-    <dgm:txPr/>
-    <dgm:style>
-      <a:lnRef idx="2">
-        <a:scrgbClr r="0" g="0" b="0"/>
-      </a:lnRef>
-      <a:fillRef idx="1">
-        <a:scrgbClr r="0" g="0" b="0"/>
-      </a:fillRef>
-      <a:effectRef idx="0">
-        <a:scrgbClr r="0" g="0" b="0"/>
-      </a:effectRef>
-      <a:fontRef idx="minor"/>
-    </dgm:style>
-  </dgm:styleLbl>
-  <dgm:styleLbl name="revTx">
-    <dgm:scene3d>
-      <a:camera prst="orthographicFront"/>
-      <a:lightRig rig="threePt" dir="t"/>
-    </dgm:scene3d>
-    <dgm:sp3d/>
-    <dgm:txPr/>
-    <dgm:style>
-      <a:lnRef idx="0">
-        <a:scrgbClr r="0" g="0" b="0"/>
-      </a:lnRef>
-      <a:fillRef idx="0">
-        <a:scrgbClr r="0" g="0" b="0"/>
-      </a:fillRef>
-      <a:effectRef idx="0">
-        <a:scrgbClr r="0" g="0" b="0"/>
-      </a:effectRef>
-      <a:fontRef idx="minor"/>
-    </dgm:style>
-  </dgm:styleLbl>
-</dgm:styleDef>
-</file>
-
-<file path=ppt/diagrams/quickStyle2.xml><?xml version="1.0" encoding="utf-8"?>
 <dgm:styleDef xmlns:dgm="http://schemas.openxmlformats.org/drawingml/2006/diagram" xmlns:a="http://schemas.openxmlformats.org/drawingml/2006/main" uniqueId="urn:microsoft.com/office/officeart/2005/8/quickstyle/simple1">
   <dgm:title val=""/>
   <dgm:desc val=""/>
@@ -5124,7 +2395,7 @@
           <a:p>
             <a:fld id="{0DCA0844-C266-46EC-A036-E1634F64C44A}" type="datetimeFigureOut">
               <a:rPr lang="en-US"/>
-              <a:t>2/28/2018</a:t>
+              <a:t>3/1/2018</a:t>
             </a:fld>
             <a:endParaRPr dirty="0"/>
           </a:p>
@@ -5289,7 +2560,7 @@
           <a:p>
             <a:fld id="{28C08BCD-7B2F-4BCE-87AF-5D67EFFE4D17}" type="datetimeFigureOut">
               <a:rPr lang="en-US"/>
-              <a:t>2/28/2018</a:t>
+              <a:t>3/1/2018</a:t>
             </a:fld>
             <a:endParaRPr dirty="0"/>
           </a:p>
@@ -5687,7 +2958,21 @@
           <a:p>
             <a:r>
               <a:rPr lang="en-GB" dirty="0"/>
-              <a:t>We won’t be dealing with Merkle Tree</a:t>
+              <a:t>Just like pounds or dollars, it only have value because people think it has value.</a:t>
+            </a:r>
+          </a:p>
+          <a:p>
+            <a:r>
+              <a:rPr lang="en-GB" dirty="0"/>
+              <a:t>The may be very relevant to any Yorkshire </a:t>
+            </a:r>
+            <a:r>
+              <a:rPr lang="en-GB" dirty="0" err="1"/>
+              <a:t>BrassBitCoins</a:t>
+            </a:r>
+            <a:r>
+              <a:rPr lang="en-GB" dirty="0"/>
+              <a:t> you may be taking home with you tonight…</a:t>
             </a:r>
           </a:p>
         </p:txBody>
@@ -5709,7 +2994,7 @@
           <a:p>
             <a:fld id="{1B6A1353-EEA5-436B-AB14-1D84B195E669}" type="slidenum">
               <a:rPr lang="en-GB" smtClean="0"/>
-              <a:t>5</a:t>
+              <a:t>3</a:t>
             </a:fld>
             <a:endParaRPr lang="en-GB" dirty="0"/>
           </a:p>
@@ -5718,7 +3003,7 @@
     </p:spTree>
     <p:extLst>
       <p:ext uri="{BB962C8B-B14F-4D97-AF65-F5344CB8AC3E}">
-        <p14:creationId xmlns:p14="http://schemas.microsoft.com/office/powerpoint/2010/main" val="4052954433"/>
+        <p14:creationId xmlns:p14="http://schemas.microsoft.com/office/powerpoint/2010/main" val="2987030533"/>
       </p:ext>
     </p:extLst>
   </p:cSld>
@@ -5774,7 +3059,7 @@
           <a:p>
             <a:r>
               <a:rPr lang="en-GB" dirty="0"/>
-              <a:t>AKA “proof of work”</a:t>
+              <a:t>We won’t be dealing with Merkle Tree</a:t>
             </a:r>
           </a:p>
         </p:txBody>
@@ -5796,7 +3081,7 @@
           <a:p>
             <a:fld id="{1B6A1353-EEA5-436B-AB14-1D84B195E669}" type="slidenum">
               <a:rPr lang="en-GB" smtClean="0"/>
-              <a:t>7</a:t>
+              <a:t>5</a:t>
             </a:fld>
             <a:endParaRPr lang="en-GB" dirty="0"/>
           </a:p>
@@ -5805,7 +3090,7 @@
     </p:spTree>
     <p:extLst>
       <p:ext uri="{BB962C8B-B14F-4D97-AF65-F5344CB8AC3E}">
-        <p14:creationId xmlns:p14="http://schemas.microsoft.com/office/powerpoint/2010/main" val="838660975"/>
+        <p14:creationId xmlns:p14="http://schemas.microsoft.com/office/powerpoint/2010/main" val="4052954433"/>
       </p:ext>
     </p:extLst>
   </p:cSld>
@@ -5859,7 +3144,102 @@
           <a:bodyPr/>
           <a:lstStyle/>
           <a:p>
-            <a:endParaRPr lang="en-GB"/>
+            <a:r>
+              <a:rPr lang="en-GB" dirty="0"/>
+              <a:t>AKA “proof of work”</a:t>
+            </a:r>
+          </a:p>
+        </p:txBody>
+      </p:sp>
+      <p:sp>
+        <p:nvSpPr>
+          <p:cNvPr id="4" name="Slide Number Placeholder 3"/>
+          <p:cNvSpPr>
+            <a:spLocks noGrp="1"/>
+          </p:cNvSpPr>
+          <p:nvPr>
+            <p:ph type="sldNum" sz="quarter" idx="10"/>
+          </p:nvPr>
+        </p:nvSpPr>
+        <p:spPr/>
+        <p:txBody>
+          <a:bodyPr/>
+          <a:lstStyle/>
+          <a:p>
+            <a:fld id="{1B6A1353-EEA5-436B-AB14-1D84B195E669}" type="slidenum">
+              <a:rPr lang="en-GB" smtClean="0"/>
+              <a:t>7</a:t>
+            </a:fld>
+            <a:endParaRPr lang="en-GB" dirty="0"/>
+          </a:p>
+        </p:txBody>
+      </p:sp>
+    </p:spTree>
+    <p:extLst>
+      <p:ext uri="{BB962C8B-B14F-4D97-AF65-F5344CB8AC3E}">
+        <p14:creationId xmlns:p14="http://schemas.microsoft.com/office/powerpoint/2010/main" val="838660975"/>
+      </p:ext>
+    </p:extLst>
+  </p:cSld>
+  <p:clrMapOvr>
+    <a:masterClrMapping/>
+  </p:clrMapOvr>
+</p:notes>
+</file>
+
+<file path=ppt/notesSlides/notesSlide5.xml><?xml version="1.0" encoding="utf-8"?>
+<p:notes xmlns:a="http://schemas.openxmlformats.org/drawingml/2006/main" xmlns:r="http://schemas.openxmlformats.org/officeDocument/2006/relationships" xmlns:p="http://schemas.openxmlformats.org/presentationml/2006/main">
+  <p:cSld>
+    <p:spTree>
+      <p:nvGrpSpPr>
+        <p:cNvPr id="1" name=""/>
+        <p:cNvGrpSpPr/>
+        <p:nvPr/>
+      </p:nvGrpSpPr>
+      <p:grpSpPr>
+        <a:xfrm>
+          <a:off x="0" y="0"/>
+          <a:ext cx="0" cy="0"/>
+          <a:chOff x="0" y="0"/>
+          <a:chExt cx="0" cy="0"/>
+        </a:xfrm>
+      </p:grpSpPr>
+      <p:sp>
+        <p:nvSpPr>
+          <p:cNvPr id="2" name="Slide Image Placeholder 1"/>
+          <p:cNvSpPr>
+            <a:spLocks noGrp="1" noRot="1" noChangeAspect="1"/>
+          </p:cNvSpPr>
+          <p:nvPr>
+            <p:ph type="sldImg"/>
+          </p:nvPr>
+        </p:nvSpPr>
+        <p:spPr/>
+      </p:sp>
+      <p:sp>
+        <p:nvSpPr>
+          <p:cNvPr id="3" name="Notes Placeholder 2"/>
+          <p:cNvSpPr>
+            <a:spLocks noGrp="1"/>
+          </p:cNvSpPr>
+          <p:nvPr>
+            <p:ph type="body" idx="1"/>
+          </p:nvPr>
+        </p:nvSpPr>
+        <p:spPr/>
+        <p:txBody>
+          <a:bodyPr/>
+          <a:lstStyle/>
+          <a:p>
+            <a:r>
+              <a:rPr lang="en-GB" dirty="0"/>
+              <a:t>A rare photo of the three inventors of </a:t>
+            </a:r>
+            <a:r>
+              <a:rPr lang="en-GB" dirty="0" err="1"/>
+              <a:t>BrassBitCoin</a:t>
+            </a:r>
+            <a:endParaRPr lang="en-GB" dirty="0"/>
           </a:p>
         </p:txBody>
       </p:sp>
@@ -5890,6 +3270,185 @@
     <p:extLst>
       <p:ext uri="{BB962C8B-B14F-4D97-AF65-F5344CB8AC3E}">
         <p14:creationId xmlns:p14="http://schemas.microsoft.com/office/powerpoint/2010/main" val="709651119"/>
+      </p:ext>
+    </p:extLst>
+  </p:cSld>
+  <p:clrMapOvr>
+    <a:masterClrMapping/>
+  </p:clrMapOvr>
+</p:notes>
+</file>
+
+<file path=ppt/notesSlides/notesSlide6.xml><?xml version="1.0" encoding="utf-8"?>
+<p:notes xmlns:a="http://schemas.openxmlformats.org/drawingml/2006/main" xmlns:r="http://schemas.openxmlformats.org/officeDocument/2006/relationships" xmlns:p="http://schemas.openxmlformats.org/presentationml/2006/main">
+  <p:cSld>
+    <p:spTree>
+      <p:nvGrpSpPr>
+        <p:cNvPr id="1" name=""/>
+        <p:cNvGrpSpPr/>
+        <p:nvPr/>
+      </p:nvGrpSpPr>
+      <p:grpSpPr>
+        <a:xfrm>
+          <a:off x="0" y="0"/>
+          <a:ext cx="0" cy="0"/>
+          <a:chOff x="0" y="0"/>
+          <a:chExt cx="0" cy="0"/>
+        </a:xfrm>
+      </p:grpSpPr>
+      <p:sp>
+        <p:nvSpPr>
+          <p:cNvPr id="2" name="Slide Image Placeholder 1"/>
+          <p:cNvSpPr>
+            <a:spLocks noGrp="1" noRot="1" noChangeAspect="1"/>
+          </p:cNvSpPr>
+          <p:nvPr>
+            <p:ph type="sldImg"/>
+          </p:nvPr>
+        </p:nvSpPr>
+        <p:spPr/>
+      </p:sp>
+      <p:sp>
+        <p:nvSpPr>
+          <p:cNvPr id="3" name="Notes Placeholder 2"/>
+          <p:cNvSpPr>
+            <a:spLocks noGrp="1"/>
+          </p:cNvSpPr>
+          <p:nvPr>
+            <p:ph type="body" idx="1"/>
+          </p:nvPr>
+        </p:nvSpPr>
+        <p:spPr/>
+        <p:txBody>
+          <a:bodyPr/>
+          <a:lstStyle/>
+          <a:p>
+            <a:r>
+              <a:rPr lang="en-GB" dirty="0"/>
+              <a:t>A simplified version of the </a:t>
+            </a:r>
+            <a:r>
+              <a:rPr lang="en-GB" dirty="0" err="1"/>
+              <a:t>BitCoin</a:t>
+            </a:r>
+            <a:r>
+              <a:rPr lang="en-GB" dirty="0"/>
+              <a:t> (possibly to the point that it’s not secure / works / worth any real money. Or is it?</a:t>
+            </a:r>
+          </a:p>
+        </p:txBody>
+      </p:sp>
+      <p:sp>
+        <p:nvSpPr>
+          <p:cNvPr id="4" name="Slide Number Placeholder 3"/>
+          <p:cNvSpPr>
+            <a:spLocks noGrp="1"/>
+          </p:cNvSpPr>
+          <p:nvPr>
+            <p:ph type="sldNum" sz="quarter" idx="10"/>
+          </p:nvPr>
+        </p:nvSpPr>
+        <p:spPr/>
+        <p:txBody>
+          <a:bodyPr/>
+          <a:lstStyle/>
+          <a:p>
+            <a:fld id="{1B6A1353-EEA5-436B-AB14-1D84B195E669}" type="slidenum">
+              <a:rPr lang="en-GB" smtClean="0"/>
+              <a:t>10</a:t>
+            </a:fld>
+            <a:endParaRPr lang="en-GB" dirty="0"/>
+          </a:p>
+        </p:txBody>
+      </p:sp>
+    </p:spTree>
+    <p:extLst>
+      <p:ext uri="{BB962C8B-B14F-4D97-AF65-F5344CB8AC3E}">
+        <p14:creationId xmlns:p14="http://schemas.microsoft.com/office/powerpoint/2010/main" val="2757324094"/>
+      </p:ext>
+    </p:extLst>
+  </p:cSld>
+  <p:clrMapOvr>
+    <a:masterClrMapping/>
+  </p:clrMapOvr>
+</p:notes>
+</file>
+
+<file path=ppt/notesSlides/notesSlide7.xml><?xml version="1.0" encoding="utf-8"?>
+<p:notes xmlns:a="http://schemas.openxmlformats.org/drawingml/2006/main" xmlns:r="http://schemas.openxmlformats.org/officeDocument/2006/relationships" xmlns:p="http://schemas.openxmlformats.org/presentationml/2006/main">
+  <p:cSld>
+    <p:spTree>
+      <p:nvGrpSpPr>
+        <p:cNvPr id="1" name=""/>
+        <p:cNvGrpSpPr/>
+        <p:nvPr/>
+      </p:nvGrpSpPr>
+      <p:grpSpPr>
+        <a:xfrm>
+          <a:off x="0" y="0"/>
+          <a:ext cx="0" cy="0"/>
+          <a:chOff x="0" y="0"/>
+          <a:chExt cx="0" cy="0"/>
+        </a:xfrm>
+      </p:grpSpPr>
+      <p:sp>
+        <p:nvSpPr>
+          <p:cNvPr id="2" name="Slide Image Placeholder 1"/>
+          <p:cNvSpPr>
+            <a:spLocks noGrp="1" noRot="1" noChangeAspect="1"/>
+          </p:cNvSpPr>
+          <p:nvPr>
+            <p:ph type="sldImg"/>
+          </p:nvPr>
+        </p:nvSpPr>
+        <p:spPr/>
+      </p:sp>
+      <p:sp>
+        <p:nvSpPr>
+          <p:cNvPr id="3" name="Notes Placeholder 2"/>
+          <p:cNvSpPr>
+            <a:spLocks noGrp="1"/>
+          </p:cNvSpPr>
+          <p:nvPr>
+            <p:ph type="body" idx="1"/>
+          </p:nvPr>
+        </p:nvSpPr>
+        <p:spPr/>
+        <p:txBody>
+          <a:bodyPr/>
+          <a:lstStyle/>
+          <a:p>
+            <a:endParaRPr lang="en-GB" dirty="0"/>
+          </a:p>
+        </p:txBody>
+      </p:sp>
+      <p:sp>
+        <p:nvSpPr>
+          <p:cNvPr id="4" name="Slide Number Placeholder 3"/>
+          <p:cNvSpPr>
+            <a:spLocks noGrp="1"/>
+          </p:cNvSpPr>
+          <p:nvPr>
+            <p:ph type="sldNum" sz="quarter" idx="10"/>
+          </p:nvPr>
+        </p:nvSpPr>
+        <p:spPr/>
+        <p:txBody>
+          <a:bodyPr/>
+          <a:lstStyle/>
+          <a:p>
+            <a:fld id="{1B6A1353-EEA5-436B-AB14-1D84B195E669}" type="slidenum">
+              <a:rPr lang="en-GB" smtClean="0"/>
+              <a:t>14</a:t>
+            </a:fld>
+            <a:endParaRPr lang="en-GB" dirty="0"/>
+          </a:p>
+        </p:txBody>
+      </p:sp>
+    </p:spTree>
+    <p:extLst>
+      <p:ext uri="{BB962C8B-B14F-4D97-AF65-F5344CB8AC3E}">
+        <p14:creationId xmlns:p14="http://schemas.microsoft.com/office/powerpoint/2010/main" val="3438471297"/>
       </p:ext>
     </p:extLst>
   </p:cSld>
@@ -6299,7 +3858,7 @@
             <a:fld id="{8E36636D-D922-432D-A958-524484B5923D}" type="datetimeFigureOut">
               <a:rPr lang="en-US"/>
               <a:pPr/>
-              <a:t>2/28/2018</a:t>
+              <a:t>3/1/2018</a:t>
             </a:fld>
             <a:endParaRPr dirty="0"/>
           </a:p>
@@ -6675,7 +4234,7 @@
             <a:fld id="{749F4917-CE56-4645-8050-1555FA0B180B}" type="datetimeFigureOut">
               <a:rPr lang="en-US"/>
               <a:pPr/>
-              <a:t>2/28/2018</a:t>
+              <a:t>3/1/2018</a:t>
             </a:fld>
             <a:endParaRPr dirty="0"/>
           </a:p>
@@ -6998,7 +4557,7 @@
             <a:fld id="{8E36636D-D922-432D-A958-524484B5923D}" type="datetimeFigureOut">
               <a:rPr lang="en-US"/>
               <a:pPr/>
-              <a:t>2/28/2018</a:t>
+              <a:t>3/1/2018</a:t>
             </a:fld>
             <a:endParaRPr dirty="0"/>
           </a:p>
@@ -7159,7 +4718,7 @@
             <a:fld id="{8E36636D-D922-432D-A958-524484B5923D}" type="datetimeFigureOut">
               <a:rPr lang="en-US"/>
               <a:pPr/>
-              <a:t>2/28/2018</a:t>
+              <a:t>3/1/2018</a:t>
             </a:fld>
             <a:endParaRPr dirty="0"/>
           </a:p>
@@ -7382,7 +4941,7 @@
             <a:fld id="{8E36636D-D922-432D-A958-524484B5923D}" type="datetimeFigureOut">
               <a:rPr lang="en-US"/>
               <a:pPr/>
-              <a:t>2/28/2018</a:t>
+              <a:t>3/1/2018</a:t>
             </a:fld>
             <a:endParaRPr dirty="0"/>
           </a:p>
@@ -7804,7 +5363,7 @@
             <a:fld id="{8E36636D-D922-432D-A958-524484B5923D}" type="datetimeFigureOut">
               <a:rPr lang="en-US"/>
               <a:pPr/>
-              <a:t>2/28/2018</a:t>
+              <a:t>3/1/2018</a:t>
             </a:fld>
             <a:endParaRPr dirty="0"/>
           </a:p>
@@ -8307,7 +5866,7 @@
             <a:fld id="{8E36636D-D922-432D-A958-524484B5923D}" type="datetimeFigureOut">
               <a:rPr lang="en-US"/>
               <a:pPr/>
-              <a:t>2/28/2018</a:t>
+              <a:t>3/1/2018</a:t>
             </a:fld>
             <a:endParaRPr dirty="0"/>
           </a:p>
@@ -8608,7 +6167,7 @@
             <a:fld id="{8E36636D-D922-432D-A958-524484B5923D}" type="datetimeFigureOut">
               <a:rPr lang="en-US"/>
               <a:pPr/>
-              <a:t>2/28/2018</a:t>
+              <a:t>3/1/2018</a:t>
             </a:fld>
             <a:endParaRPr dirty="0"/>
           </a:p>
@@ -9049,7 +6608,7 @@
             <a:fld id="{8E36636D-D922-432D-A958-524484B5923D}" type="datetimeFigureOut">
               <a:rPr lang="en-US"/>
               <a:pPr/>
-              <a:t>2/28/2018</a:t>
+              <a:t>3/1/2018</a:t>
             </a:fld>
             <a:endParaRPr dirty="0"/>
           </a:p>
@@ -9176,7 +6735,7 @@
             <a:fld id="{8E36636D-D922-432D-A958-524484B5923D}" type="datetimeFigureOut">
               <a:rPr lang="en-US"/>
               <a:pPr/>
-              <a:t>2/28/2018</a:t>
+              <a:t>3/1/2018</a:t>
             </a:fld>
             <a:endParaRPr dirty="0"/>
           </a:p>
@@ -9280,7 +6839,7 @@
             <a:fld id="{8E36636D-D922-432D-A958-524484B5923D}" type="datetimeFigureOut">
               <a:rPr lang="en-US"/>
               <a:pPr/>
-              <a:t>2/28/2018</a:t>
+              <a:t>3/1/2018</a:t>
             </a:fld>
             <a:endParaRPr dirty="0"/>
           </a:p>
@@ -9699,7 +7258,7 @@
             <a:fld id="{8E36636D-D922-432D-A958-524484B5923D}" type="datetimeFigureOut">
               <a:rPr lang="en-US"/>
               <a:pPr/>
-              <a:t>2/28/2018</a:t>
+              <a:t>3/1/2018</a:t>
             </a:fld>
             <a:endParaRPr dirty="0"/>
           </a:p>
@@ -10201,7 +7760,7 @@
             <a:fld id="{8E36636D-D922-432D-A958-524484B5923D}" type="datetimeFigureOut">
               <a:rPr lang="en-US"/>
               <a:pPr/>
-              <a:t>2/28/2018</a:t>
+              <a:t>3/1/2018</a:t>
             </a:fld>
             <a:endParaRPr dirty="0"/>
           </a:p>
@@ -10837,1933 +8396,6 @@
       </p:grpSpPr>
       <p:sp>
         <p:nvSpPr>
-          <p:cNvPr id="5" name="Title 4">
-            <a:extLst>
-              <a:ext uri="{FF2B5EF4-FFF2-40B4-BE49-F238E27FC236}">
-                <a16:creationId xmlns:a16="http://schemas.microsoft.com/office/drawing/2014/main" id="{64DE761A-D845-469A-8C23-BB36E00ECF35}"/>
-              </a:ext>
-            </a:extLst>
-          </p:cNvPr>
-          <p:cNvSpPr>
-            <a:spLocks noGrp="1"/>
-          </p:cNvSpPr>
-          <p:nvPr>
-            <p:ph type="title"/>
-          </p:nvPr>
-        </p:nvSpPr>
-        <p:spPr/>
-        <p:txBody>
-          <a:bodyPr/>
-          <a:lstStyle/>
-          <a:p>
-            <a:r>
-              <a:rPr lang="en-GB" dirty="0"/>
-              <a:t>Hash is calculated by</a:t>
-            </a:r>
-          </a:p>
-        </p:txBody>
-      </p:sp>
-      <p:sp>
-        <p:nvSpPr>
-          <p:cNvPr id="8" name="Content Placeholder 7">
-            <a:extLst>
-              <a:ext uri="{FF2B5EF4-FFF2-40B4-BE49-F238E27FC236}">
-                <a16:creationId xmlns:a16="http://schemas.microsoft.com/office/drawing/2014/main" id="{16482A84-352B-4FBD-930A-227A7EE5E3DA}"/>
-              </a:ext>
-            </a:extLst>
-          </p:cNvPr>
-          <p:cNvSpPr>
-            <a:spLocks noGrp="1"/>
-          </p:cNvSpPr>
-          <p:nvPr>
-            <p:ph idx="1"/>
-          </p:nvPr>
-        </p:nvSpPr>
-        <p:spPr>
-          <a:xfrm>
-            <a:off x="1293813" y="1981200"/>
-            <a:ext cx="9601202" cy="1159768"/>
-          </a:xfrm>
-        </p:spPr>
-        <p:txBody>
-          <a:bodyPr>
-            <a:normAutofit/>
-          </a:bodyPr>
-          <a:lstStyle/>
-          <a:p>
-            <a:pPr marL="0" indent="0">
-              <a:buNone/>
-            </a:pPr>
-            <a:r>
-              <a:rPr lang="en-GB" dirty="0"/>
-              <a:t>The hash value is the SHA-256 hash of all the fields concatenated in order (excluding the hash) with a single space between as an upper case hex string. </a:t>
-            </a:r>
-            <a:r>
-              <a:rPr lang="en-GB" dirty="0" err="1"/>
-              <a:t>e.g</a:t>
-            </a:r>
-            <a:endParaRPr lang="en-GB" dirty="0"/>
-          </a:p>
-          <a:p>
-            <a:endParaRPr lang="en-GB" dirty="0"/>
-          </a:p>
-        </p:txBody>
-      </p:sp>
-      <p:graphicFrame>
-        <p:nvGraphicFramePr>
-          <p:cNvPr id="14" name="Table 13">
-            <a:extLst>
-              <a:ext uri="{FF2B5EF4-FFF2-40B4-BE49-F238E27FC236}">
-                <a16:creationId xmlns:a16="http://schemas.microsoft.com/office/drawing/2014/main" id="{3AAC1D82-64DE-4617-A187-27A84FCAE205}"/>
-              </a:ext>
-            </a:extLst>
-          </p:cNvPr>
-          <p:cNvGraphicFramePr>
-            <a:graphicFrameLocks noGrp="1"/>
-          </p:cNvGraphicFramePr>
-          <p:nvPr>
-            <p:extLst>
-              <p:ext uri="{D42A27DB-BD31-4B8C-83A1-F6EECF244321}">
-                <p14:modId xmlns:p14="http://schemas.microsoft.com/office/powerpoint/2010/main" val="923074055"/>
-              </p:ext>
-            </p:extLst>
-          </p:nvPr>
-        </p:nvGraphicFramePr>
-        <p:xfrm>
-          <a:off x="1293813" y="3140968"/>
-          <a:ext cx="10441160" cy="1849120"/>
-        </p:xfrm>
-        <a:graphic>
-          <a:graphicData uri="http://schemas.openxmlformats.org/drawingml/2006/table">
-            <a:tbl>
-              <a:tblPr bandRow="1">
-                <a:tableStyleId>{93296810-A885-4BE3-A3E7-6D5BEEA58F35}</a:tableStyleId>
-              </a:tblPr>
-              <a:tblGrid>
-                <a:gridCol w="1934002">
-                  <a:extLst>
-                    <a:ext uri="{9D8B030D-6E8A-4147-A177-3AD203B41FA5}">
-                      <a16:colId xmlns:a16="http://schemas.microsoft.com/office/drawing/2014/main" val="3759430591"/>
-                    </a:ext>
-                  </a:extLst>
-                </a:gridCol>
-                <a:gridCol w="8507158">
-                  <a:extLst>
-                    <a:ext uri="{9D8B030D-6E8A-4147-A177-3AD203B41FA5}">
-                      <a16:colId xmlns:a16="http://schemas.microsoft.com/office/drawing/2014/main" val="2117378712"/>
-                    </a:ext>
-                  </a:extLst>
-                </a:gridCol>
-              </a:tblGrid>
-              <a:tr h="154816">
-                <a:tc>
-                  <a:txBody>
-                    <a:bodyPr/>
-                    <a:lstStyle/>
-                    <a:p>
-                      <a:r>
-                        <a:rPr lang="en-GB" dirty="0"/>
-                        <a:t>index </a:t>
-                      </a:r>
-                    </a:p>
-                  </a:txBody>
-                  <a:tcPr/>
-                </a:tc>
-                <a:tc>
-                  <a:txBody>
-                    <a:bodyPr/>
-                    <a:lstStyle/>
-                    <a:p>
-                      <a:r>
-                        <a:rPr lang="en-GB" dirty="0"/>
-                        <a:t>index</a:t>
-                      </a:r>
-                    </a:p>
-                  </a:txBody>
-                  <a:tcPr/>
-                </a:tc>
-                <a:extLst>
-                  <a:ext uri="{0D108BD9-81ED-4DB2-BD59-A6C34878D82A}">
-                    <a16:rowId xmlns:a16="http://schemas.microsoft.com/office/drawing/2014/main" val="2547562514"/>
-                  </a:ext>
-                </a:extLst>
-              </a:tr>
-              <a:tr h="370840">
-                <a:tc>
-                  <a:txBody>
-                    <a:bodyPr/>
-                    <a:lstStyle/>
-                    <a:p>
-                      <a:r>
-                        <a:rPr lang="en-GB" dirty="0" err="1"/>
-                        <a:t>minedBy</a:t>
-                      </a:r>
-                      <a:endParaRPr lang="en-GB" dirty="0"/>
-                    </a:p>
-                  </a:txBody>
-                  <a:tcPr/>
-                </a:tc>
-                <a:tc>
-                  <a:txBody>
-                    <a:bodyPr/>
-                    <a:lstStyle/>
-                    <a:p>
-                      <a:r>
-                        <a:rPr lang="en-GB" dirty="0"/>
-                        <a:t>Adam</a:t>
-                      </a:r>
-                    </a:p>
-                  </a:txBody>
-                  <a:tcPr/>
-                </a:tc>
-                <a:extLst>
-                  <a:ext uri="{0D108BD9-81ED-4DB2-BD59-A6C34878D82A}">
-                    <a16:rowId xmlns:a16="http://schemas.microsoft.com/office/drawing/2014/main" val="913657003"/>
-                  </a:ext>
-                </a:extLst>
-              </a:tr>
-              <a:tr h="370840">
-                <a:tc>
-                  <a:txBody>
-                    <a:bodyPr/>
-                    <a:lstStyle/>
-                    <a:p>
-                      <a:r>
-                        <a:rPr lang="en-GB" dirty="0"/>
-                        <a:t>data</a:t>
-                      </a:r>
-                    </a:p>
-                  </a:txBody>
-                  <a:tcPr/>
-                </a:tc>
-                <a:tc>
-                  <a:txBody>
-                    <a:bodyPr/>
-                    <a:lstStyle/>
-                    <a:p>
-                      <a:r>
-                        <a:rPr lang="en-GB" dirty="0"/>
-                        <a:t>4</a:t>
-                      </a:r>
-                    </a:p>
-                  </a:txBody>
-                  <a:tcPr/>
-                </a:tc>
-                <a:extLst>
-                  <a:ext uri="{0D108BD9-81ED-4DB2-BD59-A6C34878D82A}">
-                    <a16:rowId xmlns:a16="http://schemas.microsoft.com/office/drawing/2014/main" val="3715241273"/>
-                  </a:ext>
-                </a:extLst>
-              </a:tr>
-              <a:tr h="370840">
-                <a:tc>
-                  <a:txBody>
-                    <a:bodyPr/>
-                    <a:lstStyle/>
-                    <a:p>
-                      <a:r>
-                        <a:rPr lang="en-GB" dirty="0" err="1"/>
-                        <a:t>previousHash</a:t>
-                      </a:r>
-                      <a:endParaRPr lang="en-GB" dirty="0"/>
-                    </a:p>
-                  </a:txBody>
-                  <a:tcPr/>
-                </a:tc>
-                <a:tc>
-                  <a:txBody>
-                    <a:bodyPr/>
-                    <a:lstStyle/>
-                    <a:p>
-                      <a:r>
-                        <a:rPr lang="en-GB" dirty="0"/>
-                        <a:t>0000CA2C984CDF70E03269309026979A18FA25EBBAB16BD90C88F92985992609</a:t>
-                      </a:r>
-                    </a:p>
-                  </a:txBody>
-                  <a:tcPr/>
-                </a:tc>
-                <a:extLst>
-                  <a:ext uri="{0D108BD9-81ED-4DB2-BD59-A6C34878D82A}">
-                    <a16:rowId xmlns:a16="http://schemas.microsoft.com/office/drawing/2014/main" val="44877441"/>
-                  </a:ext>
-                </a:extLst>
-              </a:tr>
-              <a:tr h="370840">
-                <a:tc>
-                  <a:txBody>
-                    <a:bodyPr/>
-                    <a:lstStyle/>
-                    <a:p>
-                      <a:r>
-                        <a:rPr lang="en-GB" dirty="0"/>
-                        <a:t>nonce</a:t>
-                      </a:r>
-                    </a:p>
-                  </a:txBody>
-                  <a:tcPr/>
-                </a:tc>
-                <a:tc>
-                  <a:txBody>
-                    <a:bodyPr/>
-                    <a:lstStyle/>
-                    <a:p>
-                      <a:r>
-                        <a:rPr lang="en-GB" dirty="0"/>
-                        <a:t>22889</a:t>
-                      </a:r>
-                    </a:p>
-                  </a:txBody>
-                  <a:tcPr/>
-                </a:tc>
-                <a:extLst>
-                  <a:ext uri="{0D108BD9-81ED-4DB2-BD59-A6C34878D82A}">
-                    <a16:rowId xmlns:a16="http://schemas.microsoft.com/office/drawing/2014/main" val="2874114534"/>
-                  </a:ext>
-                </a:extLst>
-              </a:tr>
-            </a:tbl>
-          </a:graphicData>
-        </a:graphic>
-      </p:graphicFrame>
-      <p:sp>
-        <p:nvSpPr>
-          <p:cNvPr id="17" name="TextBox 16">
-            <a:extLst>
-              <a:ext uri="{FF2B5EF4-FFF2-40B4-BE49-F238E27FC236}">
-                <a16:creationId xmlns:a16="http://schemas.microsoft.com/office/drawing/2014/main" id="{C53BC558-574C-42BF-A6D7-68878A357809}"/>
-              </a:ext>
-            </a:extLst>
-          </p:cNvPr>
-          <p:cNvSpPr txBox="1"/>
-          <p:nvPr/>
-        </p:nvSpPr>
-        <p:spPr>
-          <a:xfrm>
-            <a:off x="477788" y="5066565"/>
-            <a:ext cx="14724820" cy="923330"/>
-          </a:xfrm>
-          <a:prstGeom prst="rect">
-            <a:avLst/>
-          </a:prstGeom>
-          <a:noFill/>
-        </p:spPr>
-        <p:txBody>
-          <a:bodyPr wrap="square" rtlCol="0">
-            <a:spAutoFit/>
-          </a:bodyPr>
-          <a:lstStyle/>
-          <a:p>
-            <a:pPr>
-              <a:lnSpc>
-                <a:spcPct val="90000"/>
-              </a:lnSpc>
-            </a:pPr>
-            <a:r>
-              <a:rPr lang="en-GB" sz="2000" dirty="0"/>
-              <a:t>5 Adam 4 0000CA2C984CDF70E03269309026979A18FA25EBBAB16BD90C88F92985992609 22889</a:t>
-            </a:r>
-          </a:p>
-          <a:p>
-            <a:pPr>
-              <a:lnSpc>
-                <a:spcPct val="90000"/>
-              </a:lnSpc>
-            </a:pPr>
-            <a:r>
-              <a:rPr lang="en-GB" sz="2000" dirty="0"/>
-              <a:t>Makes this hash</a:t>
-            </a:r>
-          </a:p>
-          <a:p>
-            <a:pPr>
-              <a:lnSpc>
-                <a:spcPct val="90000"/>
-              </a:lnSpc>
-            </a:pPr>
-            <a:endParaRPr lang="en-GB" sz="2000" dirty="0"/>
-          </a:p>
-        </p:txBody>
-      </p:sp>
-      <p:graphicFrame>
-        <p:nvGraphicFramePr>
-          <p:cNvPr id="18" name="Table 17">
-            <a:extLst>
-              <a:ext uri="{FF2B5EF4-FFF2-40B4-BE49-F238E27FC236}">
-                <a16:creationId xmlns:a16="http://schemas.microsoft.com/office/drawing/2014/main" id="{02747BC6-C370-4FF7-A004-A9B1597D9D5A}"/>
-              </a:ext>
-            </a:extLst>
-          </p:cNvPr>
-          <p:cNvGraphicFramePr>
-            <a:graphicFrameLocks noGrp="1"/>
-          </p:cNvGraphicFramePr>
-          <p:nvPr>
-            <p:extLst>
-              <p:ext uri="{D42A27DB-BD31-4B8C-83A1-F6EECF244321}">
-                <p14:modId xmlns:p14="http://schemas.microsoft.com/office/powerpoint/2010/main" val="2565435766"/>
-              </p:ext>
-            </p:extLst>
-          </p:nvPr>
-        </p:nvGraphicFramePr>
-        <p:xfrm>
-          <a:off x="1294928" y="5835047"/>
-          <a:ext cx="10441161" cy="365760"/>
-        </p:xfrm>
-        <a:graphic>
-          <a:graphicData uri="http://schemas.openxmlformats.org/drawingml/2006/table">
-            <a:tbl>
-              <a:tblPr bandRow="1">
-                <a:tableStyleId>{93296810-A885-4BE3-A3E7-6D5BEEA58F35}</a:tableStyleId>
-              </a:tblPr>
-              <a:tblGrid>
-                <a:gridCol w="1934003">
-                  <a:extLst>
-                    <a:ext uri="{9D8B030D-6E8A-4147-A177-3AD203B41FA5}">
-                      <a16:colId xmlns:a16="http://schemas.microsoft.com/office/drawing/2014/main" val="3759430591"/>
-                    </a:ext>
-                  </a:extLst>
-                </a:gridCol>
-                <a:gridCol w="8507158">
-                  <a:extLst>
-                    <a:ext uri="{9D8B030D-6E8A-4147-A177-3AD203B41FA5}">
-                      <a16:colId xmlns:a16="http://schemas.microsoft.com/office/drawing/2014/main" val="2117378712"/>
-                    </a:ext>
-                  </a:extLst>
-                </a:gridCol>
-              </a:tblGrid>
-              <a:tr h="154816">
-                <a:tc>
-                  <a:txBody>
-                    <a:bodyPr/>
-                    <a:lstStyle/>
-                    <a:p>
-                      <a:r>
-                        <a:rPr lang="en-GB" dirty="0"/>
-                        <a:t>hash </a:t>
-                      </a:r>
-                    </a:p>
-                  </a:txBody>
-                  <a:tcPr/>
-                </a:tc>
-                <a:tc>
-                  <a:txBody>
-                    <a:bodyPr/>
-                    <a:lstStyle/>
-                    <a:p>
-                      <a:r>
-                        <a:rPr lang="en-GB" dirty="0"/>
-                        <a:t>0000cbfe51be34fad0de5720d6253dd23556b909b2d9f1d412cf552cdb76eb91</a:t>
-                      </a:r>
-                    </a:p>
-                  </a:txBody>
-                  <a:tcPr/>
-                </a:tc>
-                <a:extLst>
-                  <a:ext uri="{0D108BD9-81ED-4DB2-BD59-A6C34878D82A}">
-                    <a16:rowId xmlns:a16="http://schemas.microsoft.com/office/drawing/2014/main" val="2547562514"/>
-                  </a:ext>
-                </a:extLst>
-              </a:tr>
-            </a:tbl>
-          </a:graphicData>
-        </a:graphic>
-      </p:graphicFrame>
-      <p:sp>
-        <p:nvSpPr>
-          <p:cNvPr id="19" name="Rectangle 18">
-            <a:extLst>
-              <a:ext uri="{FF2B5EF4-FFF2-40B4-BE49-F238E27FC236}">
-                <a16:creationId xmlns:a16="http://schemas.microsoft.com/office/drawing/2014/main" id="{788897C3-FE9F-4D16-B9AA-5A2C64265554}"/>
-              </a:ext>
-            </a:extLst>
-          </p:cNvPr>
-          <p:cNvSpPr/>
-          <p:nvPr/>
-        </p:nvSpPr>
-        <p:spPr>
-          <a:xfrm>
-            <a:off x="1293812" y="6394916"/>
-            <a:ext cx="5586786" cy="369332"/>
-          </a:xfrm>
-          <a:prstGeom prst="rect">
-            <a:avLst/>
-          </a:prstGeom>
-        </p:spPr>
-        <p:txBody>
-          <a:bodyPr wrap="none">
-            <a:spAutoFit/>
-          </a:bodyPr>
-          <a:lstStyle/>
-          <a:p>
-            <a:r>
-              <a:rPr lang="en-GB" dirty="0">
-                <a:hlinkClick r:id="rId2"/>
-              </a:rPr>
-              <a:t>http://www.xorbin.com/tools/sha256-hash-calculator</a:t>
-            </a:r>
-            <a:endParaRPr lang="en-GB" dirty="0"/>
-          </a:p>
-        </p:txBody>
-      </p:sp>
-    </p:spTree>
-    <p:extLst>
-      <p:ext uri="{BB962C8B-B14F-4D97-AF65-F5344CB8AC3E}">
-        <p14:creationId xmlns:p14="http://schemas.microsoft.com/office/powerpoint/2010/main" val="1203386376"/>
-      </p:ext>
-    </p:extLst>
-  </p:cSld>
-  <p:clrMapOvr>
-    <a:masterClrMapping/>
-  </p:clrMapOvr>
-  <mc:AlternateContent xmlns:mc="http://schemas.openxmlformats.org/markup-compatibility/2006" xmlns:p14="http://schemas.microsoft.com/office/powerpoint/2010/main">
-    <mc:Choice Requires="p14">
-      <p:transition spd="med" p14:dur="700">
-        <p:fade/>
-      </p:transition>
-    </mc:Choice>
-    <mc:Fallback xmlns="">
-      <p:transition spd="med">
-        <p:fade/>
-      </p:transition>
-    </mc:Fallback>
-  </mc:AlternateContent>
-</p:sld>
-</file>
-
-<file path=ppt/slides/slide11.xml><?xml version="1.0" encoding="utf-8"?>
-<p:sld xmlns:a="http://schemas.openxmlformats.org/drawingml/2006/main" xmlns:r="http://schemas.openxmlformats.org/officeDocument/2006/relationships" xmlns:p="http://schemas.openxmlformats.org/presentationml/2006/main">
-  <p:cSld>
-    <p:spTree>
-      <p:nvGrpSpPr>
-        <p:cNvPr id="1" name=""/>
-        <p:cNvGrpSpPr/>
-        <p:nvPr/>
-      </p:nvGrpSpPr>
-      <p:grpSpPr>
-        <a:xfrm>
-          <a:off x="0" y="0"/>
-          <a:ext cx="0" cy="0"/>
-          <a:chOff x="0" y="0"/>
-          <a:chExt cx="0" cy="0"/>
-        </a:xfrm>
-      </p:grpSpPr>
-      <p:sp>
-        <p:nvSpPr>
-          <p:cNvPr id="2" name="Title 1"/>
-          <p:cNvSpPr>
-            <a:spLocks noGrp="1"/>
-          </p:cNvSpPr>
-          <p:nvPr>
-            <p:ph type="title"/>
-          </p:nvPr>
-        </p:nvSpPr>
-        <p:spPr/>
-        <p:txBody>
-          <a:bodyPr/>
-          <a:lstStyle/>
-          <a:p>
-            <a:r>
-              <a:rPr lang="en-US" dirty="0"/>
-              <a:t>Title and Content Layout with SmartArt</a:t>
-            </a:r>
-          </a:p>
-        </p:txBody>
-      </p:sp>
-      <p:sp>
-        <p:nvSpPr>
-          <p:cNvPr id="3" name="Content Placeholder 2"/>
-          <p:cNvSpPr>
-            <a:spLocks noGrp="1"/>
-          </p:cNvSpPr>
-          <p:nvPr>
-            <p:ph sz="half" idx="1"/>
-          </p:nvPr>
-        </p:nvSpPr>
-        <p:spPr/>
-        <p:txBody>
-          <a:bodyPr/>
-          <a:lstStyle/>
-          <a:p>
-            <a:r>
-              <a:rPr lang="en-US" dirty="0"/>
-              <a:t>First bullet point here</a:t>
-            </a:r>
-          </a:p>
-          <a:p>
-            <a:r>
-              <a:rPr lang="en-US" dirty="0"/>
-              <a:t>Second bullet point here</a:t>
-            </a:r>
-          </a:p>
-          <a:p>
-            <a:r>
-              <a:rPr lang="en-US" dirty="0"/>
-              <a:t>Third bullet point here</a:t>
-            </a:r>
-          </a:p>
-        </p:txBody>
-      </p:sp>
-      <p:graphicFrame>
-        <p:nvGraphicFramePr>
-          <p:cNvPr id="7" name="Content Placeholder 6" descr="Basic Matrix" title="SmartArt"/>
-          <p:cNvGraphicFramePr>
-            <a:graphicFrameLocks noGrp="1"/>
-          </p:cNvGraphicFramePr>
-          <p:nvPr>
-            <p:ph sz="half" idx="2"/>
-            <p:extLst>
-              <p:ext uri="{D42A27DB-BD31-4B8C-83A1-F6EECF244321}">
-                <p14:modId xmlns:p14="http://schemas.microsoft.com/office/powerpoint/2010/main" val="2244834703"/>
-              </p:ext>
-            </p:extLst>
-          </p:nvPr>
-        </p:nvGraphicFramePr>
-        <p:xfrm>
-          <a:off x="6246813" y="1981200"/>
-          <a:ext cx="4648200" cy="4191000"/>
-        </p:xfrm>
-        <a:graphic>
-          <a:graphicData uri="http://schemas.openxmlformats.org/drawingml/2006/diagram">
-            <dgm:relIds xmlns:dgm="http://schemas.openxmlformats.org/drawingml/2006/diagram" xmlns:r="http://schemas.openxmlformats.org/officeDocument/2006/relationships" r:dm="rId2" r:lo="rId3" r:qs="rId4" r:cs="rId5"/>
-          </a:graphicData>
-        </a:graphic>
-      </p:graphicFrame>
-    </p:spTree>
-    <p:extLst>
-      <p:ext uri="{BB962C8B-B14F-4D97-AF65-F5344CB8AC3E}">
-        <p14:creationId xmlns:p14="http://schemas.microsoft.com/office/powerpoint/2010/main" val="1149294452"/>
-      </p:ext>
-    </p:extLst>
-  </p:cSld>
-  <p:clrMapOvr>
-    <a:masterClrMapping/>
-  </p:clrMapOvr>
-  <mc:AlternateContent xmlns:mc="http://schemas.openxmlformats.org/markup-compatibility/2006" xmlns:p14="http://schemas.microsoft.com/office/powerpoint/2010/main">
-    <mc:Choice Requires="p14">
-      <p:transition spd="med" p14:dur="700">
-        <p:fade/>
-      </p:transition>
-    </mc:Choice>
-    <mc:Fallback xmlns="">
-      <p:transition spd="med">
-        <p:fade/>
-      </p:transition>
-    </mc:Fallback>
-  </mc:AlternateContent>
-</p:sld>
-</file>
-
-<file path=ppt/slides/slide12.xml><?xml version="1.0" encoding="utf-8"?>
-<p:sld xmlns:a="http://schemas.openxmlformats.org/drawingml/2006/main" xmlns:r="http://schemas.openxmlformats.org/officeDocument/2006/relationships" xmlns:p="http://schemas.openxmlformats.org/presentationml/2006/main">
-  <p:cSld>
-    <p:spTree>
-      <p:nvGrpSpPr>
-        <p:cNvPr id="1" name=""/>
-        <p:cNvGrpSpPr/>
-        <p:nvPr/>
-      </p:nvGrpSpPr>
-      <p:grpSpPr>
-        <a:xfrm>
-          <a:off x="0" y="0"/>
-          <a:ext cx="0" cy="0"/>
-          <a:chOff x="0" y="0"/>
-          <a:chExt cx="0" cy="0"/>
-        </a:xfrm>
-      </p:grpSpPr>
-      <p:sp>
-        <p:nvSpPr>
-          <p:cNvPr id="5" name="Title 4">
-            <a:extLst>
-              <a:ext uri="{FF2B5EF4-FFF2-40B4-BE49-F238E27FC236}">
-                <a16:creationId xmlns:a16="http://schemas.microsoft.com/office/drawing/2014/main" id="{D6F4ADB5-2931-48F1-B3F4-21360C23A0F8}"/>
-              </a:ext>
-            </a:extLst>
-          </p:cNvPr>
-          <p:cNvSpPr>
-            <a:spLocks noGrp="1"/>
-          </p:cNvSpPr>
-          <p:nvPr>
-            <p:ph type="title"/>
-          </p:nvPr>
-        </p:nvSpPr>
-        <p:spPr/>
-        <p:txBody>
-          <a:bodyPr/>
-          <a:lstStyle/>
-          <a:p>
-            <a:r>
-              <a:rPr lang="en-GB" dirty="0"/>
-              <a:t>void*</a:t>
-            </a:r>
-          </a:p>
-        </p:txBody>
-      </p:sp>
-      <p:sp>
-        <p:nvSpPr>
-          <p:cNvPr id="7" name="Text Placeholder 6">
-            <a:extLst>
-              <a:ext uri="{FF2B5EF4-FFF2-40B4-BE49-F238E27FC236}">
-                <a16:creationId xmlns:a16="http://schemas.microsoft.com/office/drawing/2014/main" id="{DAF71F46-F823-4A4C-947B-60C086AC0CE5}"/>
-              </a:ext>
-            </a:extLst>
-          </p:cNvPr>
-          <p:cNvSpPr>
-            <a:spLocks noGrp="1"/>
-          </p:cNvSpPr>
-          <p:nvPr>
-            <p:ph type="body" sz="half" idx="2"/>
-          </p:nvPr>
-        </p:nvSpPr>
-        <p:spPr/>
-        <p:txBody>
-          <a:bodyPr/>
-          <a:lstStyle/>
-          <a:p>
-            <a:endParaRPr lang="en-GB" dirty="0"/>
-          </a:p>
-        </p:txBody>
-      </p:sp>
-      <p:sp>
-        <p:nvSpPr>
-          <p:cNvPr id="6" name="Content Placeholder 5">
-            <a:extLst>
-              <a:ext uri="{FF2B5EF4-FFF2-40B4-BE49-F238E27FC236}">
-                <a16:creationId xmlns:a16="http://schemas.microsoft.com/office/drawing/2014/main" id="{D7917E88-21D3-4BD8-86F6-8F15F8816E09}"/>
-              </a:ext>
-            </a:extLst>
-          </p:cNvPr>
-          <p:cNvSpPr>
-            <a:spLocks noGrp="1"/>
-          </p:cNvSpPr>
-          <p:nvPr>
-            <p:ph idx="1"/>
-          </p:nvPr>
-        </p:nvSpPr>
-        <p:spPr/>
-        <p:txBody>
-          <a:bodyPr/>
-          <a:lstStyle/>
-          <a:p>
-            <a:r>
-              <a:rPr lang="en-GB" b="1" dirty="0"/>
-              <a:t>Let’s Build the Tiniest Blockchain - </a:t>
-            </a:r>
-            <a:r>
-              <a:rPr lang="en-GB" dirty="0"/>
-              <a:t>(In Less Than 50 Lines of Python) </a:t>
-            </a:r>
-            <a:r>
-              <a:rPr lang="en-GB" dirty="0">
-                <a:hlinkClick r:id="rId2"/>
-              </a:rPr>
-              <a:t>https://medium.com/crypto-currently/lets-build-the-tiniest-blockchain-e70965a248b</a:t>
-            </a:r>
-            <a:endParaRPr lang="en-GB" dirty="0"/>
-          </a:p>
-          <a:p>
-            <a:r>
-              <a:rPr lang="en-GB" dirty="0">
-                <a:hlinkClick r:id="rId3"/>
-              </a:rPr>
-              <a:t>https://yorkshire-brassbitcoin.azurewebsites.net/</a:t>
-            </a:r>
-            <a:endParaRPr lang="en-GB" dirty="0"/>
-          </a:p>
-          <a:p>
-            <a:r>
-              <a:rPr lang="en-GB" dirty="0">
-                <a:hlinkClick r:id="rId4"/>
-              </a:rPr>
-              <a:t>https://blockchain.info/</a:t>
-            </a:r>
-            <a:endParaRPr lang="en-GB" dirty="0"/>
-          </a:p>
-          <a:p>
-            <a:endParaRPr lang="en-GB" dirty="0"/>
-          </a:p>
-          <a:p>
-            <a:endParaRPr lang="en-GB" dirty="0"/>
-          </a:p>
-        </p:txBody>
-      </p:sp>
-    </p:spTree>
-    <p:extLst>
-      <p:ext uri="{BB962C8B-B14F-4D97-AF65-F5344CB8AC3E}">
-        <p14:creationId xmlns:p14="http://schemas.microsoft.com/office/powerpoint/2010/main" val="2839680085"/>
-      </p:ext>
-    </p:extLst>
-  </p:cSld>
-  <p:clrMapOvr>
-    <a:masterClrMapping/>
-  </p:clrMapOvr>
-  <mc:AlternateContent xmlns:mc="http://schemas.openxmlformats.org/markup-compatibility/2006" xmlns:p14="http://schemas.microsoft.com/office/powerpoint/2010/main">
-    <mc:Choice Requires="p14">
-      <p:transition spd="med" p14:dur="700">
-        <p:fade/>
-      </p:transition>
-    </mc:Choice>
-    <mc:Fallback xmlns="">
-      <p:transition spd="med">
-        <p:fade/>
-      </p:transition>
-    </mc:Fallback>
-  </mc:AlternateContent>
-</p:sld>
-</file>
-
-<file path=ppt/slides/slide2.xml><?xml version="1.0" encoding="utf-8"?>
-<p:sld xmlns:a="http://schemas.openxmlformats.org/drawingml/2006/main" xmlns:r="http://schemas.openxmlformats.org/officeDocument/2006/relationships" xmlns:p="http://schemas.openxmlformats.org/presentationml/2006/main">
-  <p:cSld>
-    <p:spTree>
-      <p:nvGrpSpPr>
-        <p:cNvPr id="1" name=""/>
-        <p:cNvGrpSpPr/>
-        <p:nvPr/>
-      </p:nvGrpSpPr>
-      <p:grpSpPr>
-        <a:xfrm>
-          <a:off x="0" y="0"/>
-          <a:ext cx="0" cy="0"/>
-          <a:chOff x="0" y="0"/>
-          <a:chExt cx="0" cy="0"/>
-        </a:xfrm>
-      </p:grpSpPr>
-      <p:sp>
-        <p:nvSpPr>
-          <p:cNvPr id="13" name="Title 12"/>
-          <p:cNvSpPr>
-            <a:spLocks noGrp="1"/>
-          </p:cNvSpPr>
-          <p:nvPr>
-            <p:ph type="title"/>
-          </p:nvPr>
-        </p:nvSpPr>
-        <p:spPr/>
-        <p:txBody>
-          <a:bodyPr/>
-          <a:lstStyle/>
-          <a:p>
-            <a:r>
-              <a:rPr lang="en-US" dirty="0"/>
-              <a:t>Adam Pridmore</a:t>
-            </a:r>
-          </a:p>
-        </p:txBody>
-      </p:sp>
-      <p:sp>
-        <p:nvSpPr>
-          <p:cNvPr id="14" name="Content Placeholder 13"/>
-          <p:cNvSpPr>
-            <a:spLocks noGrp="1"/>
-          </p:cNvSpPr>
-          <p:nvPr>
-            <p:ph idx="1"/>
-          </p:nvPr>
-        </p:nvSpPr>
-        <p:spPr/>
-        <p:txBody>
-          <a:bodyPr/>
-          <a:lstStyle/>
-          <a:p>
-            <a:r>
-              <a:rPr lang="en-US" dirty="0"/>
-              <a:t>Average Developer</a:t>
-            </a:r>
-          </a:p>
-          <a:p>
-            <a:r>
-              <a:rPr lang="en-US" dirty="0"/>
-              <a:t>Below average BitCoin </a:t>
-            </a:r>
-            <a:r>
-              <a:rPr lang="en-US" strike="sngStrike" dirty="0"/>
-              <a:t>expert</a:t>
-            </a:r>
-            <a:r>
-              <a:rPr lang="en-US" dirty="0"/>
-              <a:t> person</a:t>
-            </a:r>
-          </a:p>
-        </p:txBody>
-      </p:sp>
-    </p:spTree>
-    <p:extLst>
-      <p:ext uri="{BB962C8B-B14F-4D97-AF65-F5344CB8AC3E}">
-        <p14:creationId xmlns:p14="http://schemas.microsoft.com/office/powerpoint/2010/main" val="2028511039"/>
-      </p:ext>
-    </p:extLst>
-  </p:cSld>
-  <p:clrMapOvr>
-    <a:masterClrMapping/>
-  </p:clrMapOvr>
-  <mc:AlternateContent xmlns:mc="http://schemas.openxmlformats.org/markup-compatibility/2006" xmlns:p14="http://schemas.microsoft.com/office/powerpoint/2010/main">
-    <mc:Choice Requires="p14">
-      <p:transition spd="med" p14:dur="700">
-        <p:fade/>
-      </p:transition>
-    </mc:Choice>
-    <mc:Fallback xmlns="">
-      <p:transition spd="med">
-        <p:fade/>
-      </p:transition>
-    </mc:Fallback>
-  </mc:AlternateContent>
-</p:sld>
-</file>
-
-<file path=ppt/slides/slide3.xml><?xml version="1.0" encoding="utf-8"?>
-<p:sld xmlns:a="http://schemas.openxmlformats.org/drawingml/2006/main" xmlns:r="http://schemas.openxmlformats.org/officeDocument/2006/relationships" xmlns:p="http://schemas.openxmlformats.org/presentationml/2006/main">
-  <p:cSld>
-    <p:spTree>
-      <p:nvGrpSpPr>
-        <p:cNvPr id="1" name=""/>
-        <p:cNvGrpSpPr/>
-        <p:nvPr/>
-      </p:nvGrpSpPr>
-      <p:grpSpPr>
-        <a:xfrm>
-          <a:off x="0" y="0"/>
-          <a:ext cx="0" cy="0"/>
-          <a:chOff x="0" y="0"/>
-          <a:chExt cx="0" cy="0"/>
-        </a:xfrm>
-      </p:grpSpPr>
-      <p:sp>
-        <p:nvSpPr>
-          <p:cNvPr id="6" name="Title 5">
-            <a:extLst>
-              <a:ext uri="{FF2B5EF4-FFF2-40B4-BE49-F238E27FC236}">
-                <a16:creationId xmlns:a16="http://schemas.microsoft.com/office/drawing/2014/main" id="{BAFE98A2-5837-4787-8DF4-810786541E0C}"/>
-              </a:ext>
-            </a:extLst>
-          </p:cNvPr>
-          <p:cNvSpPr>
-            <a:spLocks noGrp="1"/>
-          </p:cNvSpPr>
-          <p:nvPr>
-            <p:ph type="ctrTitle"/>
-          </p:nvPr>
-        </p:nvSpPr>
-        <p:spPr/>
-        <p:txBody>
-          <a:bodyPr/>
-          <a:lstStyle/>
-          <a:p>
-            <a:r>
-              <a:rPr lang="en-GB" dirty="0"/>
-              <a:t>What is a BitCoin?</a:t>
-            </a:r>
-          </a:p>
-        </p:txBody>
-      </p:sp>
-      <p:sp>
-        <p:nvSpPr>
-          <p:cNvPr id="14" name="Subtitle 13">
-            <a:extLst>
-              <a:ext uri="{FF2B5EF4-FFF2-40B4-BE49-F238E27FC236}">
-                <a16:creationId xmlns:a16="http://schemas.microsoft.com/office/drawing/2014/main" id="{2E55C44C-791B-441A-9097-36B02FBCF3FB}"/>
-              </a:ext>
-            </a:extLst>
-          </p:cNvPr>
-          <p:cNvSpPr>
-            <a:spLocks noGrp="1"/>
-          </p:cNvSpPr>
-          <p:nvPr>
-            <p:ph type="subTitle" idx="1"/>
-          </p:nvPr>
-        </p:nvSpPr>
-        <p:spPr>
-          <a:xfrm>
-            <a:off x="7085014" y="2492896"/>
-            <a:ext cx="4572000" cy="2841104"/>
-          </a:xfrm>
-        </p:spPr>
-        <p:txBody>
-          <a:bodyPr/>
-          <a:lstStyle/>
-          <a:p>
-            <a:r>
-              <a:rPr lang="en-GB" dirty="0"/>
-              <a:t>It’s a cryptocurrency or a specific implementation of a block chain</a:t>
-            </a:r>
-          </a:p>
-        </p:txBody>
-      </p:sp>
-    </p:spTree>
-    <p:extLst>
-      <p:ext uri="{BB962C8B-B14F-4D97-AF65-F5344CB8AC3E}">
-        <p14:creationId xmlns:p14="http://schemas.microsoft.com/office/powerpoint/2010/main" val="1760228981"/>
-      </p:ext>
-    </p:extLst>
-  </p:cSld>
-  <p:clrMapOvr>
-    <a:masterClrMapping/>
-  </p:clrMapOvr>
-  <mc:AlternateContent xmlns:mc="http://schemas.openxmlformats.org/markup-compatibility/2006" xmlns:p14="http://schemas.microsoft.com/office/powerpoint/2010/main">
-    <mc:Choice Requires="p14">
-      <p:transition spd="med" p14:dur="700">
-        <p:fade/>
-      </p:transition>
-    </mc:Choice>
-    <mc:Fallback xmlns="">
-      <p:transition spd="med">
-        <p:fade/>
-      </p:transition>
-    </mc:Fallback>
-  </mc:AlternateContent>
-</p:sld>
-</file>
-
-<file path=ppt/slides/slide4.xml><?xml version="1.0" encoding="utf-8"?>
-<p:sld xmlns:a="http://schemas.openxmlformats.org/drawingml/2006/main" xmlns:r="http://schemas.openxmlformats.org/officeDocument/2006/relationships" xmlns:p="http://schemas.openxmlformats.org/presentationml/2006/main">
-  <p:cSld>
-    <p:spTree>
-      <p:nvGrpSpPr>
-        <p:cNvPr id="1" name=""/>
-        <p:cNvGrpSpPr/>
-        <p:nvPr/>
-      </p:nvGrpSpPr>
-      <p:grpSpPr>
-        <a:xfrm>
-          <a:off x="0" y="0"/>
-          <a:ext cx="0" cy="0"/>
-          <a:chOff x="0" y="0"/>
-          <a:chExt cx="0" cy="0"/>
-        </a:xfrm>
-      </p:grpSpPr>
-      <p:sp>
-        <p:nvSpPr>
-          <p:cNvPr id="6" name="Title 5">
-            <a:extLst>
-              <a:ext uri="{FF2B5EF4-FFF2-40B4-BE49-F238E27FC236}">
-                <a16:creationId xmlns:a16="http://schemas.microsoft.com/office/drawing/2014/main" id="{BAFE98A2-5837-4787-8DF4-810786541E0C}"/>
-              </a:ext>
-            </a:extLst>
-          </p:cNvPr>
-          <p:cNvSpPr>
-            <a:spLocks noGrp="1"/>
-          </p:cNvSpPr>
-          <p:nvPr>
-            <p:ph type="ctrTitle"/>
-          </p:nvPr>
-        </p:nvSpPr>
-        <p:spPr/>
-        <p:txBody>
-          <a:bodyPr/>
-          <a:lstStyle/>
-          <a:p>
-            <a:r>
-              <a:rPr lang="en-GB" dirty="0"/>
-              <a:t>What is a Block Chain?</a:t>
-            </a:r>
-          </a:p>
-        </p:txBody>
-      </p:sp>
-      <p:sp>
-        <p:nvSpPr>
-          <p:cNvPr id="14" name="Subtitle 13">
-            <a:extLst>
-              <a:ext uri="{FF2B5EF4-FFF2-40B4-BE49-F238E27FC236}">
-                <a16:creationId xmlns:a16="http://schemas.microsoft.com/office/drawing/2014/main" id="{2E55C44C-791B-441A-9097-36B02FBCF3FB}"/>
-              </a:ext>
-            </a:extLst>
-          </p:cNvPr>
-          <p:cNvSpPr>
-            <a:spLocks noGrp="1"/>
-          </p:cNvSpPr>
-          <p:nvPr>
-            <p:ph type="subTitle" idx="1"/>
-          </p:nvPr>
-        </p:nvSpPr>
-        <p:spPr>
-          <a:xfrm>
-            <a:off x="7085014" y="2204864"/>
-            <a:ext cx="4572000" cy="3129136"/>
-          </a:xfrm>
-        </p:spPr>
-        <p:txBody>
-          <a:bodyPr>
-            <a:normAutofit fontScale="92500" lnSpcReduction="20000"/>
-          </a:bodyPr>
-          <a:lstStyle/>
-          <a:p>
-            <a:r>
-              <a:rPr lang="en-GB" sz="2800" dirty="0"/>
-              <a:t>“a digital ledger in which transactions made in bitcoin or another cryptocurrency are recorded chronologically and publicly.”</a:t>
-            </a:r>
-          </a:p>
-          <a:p>
-            <a:endParaRPr lang="en-GB" sz="2800" dirty="0"/>
-          </a:p>
-          <a:p>
-            <a:r>
-              <a:rPr lang="en-GB" sz="2800" dirty="0"/>
-              <a:t>“A public ledger. An immutable record which cannot be changed, even by the authors of the transactions”</a:t>
-            </a:r>
-          </a:p>
-        </p:txBody>
-      </p:sp>
-    </p:spTree>
-    <p:extLst>
-      <p:ext uri="{BB962C8B-B14F-4D97-AF65-F5344CB8AC3E}">
-        <p14:creationId xmlns:p14="http://schemas.microsoft.com/office/powerpoint/2010/main" val="1497374988"/>
-      </p:ext>
-    </p:extLst>
-  </p:cSld>
-  <p:clrMapOvr>
-    <a:masterClrMapping/>
-  </p:clrMapOvr>
-  <mc:AlternateContent xmlns:mc="http://schemas.openxmlformats.org/markup-compatibility/2006" xmlns:p14="http://schemas.microsoft.com/office/powerpoint/2010/main">
-    <mc:Choice Requires="p14">
-      <p:transition spd="med" p14:dur="700">
-        <p:fade/>
-      </p:transition>
-    </mc:Choice>
-    <mc:Fallback xmlns="">
-      <p:transition spd="med">
-        <p:fade/>
-      </p:transition>
-    </mc:Fallback>
-  </mc:AlternateContent>
-</p:sld>
-</file>
-
-<file path=ppt/slides/slide5.xml><?xml version="1.0" encoding="utf-8"?>
-<p:sld xmlns:a="http://schemas.openxmlformats.org/drawingml/2006/main" xmlns:r="http://schemas.openxmlformats.org/officeDocument/2006/relationships" xmlns:p="http://schemas.openxmlformats.org/presentationml/2006/main">
-  <p:cSld>
-    <p:spTree>
-      <p:nvGrpSpPr>
-        <p:cNvPr id="1" name=""/>
-        <p:cNvGrpSpPr/>
-        <p:nvPr/>
-      </p:nvGrpSpPr>
-      <p:grpSpPr>
-        <a:xfrm>
-          <a:off x="0" y="0"/>
-          <a:ext cx="0" cy="0"/>
-          <a:chOff x="0" y="0"/>
-          <a:chExt cx="0" cy="0"/>
-        </a:xfrm>
-      </p:grpSpPr>
-      <p:pic>
-        <p:nvPicPr>
-          <p:cNvPr id="8" name="Picture Placeholder 7">
-            <a:extLst>
-              <a:ext uri="{FF2B5EF4-FFF2-40B4-BE49-F238E27FC236}">
-                <a16:creationId xmlns:a16="http://schemas.microsoft.com/office/drawing/2014/main" id="{208D7108-8B15-4640-A23F-B326654882DF}"/>
-              </a:ext>
-            </a:extLst>
-          </p:cNvPr>
-          <p:cNvPicPr>
-            <a:picLocks noGrp="1" noChangeAspect="1"/>
-          </p:cNvPicPr>
-          <p:nvPr>
-            <p:ph type="pic" idx="1"/>
-          </p:nvPr>
-        </p:nvPicPr>
-        <p:blipFill>
-          <a:blip r:embed="rId3">
-            <a:extLst>
-              <a:ext uri="{28A0092B-C50C-407E-A947-70E740481C1C}">
-                <a14:useLocalDpi xmlns:a14="http://schemas.microsoft.com/office/drawing/2010/main" val="0"/>
-              </a:ext>
-            </a:extLst>
-          </a:blip>
-          <a:srcRect l="2307" r="2307"/>
-          <a:stretch>
-            <a:fillRect/>
-          </a:stretch>
-        </p:blipFill>
-        <p:spPr>
-          <a:xfrm>
-            <a:off x="457198" y="465283"/>
-            <a:ext cx="6780215" cy="5249717"/>
-          </a:xfrm>
-        </p:spPr>
-      </p:pic>
-      <p:sp>
-        <p:nvSpPr>
-          <p:cNvPr id="10" name="TextBox 9">
-            <a:extLst>
-              <a:ext uri="{FF2B5EF4-FFF2-40B4-BE49-F238E27FC236}">
-                <a16:creationId xmlns:a16="http://schemas.microsoft.com/office/drawing/2014/main" id="{0711A7BA-CAB9-47E6-B49B-D069BB4EFDEA}"/>
-              </a:ext>
-            </a:extLst>
-          </p:cNvPr>
-          <p:cNvSpPr txBox="1"/>
-          <p:nvPr/>
-        </p:nvSpPr>
-        <p:spPr>
-          <a:xfrm>
-            <a:off x="7678589" y="227818"/>
-            <a:ext cx="4320480" cy="5466112"/>
-          </a:xfrm>
-          <a:prstGeom prst="rect">
-            <a:avLst/>
-          </a:prstGeom>
-          <a:noFill/>
-        </p:spPr>
-        <p:txBody>
-          <a:bodyPr wrap="square" rtlCol="0">
-            <a:spAutoFit/>
-          </a:bodyPr>
-          <a:lstStyle/>
-          <a:p>
-            <a:pPr>
-              <a:lnSpc>
-                <a:spcPct val="90000"/>
-              </a:lnSpc>
-            </a:pPr>
-            <a:r>
-              <a:rPr lang="en-GB" sz="4400" dirty="0">
-                <a:solidFill>
-                  <a:schemeClr val="bg1"/>
-                </a:solidFill>
-                <a:effectLst>
-                  <a:outerShdw blurRad="88900" algn="ctr" rotWithShape="0">
-                    <a:prstClr val="black">
-                      <a:alpha val="35000"/>
-                    </a:prstClr>
-                  </a:outerShdw>
-                </a:effectLst>
-                <a:latin typeface="+mj-lt"/>
-                <a:ea typeface="+mj-ea"/>
-                <a:cs typeface="+mj-cs"/>
-              </a:rPr>
-              <a:t>Each block has</a:t>
-            </a:r>
-          </a:p>
-          <a:p>
-            <a:pPr marL="342900" indent="-342900">
-              <a:lnSpc>
-                <a:spcPct val="90000"/>
-              </a:lnSpc>
-              <a:buFont typeface="Arial" panose="020B0604020202020204" pitchFamily="34" charset="0"/>
-              <a:buChar char="•"/>
-            </a:pPr>
-            <a:endParaRPr lang="en-GB" sz="3200" dirty="0">
-              <a:solidFill>
-                <a:schemeClr val="bg1"/>
-              </a:solidFill>
-              <a:effectLst>
-                <a:outerShdw blurRad="88900" algn="ctr" rotWithShape="0">
-                  <a:prstClr val="black">
-                    <a:alpha val="35000"/>
-                  </a:prstClr>
-                </a:outerShdw>
-              </a:effectLst>
-              <a:latin typeface="+mj-lt"/>
-              <a:ea typeface="+mj-ea"/>
-              <a:cs typeface="+mj-cs"/>
-            </a:endParaRPr>
-          </a:p>
-          <a:p>
-            <a:pPr marL="342900" indent="-342900">
-              <a:lnSpc>
-                <a:spcPct val="90000"/>
-              </a:lnSpc>
-              <a:buFont typeface="Arial" panose="020B0604020202020204" pitchFamily="34" charset="0"/>
-              <a:buChar char="•"/>
-            </a:pPr>
-            <a:r>
-              <a:rPr lang="en-GB" sz="3200" dirty="0">
-                <a:solidFill>
-                  <a:schemeClr val="bg1"/>
-                </a:solidFill>
-                <a:effectLst>
-                  <a:outerShdw blurRad="88900" algn="ctr" rotWithShape="0">
-                    <a:prstClr val="black">
-                      <a:alpha val="35000"/>
-                    </a:prstClr>
-                  </a:outerShdw>
-                </a:effectLst>
-                <a:latin typeface="+mj-lt"/>
-                <a:ea typeface="+mj-ea"/>
-                <a:cs typeface="+mj-cs"/>
-              </a:rPr>
-              <a:t>Transactions</a:t>
-            </a:r>
-          </a:p>
-          <a:p>
-            <a:pPr marL="342900" indent="-342900">
-              <a:lnSpc>
-                <a:spcPct val="90000"/>
-              </a:lnSpc>
-              <a:buFont typeface="Arial" panose="020B0604020202020204" pitchFamily="34" charset="0"/>
-              <a:buChar char="•"/>
-            </a:pPr>
-            <a:endParaRPr lang="en-GB" sz="3200" dirty="0">
-              <a:solidFill>
-                <a:schemeClr val="bg1"/>
-              </a:solidFill>
-              <a:effectLst>
-                <a:outerShdw blurRad="88900" algn="ctr" rotWithShape="0">
-                  <a:prstClr val="black">
-                    <a:alpha val="35000"/>
-                  </a:prstClr>
-                </a:outerShdw>
-              </a:effectLst>
-              <a:latin typeface="+mj-lt"/>
-              <a:ea typeface="+mj-ea"/>
-              <a:cs typeface="+mj-cs"/>
-            </a:endParaRPr>
-          </a:p>
-          <a:p>
-            <a:pPr marL="342900" indent="-342900">
-              <a:lnSpc>
-                <a:spcPct val="90000"/>
-              </a:lnSpc>
-              <a:buFont typeface="Arial" panose="020B0604020202020204" pitchFamily="34" charset="0"/>
-              <a:buChar char="•"/>
-            </a:pPr>
-            <a:r>
-              <a:rPr lang="en-GB" sz="3200" dirty="0">
-                <a:solidFill>
-                  <a:schemeClr val="bg1"/>
-                </a:solidFill>
-                <a:effectLst>
-                  <a:outerShdw blurRad="88900" algn="ctr" rotWithShape="0">
-                    <a:prstClr val="black">
-                      <a:alpha val="35000"/>
-                    </a:prstClr>
-                  </a:outerShdw>
-                </a:effectLst>
-                <a:latin typeface="+mj-lt"/>
-                <a:ea typeface="+mj-ea"/>
-                <a:cs typeface="+mj-cs"/>
-              </a:rPr>
-              <a:t>Hash of previous block </a:t>
-            </a:r>
-          </a:p>
-          <a:p>
-            <a:pPr marL="342900" indent="-342900">
-              <a:lnSpc>
-                <a:spcPct val="90000"/>
-              </a:lnSpc>
-              <a:buFont typeface="Arial" panose="020B0604020202020204" pitchFamily="34" charset="0"/>
-              <a:buChar char="•"/>
-            </a:pPr>
-            <a:endParaRPr lang="en-GB" sz="3200" dirty="0">
-              <a:solidFill>
-                <a:schemeClr val="bg1"/>
-              </a:solidFill>
-              <a:effectLst>
-                <a:outerShdw blurRad="88900" algn="ctr" rotWithShape="0">
-                  <a:prstClr val="black">
-                    <a:alpha val="35000"/>
-                  </a:prstClr>
-                </a:outerShdw>
-              </a:effectLst>
-              <a:latin typeface="+mj-lt"/>
-              <a:ea typeface="+mj-ea"/>
-              <a:cs typeface="+mj-cs"/>
-            </a:endParaRPr>
-          </a:p>
-          <a:p>
-            <a:pPr marL="342900" indent="-342900">
-              <a:lnSpc>
-                <a:spcPct val="90000"/>
-              </a:lnSpc>
-              <a:buFont typeface="Arial" panose="020B0604020202020204" pitchFamily="34" charset="0"/>
-              <a:buChar char="•"/>
-            </a:pPr>
-            <a:r>
-              <a:rPr lang="en-GB" sz="3200" dirty="0">
-                <a:solidFill>
-                  <a:schemeClr val="bg1"/>
-                </a:solidFill>
-                <a:effectLst>
-                  <a:outerShdw blurRad="88900" algn="ctr" rotWithShape="0">
-                    <a:prstClr val="black">
-                      <a:alpha val="35000"/>
-                    </a:prstClr>
-                  </a:outerShdw>
-                </a:effectLst>
-                <a:latin typeface="+mj-lt"/>
-                <a:ea typeface="+mj-ea"/>
-                <a:cs typeface="+mj-cs"/>
-              </a:rPr>
-              <a:t>Its own hash</a:t>
-            </a:r>
-          </a:p>
-          <a:p>
-            <a:pPr marL="342900" indent="-342900">
-              <a:lnSpc>
-                <a:spcPct val="90000"/>
-              </a:lnSpc>
-              <a:buFont typeface="Arial" panose="020B0604020202020204" pitchFamily="34" charset="0"/>
-              <a:buChar char="•"/>
-            </a:pPr>
-            <a:endParaRPr lang="en-GB" sz="3200" dirty="0">
-              <a:solidFill>
-                <a:schemeClr val="bg1"/>
-              </a:solidFill>
-              <a:effectLst>
-                <a:outerShdw blurRad="88900" algn="ctr" rotWithShape="0">
-                  <a:prstClr val="black">
-                    <a:alpha val="35000"/>
-                  </a:prstClr>
-                </a:outerShdw>
-              </a:effectLst>
-              <a:latin typeface="+mj-lt"/>
-              <a:ea typeface="+mj-ea"/>
-              <a:cs typeface="+mj-cs"/>
-            </a:endParaRPr>
-          </a:p>
-          <a:p>
-            <a:pPr marL="342900" indent="-342900">
-              <a:lnSpc>
-                <a:spcPct val="90000"/>
-              </a:lnSpc>
-              <a:buFont typeface="Arial" panose="020B0604020202020204" pitchFamily="34" charset="0"/>
-              <a:buChar char="•"/>
-            </a:pPr>
-            <a:r>
-              <a:rPr lang="en-GB" sz="3200" dirty="0">
-                <a:solidFill>
-                  <a:schemeClr val="bg1"/>
-                </a:solidFill>
-                <a:effectLst>
-                  <a:outerShdw blurRad="88900" algn="ctr" rotWithShape="0">
-                    <a:prstClr val="black">
-                      <a:alpha val="35000"/>
-                    </a:prstClr>
-                  </a:outerShdw>
-                </a:effectLst>
-                <a:latin typeface="+mj-lt"/>
-                <a:ea typeface="+mj-ea"/>
-                <a:cs typeface="+mj-cs"/>
-              </a:rPr>
-              <a:t>Other bits (meta data)</a:t>
-            </a:r>
-            <a:br>
-              <a:rPr lang="en-GB" sz="2400" dirty="0"/>
-            </a:br>
-            <a:endParaRPr lang="en-GB" sz="2400" dirty="0"/>
-          </a:p>
-        </p:txBody>
-      </p:sp>
-    </p:spTree>
-    <p:extLst>
-      <p:ext uri="{BB962C8B-B14F-4D97-AF65-F5344CB8AC3E}">
-        <p14:creationId xmlns:p14="http://schemas.microsoft.com/office/powerpoint/2010/main" val="1172241125"/>
-      </p:ext>
-    </p:extLst>
-  </p:cSld>
-  <p:clrMapOvr>
-    <a:masterClrMapping/>
-  </p:clrMapOvr>
-  <mc:AlternateContent xmlns:mc="http://schemas.openxmlformats.org/markup-compatibility/2006" xmlns:p14="http://schemas.microsoft.com/office/powerpoint/2010/main">
-    <mc:Choice Requires="p14">
-      <p:transition spd="med" p14:dur="700">
-        <p:fade/>
-      </p:transition>
-    </mc:Choice>
-    <mc:Fallback xmlns="">
-      <p:transition spd="med">
-        <p:fade/>
-      </p:transition>
-    </mc:Fallback>
-  </mc:AlternateContent>
-</p:sld>
-</file>
-
-<file path=ppt/slides/slide6.xml><?xml version="1.0" encoding="utf-8"?>
-<p:sld xmlns:a="http://schemas.openxmlformats.org/drawingml/2006/main" xmlns:r="http://schemas.openxmlformats.org/officeDocument/2006/relationships" xmlns:p="http://schemas.openxmlformats.org/presentationml/2006/main">
-  <p:cSld>
-    <p:spTree>
-      <p:nvGrpSpPr>
-        <p:cNvPr id="1" name=""/>
-        <p:cNvGrpSpPr/>
-        <p:nvPr/>
-      </p:nvGrpSpPr>
-      <p:grpSpPr>
-        <a:xfrm>
-          <a:off x="0" y="0"/>
-          <a:ext cx="0" cy="0"/>
-          <a:chOff x="0" y="0"/>
-          <a:chExt cx="0" cy="0"/>
-        </a:xfrm>
-      </p:grpSpPr>
-      <p:sp>
-        <p:nvSpPr>
-          <p:cNvPr id="2" name="Title 1">
-            <a:extLst>
-              <a:ext uri="{FF2B5EF4-FFF2-40B4-BE49-F238E27FC236}">
-                <a16:creationId xmlns:a16="http://schemas.microsoft.com/office/drawing/2014/main" id="{03951167-FCFE-474F-9E2B-0A6B22E5B97C}"/>
-              </a:ext>
-            </a:extLst>
-          </p:cNvPr>
-          <p:cNvSpPr>
-            <a:spLocks noGrp="1"/>
-          </p:cNvSpPr>
-          <p:nvPr>
-            <p:ph type="ctrTitle"/>
-          </p:nvPr>
-        </p:nvSpPr>
-        <p:spPr/>
-        <p:txBody>
-          <a:bodyPr/>
-          <a:lstStyle/>
-          <a:p>
-            <a:r>
-              <a:rPr lang="en-GB" dirty="0"/>
-              <a:t>I’ve heard about this thing called ‘mining’?</a:t>
-            </a:r>
-          </a:p>
-        </p:txBody>
-      </p:sp>
-      <p:sp>
-        <p:nvSpPr>
-          <p:cNvPr id="5" name="Subtitle 4">
-            <a:extLst>
-              <a:ext uri="{FF2B5EF4-FFF2-40B4-BE49-F238E27FC236}">
-                <a16:creationId xmlns:a16="http://schemas.microsoft.com/office/drawing/2014/main" id="{DF74F5C0-7583-4285-9B17-5F1A90203181}"/>
-              </a:ext>
-            </a:extLst>
-          </p:cNvPr>
-          <p:cNvSpPr>
-            <a:spLocks noGrp="1"/>
-          </p:cNvSpPr>
-          <p:nvPr>
-            <p:ph type="subTitle" idx="1"/>
-          </p:nvPr>
-        </p:nvSpPr>
-        <p:spPr/>
-        <p:txBody>
-          <a:bodyPr/>
-          <a:lstStyle/>
-          <a:p>
-            <a:endParaRPr lang="en-GB" dirty="0"/>
-          </a:p>
-        </p:txBody>
-      </p:sp>
-      <p:pic>
-        <p:nvPicPr>
-          <p:cNvPr id="8" name="Picture Placeholder 7">
-            <a:extLst>
-              <a:ext uri="{FF2B5EF4-FFF2-40B4-BE49-F238E27FC236}">
-                <a16:creationId xmlns:a16="http://schemas.microsoft.com/office/drawing/2014/main" id="{A3EF61DE-49D6-4533-87A5-07486C8CE78A}"/>
-              </a:ext>
-            </a:extLst>
-          </p:cNvPr>
-          <p:cNvPicPr>
-            <a:picLocks noGrp="1" noChangeAspect="1"/>
-          </p:cNvPicPr>
-          <p:nvPr>
-            <p:ph type="pic" sz="quarter" idx="13"/>
-          </p:nvPr>
-        </p:nvPicPr>
-        <p:blipFill>
-          <a:blip r:embed="rId2">
-            <a:extLst>
-              <a:ext uri="{28A0092B-C50C-407E-A947-70E740481C1C}">
-                <a14:useLocalDpi xmlns:a14="http://schemas.microsoft.com/office/drawing/2010/main" val="0"/>
-              </a:ext>
-            </a:extLst>
-          </a:blip>
-          <a:srcRect l="2892" r="2892"/>
-          <a:stretch>
-            <a:fillRect/>
-          </a:stretch>
-        </p:blipFill>
-        <p:spPr/>
-      </p:pic>
-    </p:spTree>
-    <p:extLst>
-      <p:ext uri="{BB962C8B-B14F-4D97-AF65-F5344CB8AC3E}">
-        <p14:creationId xmlns:p14="http://schemas.microsoft.com/office/powerpoint/2010/main" val="1503925789"/>
-      </p:ext>
-    </p:extLst>
-  </p:cSld>
-  <p:clrMapOvr>
-    <a:masterClrMapping/>
-  </p:clrMapOvr>
-  <mc:AlternateContent xmlns:mc="http://schemas.openxmlformats.org/markup-compatibility/2006" xmlns:p14="http://schemas.microsoft.com/office/powerpoint/2010/main">
-    <mc:Choice Requires="p14">
-      <p:transition spd="med" p14:dur="700">
-        <p:fade/>
-      </p:transition>
-    </mc:Choice>
-    <mc:Fallback xmlns="">
-      <p:transition spd="med">
-        <p:fade/>
-      </p:transition>
-    </mc:Fallback>
-  </mc:AlternateContent>
-</p:sld>
-</file>
-
-<file path=ppt/slides/slide7.xml><?xml version="1.0" encoding="utf-8"?>
-<p:sld xmlns:a="http://schemas.openxmlformats.org/drawingml/2006/main" xmlns:r="http://schemas.openxmlformats.org/officeDocument/2006/relationships" xmlns:p="http://schemas.openxmlformats.org/presentationml/2006/main">
-  <p:cSld>
-    <p:spTree>
-      <p:nvGrpSpPr>
-        <p:cNvPr id="1" name=""/>
-        <p:cNvGrpSpPr/>
-        <p:nvPr/>
-      </p:nvGrpSpPr>
-      <p:grpSpPr>
-        <a:xfrm>
-          <a:off x="0" y="0"/>
-          <a:ext cx="0" cy="0"/>
-          <a:chOff x="0" y="0"/>
-          <a:chExt cx="0" cy="0"/>
-        </a:xfrm>
-      </p:grpSpPr>
-      <p:sp>
-        <p:nvSpPr>
-          <p:cNvPr id="6" name="Content Placeholder 5">
-            <a:extLst>
-              <a:ext uri="{FF2B5EF4-FFF2-40B4-BE49-F238E27FC236}">
-                <a16:creationId xmlns:a16="http://schemas.microsoft.com/office/drawing/2014/main" id="{FDBC3EFD-8B86-4427-8D2C-C5A5553125E8}"/>
-              </a:ext>
-            </a:extLst>
-          </p:cNvPr>
-          <p:cNvSpPr>
-            <a:spLocks noGrp="1"/>
-          </p:cNvSpPr>
-          <p:nvPr>
-            <p:ph idx="1"/>
-          </p:nvPr>
-        </p:nvSpPr>
-        <p:spPr>
-          <a:xfrm>
-            <a:off x="549796" y="980728"/>
-            <a:ext cx="10345219" cy="4464496"/>
-          </a:xfrm>
-        </p:spPr>
-        <p:txBody>
-          <a:bodyPr>
-            <a:normAutofit/>
-          </a:bodyPr>
-          <a:lstStyle/>
-          <a:p>
-            <a:r>
-              <a:rPr lang="en-GB" sz="3200" dirty="0"/>
-              <a:t>Bitcoin mining</a:t>
-            </a:r>
-          </a:p>
-          <a:p>
-            <a:pPr lvl="1"/>
-            <a:r>
-              <a:rPr lang="en-GB" dirty="0"/>
-              <a:t>Is creating a new valid block</a:t>
-            </a:r>
-          </a:p>
-          <a:p>
-            <a:pPr lvl="1"/>
-            <a:r>
-              <a:rPr lang="en-GB" dirty="0"/>
-              <a:t>Hash of a bunch of transactions and the previous hash</a:t>
-            </a:r>
-          </a:p>
-          <a:p>
-            <a:pPr lvl="1"/>
-            <a:r>
-              <a:rPr lang="en-GB" dirty="0"/>
-              <a:t>The hash must meet some (hard) criteria</a:t>
-            </a:r>
-          </a:p>
-          <a:p>
-            <a:pPr lvl="2"/>
-            <a:r>
-              <a:rPr lang="en-GB" dirty="0"/>
-              <a:t>Starts with 18 zeros</a:t>
-            </a:r>
-          </a:p>
-          <a:p>
-            <a:pPr lvl="2"/>
-            <a:r>
-              <a:rPr lang="en-GB" dirty="0"/>
-              <a:t>~2.7 Million billion hashes tried to find one</a:t>
-            </a:r>
-          </a:p>
-          <a:p>
-            <a:pPr lvl="2"/>
-            <a:r>
-              <a:rPr lang="en-GB" dirty="0"/>
-              <a:t>Real Example: </a:t>
-            </a:r>
-          </a:p>
-          <a:p>
-            <a:pPr marL="685800" lvl="3" indent="0">
-              <a:buNone/>
-            </a:pPr>
-            <a:r>
-              <a:rPr lang="en-GB" dirty="0"/>
-              <a:t>00000000000000000058dd9b08732c8f376188bd85a46e93167b772ee51c34d6</a:t>
-            </a:r>
-          </a:p>
-          <a:p>
-            <a:r>
-              <a:rPr lang="en-GB" sz="3200" dirty="0"/>
-              <a:t>Why do it?</a:t>
-            </a:r>
-          </a:p>
-          <a:p>
-            <a:pPr lvl="1"/>
-            <a:r>
-              <a:rPr lang="en-GB" dirty="0"/>
-              <a:t>You get some bitcoins (12.5) and all the transaction fees in the block =&gt; $$$</a:t>
-            </a:r>
-          </a:p>
-          <a:p>
-            <a:pPr lvl="1"/>
-            <a:endParaRPr lang="en-GB" dirty="0"/>
-          </a:p>
-          <a:p>
-            <a:pPr lvl="1"/>
-            <a:endParaRPr lang="en-GB" dirty="0"/>
-          </a:p>
-        </p:txBody>
-      </p:sp>
-      <p:graphicFrame>
-        <p:nvGraphicFramePr>
-          <p:cNvPr id="13" name="Diagram 12">
-            <a:extLst>
-              <a:ext uri="{FF2B5EF4-FFF2-40B4-BE49-F238E27FC236}">
-                <a16:creationId xmlns:a16="http://schemas.microsoft.com/office/drawing/2014/main" id="{A7ADBC7F-9B5A-4B7E-A72B-22C069325840}"/>
-              </a:ext>
-            </a:extLst>
-          </p:cNvPr>
-          <p:cNvGraphicFramePr/>
-          <p:nvPr>
-            <p:extLst>
-              <p:ext uri="{D42A27DB-BD31-4B8C-83A1-F6EECF244321}">
-                <p14:modId xmlns:p14="http://schemas.microsoft.com/office/powerpoint/2010/main" val="2314870544"/>
-              </p:ext>
-            </p:extLst>
-          </p:nvPr>
-        </p:nvGraphicFramePr>
-        <p:xfrm>
-          <a:off x="1293813" y="5445224"/>
-          <a:ext cx="8888713" cy="590931"/>
-        </p:xfrm>
-        <a:graphic>
-          <a:graphicData uri="http://schemas.openxmlformats.org/drawingml/2006/diagram">
-            <dgm:relIds xmlns:dgm="http://schemas.openxmlformats.org/drawingml/2006/diagram" xmlns:r="http://schemas.openxmlformats.org/officeDocument/2006/relationships" r:dm="rId3" r:lo="rId4" r:qs="rId5" r:cs="rId6"/>
-          </a:graphicData>
-        </a:graphic>
-      </p:graphicFrame>
-      <p:pic>
-        <p:nvPicPr>
-          <p:cNvPr id="15" name="Picture 14">
-            <a:extLst>
-              <a:ext uri="{FF2B5EF4-FFF2-40B4-BE49-F238E27FC236}">
-                <a16:creationId xmlns:a16="http://schemas.microsoft.com/office/drawing/2014/main" id="{CBA73DC1-948B-4A33-8039-8A8E84100AC9}"/>
-              </a:ext>
-            </a:extLst>
-          </p:cNvPr>
-          <p:cNvPicPr>
-            <a:picLocks noChangeAspect="1"/>
-          </p:cNvPicPr>
-          <p:nvPr/>
-        </p:nvPicPr>
-        <p:blipFill>
-          <a:blip r:embed="rId8">
-            <a:extLst>
-              <a:ext uri="{28A0092B-C50C-407E-A947-70E740481C1C}">
-                <a14:useLocalDpi xmlns:a14="http://schemas.microsoft.com/office/drawing/2010/main" val="0"/>
-              </a:ext>
-            </a:extLst>
-          </a:blip>
-          <a:stretch>
-            <a:fillRect/>
-          </a:stretch>
-        </p:blipFill>
-        <p:spPr>
-          <a:xfrm>
-            <a:off x="7462564" y="836712"/>
-            <a:ext cx="3912444" cy="2608296"/>
-          </a:xfrm>
-          <a:prstGeom prst="rect">
-            <a:avLst/>
-          </a:prstGeom>
-        </p:spPr>
-      </p:pic>
-    </p:spTree>
-    <p:extLst>
-      <p:ext uri="{BB962C8B-B14F-4D97-AF65-F5344CB8AC3E}">
-        <p14:creationId xmlns:p14="http://schemas.microsoft.com/office/powerpoint/2010/main" val="2778652951"/>
-      </p:ext>
-    </p:extLst>
-  </p:cSld>
-  <p:clrMapOvr>
-    <a:masterClrMapping/>
-  </p:clrMapOvr>
-  <mc:AlternateContent xmlns:mc="http://schemas.openxmlformats.org/markup-compatibility/2006" xmlns:p14="http://schemas.microsoft.com/office/powerpoint/2010/main">
-    <mc:Choice Requires="p14">
-      <p:transition spd="med" p14:dur="700">
-        <p:fade/>
-      </p:transition>
-    </mc:Choice>
-    <mc:Fallback xmlns="">
-      <p:transition spd="med">
-        <p:fade/>
-      </p:transition>
-    </mc:Fallback>
-  </mc:AlternateContent>
-</p:sld>
-</file>
-
-<file path=ppt/slides/slide8.xml><?xml version="1.0" encoding="utf-8"?>
-<p:sld xmlns:a="http://schemas.openxmlformats.org/drawingml/2006/main" xmlns:r="http://schemas.openxmlformats.org/officeDocument/2006/relationships" xmlns:p="http://schemas.openxmlformats.org/presentationml/2006/main">
-  <p:cSld>
-    <p:spTree>
-      <p:nvGrpSpPr>
-        <p:cNvPr id="1" name=""/>
-        <p:cNvGrpSpPr/>
-        <p:nvPr/>
-      </p:nvGrpSpPr>
-      <p:grpSpPr>
-        <a:xfrm>
-          <a:off x="0" y="0"/>
-          <a:ext cx="0" cy="0"/>
-          <a:chOff x="0" y="0"/>
-          <a:chExt cx="0" cy="0"/>
-        </a:xfrm>
-      </p:grpSpPr>
-      <p:sp>
-        <p:nvSpPr>
-          <p:cNvPr id="2" name="Title 1">
-            <a:extLst>
-              <a:ext uri="{FF2B5EF4-FFF2-40B4-BE49-F238E27FC236}">
-                <a16:creationId xmlns:a16="http://schemas.microsoft.com/office/drawing/2014/main" id="{48262833-75AC-4C0F-B097-1B789550B74D}"/>
-              </a:ext>
-            </a:extLst>
-          </p:cNvPr>
-          <p:cNvSpPr>
-            <a:spLocks noGrp="1"/>
-          </p:cNvSpPr>
-          <p:nvPr>
-            <p:ph type="title"/>
-          </p:nvPr>
-        </p:nvSpPr>
-        <p:spPr>
-          <a:xfrm>
-            <a:off x="0" y="6492493"/>
-            <a:ext cx="11305256" cy="345158"/>
-          </a:xfrm>
-        </p:spPr>
-        <p:txBody>
-          <a:bodyPr>
-            <a:normAutofit/>
-          </a:bodyPr>
-          <a:lstStyle/>
-          <a:p>
-            <a:r>
-              <a:rPr lang="en-GB" sz="1300" dirty="0">
-                <a:hlinkClick r:id="rId2"/>
-              </a:rPr>
-              <a:t>https://blockchain.info/block/00000000000000000058dd9b08732c8f376188bd85a46e93167b772ee51c34d6</a:t>
-            </a:r>
-            <a:endParaRPr lang="en-GB" dirty="0"/>
-          </a:p>
-        </p:txBody>
-      </p:sp>
-      <p:sp>
-        <p:nvSpPr>
-          <p:cNvPr id="3" name="Content Placeholder 2">
-            <a:extLst>
-              <a:ext uri="{FF2B5EF4-FFF2-40B4-BE49-F238E27FC236}">
-                <a16:creationId xmlns:a16="http://schemas.microsoft.com/office/drawing/2014/main" id="{77B3090E-E9E2-4A24-AC2B-574FCDDA3B9B}"/>
-              </a:ext>
-            </a:extLst>
-          </p:cNvPr>
-          <p:cNvSpPr>
-            <a:spLocks noGrp="1"/>
-          </p:cNvSpPr>
-          <p:nvPr>
-            <p:ph idx="1"/>
-          </p:nvPr>
-        </p:nvSpPr>
-        <p:spPr/>
-        <p:txBody>
-          <a:bodyPr/>
-          <a:lstStyle/>
-          <a:p>
-            <a:endParaRPr lang="en-GB" dirty="0"/>
-          </a:p>
-          <a:p>
-            <a:endParaRPr lang="en-GB" dirty="0"/>
-          </a:p>
-        </p:txBody>
-      </p:sp>
-      <p:pic>
-        <p:nvPicPr>
-          <p:cNvPr id="9" name="Picture 8">
-            <a:extLst>
-              <a:ext uri="{FF2B5EF4-FFF2-40B4-BE49-F238E27FC236}">
-                <a16:creationId xmlns:a16="http://schemas.microsoft.com/office/drawing/2014/main" id="{ED3EFCF0-E23D-4687-BF42-943C374942D9}"/>
-              </a:ext>
-            </a:extLst>
-          </p:cNvPr>
-          <p:cNvPicPr>
-            <a:picLocks noChangeAspect="1"/>
-          </p:cNvPicPr>
-          <p:nvPr/>
-        </p:nvPicPr>
-        <p:blipFill>
-          <a:blip r:embed="rId3"/>
-          <a:stretch>
-            <a:fillRect/>
-          </a:stretch>
-        </p:blipFill>
-        <p:spPr>
-          <a:xfrm>
-            <a:off x="261764" y="425695"/>
-            <a:ext cx="10441160" cy="5906652"/>
-          </a:xfrm>
-          <a:prstGeom prst="rect">
-            <a:avLst/>
-          </a:prstGeom>
-        </p:spPr>
-      </p:pic>
-    </p:spTree>
-    <p:extLst>
-      <p:ext uri="{BB962C8B-B14F-4D97-AF65-F5344CB8AC3E}">
-        <p14:creationId xmlns:p14="http://schemas.microsoft.com/office/powerpoint/2010/main" val="2792571211"/>
-      </p:ext>
-    </p:extLst>
-  </p:cSld>
-  <p:clrMapOvr>
-    <a:masterClrMapping/>
-  </p:clrMapOvr>
-  <mc:AlternateContent xmlns:mc="http://schemas.openxmlformats.org/markup-compatibility/2006" xmlns:p14="http://schemas.microsoft.com/office/powerpoint/2010/main">
-    <mc:Choice Requires="p14">
-      <p:transition spd="med" p14:dur="700">
-        <p:fade/>
-      </p:transition>
-    </mc:Choice>
-    <mc:Fallback xmlns="">
-      <p:transition spd="med">
-        <p:fade/>
-      </p:transition>
-    </mc:Fallback>
-  </mc:AlternateContent>
-</p:sld>
-</file>
-
-<file path=ppt/slides/slide9.xml><?xml version="1.0" encoding="utf-8"?>
-<p:sld xmlns:a="http://schemas.openxmlformats.org/drawingml/2006/main" xmlns:r="http://schemas.openxmlformats.org/officeDocument/2006/relationships" xmlns:p="http://schemas.openxmlformats.org/presentationml/2006/main">
-  <p:cSld>
-    <p:spTree>
-      <p:nvGrpSpPr>
-        <p:cNvPr id="1" name=""/>
-        <p:cNvGrpSpPr/>
-        <p:nvPr/>
-      </p:nvGrpSpPr>
-      <p:grpSpPr>
-        <a:xfrm>
-          <a:off x="0" y="0"/>
-          <a:ext cx="0" cy="0"/>
-          <a:chOff x="0" y="0"/>
-          <a:chExt cx="0" cy="0"/>
-        </a:xfrm>
-      </p:grpSpPr>
-      <p:sp>
-        <p:nvSpPr>
           <p:cNvPr id="8" name="Content Placeholder 7">
             <a:extLst>
               <a:ext uri="{FF2B5EF4-FFF2-40B4-BE49-F238E27FC236}">
@@ -12989,11 +8621,7 @@
             <a:graphicFrameLocks noGrp="1"/>
           </p:cNvGraphicFramePr>
           <p:nvPr>
-            <p:extLst>
-              <p:ext uri="{D42A27DB-BD31-4B8C-83A1-F6EECF244321}">
-                <p14:modId xmlns:p14="http://schemas.microsoft.com/office/powerpoint/2010/main" val="1789490990"/>
-              </p:ext>
-            </p:extLst>
+            <p:extLst/>
           </p:nvPr>
         </p:nvGraphicFramePr>
         <p:xfrm>
@@ -13324,6 +8952,2479 @@
           </a:p>
         </p:txBody>
       </p:sp>
+    </p:spTree>
+    <p:extLst>
+      <p:ext uri="{BB962C8B-B14F-4D97-AF65-F5344CB8AC3E}">
+        <p14:creationId xmlns:p14="http://schemas.microsoft.com/office/powerpoint/2010/main" val="2846569572"/>
+      </p:ext>
+    </p:extLst>
+  </p:cSld>
+  <p:clrMapOvr>
+    <a:masterClrMapping/>
+  </p:clrMapOvr>
+  <mc:AlternateContent xmlns:mc="http://schemas.openxmlformats.org/markup-compatibility/2006" xmlns:p14="http://schemas.microsoft.com/office/powerpoint/2010/main">
+    <mc:Choice Requires="p14">
+      <p:transition spd="med" p14:dur="700">
+        <p:fade/>
+      </p:transition>
+    </mc:Choice>
+    <mc:Fallback xmlns="">
+      <p:transition spd="med">
+        <p:fade/>
+      </p:transition>
+    </mc:Fallback>
+  </mc:AlternateContent>
+</p:sld>
+</file>
+
+<file path=ppt/slides/slide11.xml><?xml version="1.0" encoding="utf-8"?>
+<p:sld xmlns:a="http://schemas.openxmlformats.org/drawingml/2006/main" xmlns:r="http://schemas.openxmlformats.org/officeDocument/2006/relationships" xmlns:p="http://schemas.openxmlformats.org/presentationml/2006/main">
+  <p:cSld>
+    <p:spTree>
+      <p:nvGrpSpPr>
+        <p:cNvPr id="1" name=""/>
+        <p:cNvGrpSpPr/>
+        <p:nvPr/>
+      </p:nvGrpSpPr>
+      <p:grpSpPr>
+        <a:xfrm>
+          <a:off x="0" y="0"/>
+          <a:ext cx="0" cy="0"/>
+          <a:chOff x="0" y="0"/>
+          <a:chExt cx="0" cy="0"/>
+        </a:xfrm>
+      </p:grpSpPr>
+      <p:sp>
+        <p:nvSpPr>
+          <p:cNvPr id="5" name="Title 4">
+            <a:extLst>
+              <a:ext uri="{FF2B5EF4-FFF2-40B4-BE49-F238E27FC236}">
+                <a16:creationId xmlns:a16="http://schemas.microsoft.com/office/drawing/2014/main" id="{64DE761A-D845-469A-8C23-BB36E00ECF35}"/>
+              </a:ext>
+            </a:extLst>
+          </p:cNvPr>
+          <p:cNvSpPr>
+            <a:spLocks noGrp="1"/>
+          </p:cNvSpPr>
+          <p:nvPr>
+            <p:ph type="title"/>
+          </p:nvPr>
+        </p:nvSpPr>
+        <p:spPr/>
+        <p:txBody>
+          <a:bodyPr/>
+          <a:lstStyle/>
+          <a:p>
+            <a:r>
+              <a:rPr lang="en-GB" dirty="0"/>
+              <a:t>Hash is calculated by</a:t>
+            </a:r>
+          </a:p>
+        </p:txBody>
+      </p:sp>
+      <p:sp>
+        <p:nvSpPr>
+          <p:cNvPr id="8" name="Content Placeholder 7">
+            <a:extLst>
+              <a:ext uri="{FF2B5EF4-FFF2-40B4-BE49-F238E27FC236}">
+                <a16:creationId xmlns:a16="http://schemas.microsoft.com/office/drawing/2014/main" id="{16482A84-352B-4FBD-930A-227A7EE5E3DA}"/>
+              </a:ext>
+            </a:extLst>
+          </p:cNvPr>
+          <p:cNvSpPr>
+            <a:spLocks noGrp="1"/>
+          </p:cNvSpPr>
+          <p:nvPr>
+            <p:ph idx="1"/>
+          </p:nvPr>
+        </p:nvSpPr>
+        <p:spPr>
+          <a:xfrm>
+            <a:off x="1293813" y="1981200"/>
+            <a:ext cx="9601202" cy="1159768"/>
+          </a:xfrm>
+        </p:spPr>
+        <p:txBody>
+          <a:bodyPr>
+            <a:normAutofit/>
+          </a:bodyPr>
+          <a:lstStyle/>
+          <a:p>
+            <a:pPr marL="0" indent="0">
+              <a:buNone/>
+            </a:pPr>
+            <a:r>
+              <a:rPr lang="en-GB" dirty="0"/>
+              <a:t>The hash value is the SHA-256 hash of all the fields concatenated in order (excluding the hash) with a single space between as an upper case hex string. </a:t>
+            </a:r>
+            <a:r>
+              <a:rPr lang="en-GB" dirty="0" err="1"/>
+              <a:t>e.g</a:t>
+            </a:r>
+            <a:endParaRPr lang="en-GB" dirty="0"/>
+          </a:p>
+          <a:p>
+            <a:endParaRPr lang="en-GB" dirty="0"/>
+          </a:p>
+        </p:txBody>
+      </p:sp>
+      <p:graphicFrame>
+        <p:nvGraphicFramePr>
+          <p:cNvPr id="14" name="Table 13">
+            <a:extLst>
+              <a:ext uri="{FF2B5EF4-FFF2-40B4-BE49-F238E27FC236}">
+                <a16:creationId xmlns:a16="http://schemas.microsoft.com/office/drawing/2014/main" id="{3AAC1D82-64DE-4617-A187-27A84FCAE205}"/>
+              </a:ext>
+            </a:extLst>
+          </p:cNvPr>
+          <p:cNvGraphicFramePr>
+            <a:graphicFrameLocks noGrp="1"/>
+          </p:cNvGraphicFramePr>
+          <p:nvPr>
+            <p:extLst>
+              <p:ext uri="{D42A27DB-BD31-4B8C-83A1-F6EECF244321}">
+                <p14:modId xmlns:p14="http://schemas.microsoft.com/office/powerpoint/2010/main" val="923074055"/>
+              </p:ext>
+            </p:extLst>
+          </p:nvPr>
+        </p:nvGraphicFramePr>
+        <p:xfrm>
+          <a:off x="1293813" y="3140968"/>
+          <a:ext cx="10441160" cy="1849120"/>
+        </p:xfrm>
+        <a:graphic>
+          <a:graphicData uri="http://schemas.openxmlformats.org/drawingml/2006/table">
+            <a:tbl>
+              <a:tblPr bandRow="1">
+                <a:tableStyleId>{93296810-A885-4BE3-A3E7-6D5BEEA58F35}</a:tableStyleId>
+              </a:tblPr>
+              <a:tblGrid>
+                <a:gridCol w="1934002">
+                  <a:extLst>
+                    <a:ext uri="{9D8B030D-6E8A-4147-A177-3AD203B41FA5}">
+                      <a16:colId xmlns:a16="http://schemas.microsoft.com/office/drawing/2014/main" val="3759430591"/>
+                    </a:ext>
+                  </a:extLst>
+                </a:gridCol>
+                <a:gridCol w="8507158">
+                  <a:extLst>
+                    <a:ext uri="{9D8B030D-6E8A-4147-A177-3AD203B41FA5}">
+                      <a16:colId xmlns:a16="http://schemas.microsoft.com/office/drawing/2014/main" val="2117378712"/>
+                    </a:ext>
+                  </a:extLst>
+                </a:gridCol>
+              </a:tblGrid>
+              <a:tr h="154816">
+                <a:tc>
+                  <a:txBody>
+                    <a:bodyPr/>
+                    <a:lstStyle/>
+                    <a:p>
+                      <a:r>
+                        <a:rPr lang="en-GB" dirty="0"/>
+                        <a:t>index </a:t>
+                      </a:r>
+                    </a:p>
+                  </a:txBody>
+                  <a:tcPr/>
+                </a:tc>
+                <a:tc>
+                  <a:txBody>
+                    <a:bodyPr/>
+                    <a:lstStyle/>
+                    <a:p>
+                      <a:r>
+                        <a:rPr lang="en-GB" dirty="0"/>
+                        <a:t>index</a:t>
+                      </a:r>
+                    </a:p>
+                  </a:txBody>
+                  <a:tcPr/>
+                </a:tc>
+                <a:extLst>
+                  <a:ext uri="{0D108BD9-81ED-4DB2-BD59-A6C34878D82A}">
+                    <a16:rowId xmlns:a16="http://schemas.microsoft.com/office/drawing/2014/main" val="2547562514"/>
+                  </a:ext>
+                </a:extLst>
+              </a:tr>
+              <a:tr h="370840">
+                <a:tc>
+                  <a:txBody>
+                    <a:bodyPr/>
+                    <a:lstStyle/>
+                    <a:p>
+                      <a:r>
+                        <a:rPr lang="en-GB" dirty="0" err="1"/>
+                        <a:t>minedBy</a:t>
+                      </a:r>
+                      <a:endParaRPr lang="en-GB" dirty="0"/>
+                    </a:p>
+                  </a:txBody>
+                  <a:tcPr/>
+                </a:tc>
+                <a:tc>
+                  <a:txBody>
+                    <a:bodyPr/>
+                    <a:lstStyle/>
+                    <a:p>
+                      <a:r>
+                        <a:rPr lang="en-GB" dirty="0"/>
+                        <a:t>Adam</a:t>
+                      </a:r>
+                    </a:p>
+                  </a:txBody>
+                  <a:tcPr/>
+                </a:tc>
+                <a:extLst>
+                  <a:ext uri="{0D108BD9-81ED-4DB2-BD59-A6C34878D82A}">
+                    <a16:rowId xmlns:a16="http://schemas.microsoft.com/office/drawing/2014/main" val="913657003"/>
+                  </a:ext>
+                </a:extLst>
+              </a:tr>
+              <a:tr h="370840">
+                <a:tc>
+                  <a:txBody>
+                    <a:bodyPr/>
+                    <a:lstStyle/>
+                    <a:p>
+                      <a:r>
+                        <a:rPr lang="en-GB" dirty="0"/>
+                        <a:t>data</a:t>
+                      </a:r>
+                    </a:p>
+                  </a:txBody>
+                  <a:tcPr/>
+                </a:tc>
+                <a:tc>
+                  <a:txBody>
+                    <a:bodyPr/>
+                    <a:lstStyle/>
+                    <a:p>
+                      <a:r>
+                        <a:rPr lang="en-GB" dirty="0"/>
+                        <a:t>4</a:t>
+                      </a:r>
+                    </a:p>
+                  </a:txBody>
+                  <a:tcPr/>
+                </a:tc>
+                <a:extLst>
+                  <a:ext uri="{0D108BD9-81ED-4DB2-BD59-A6C34878D82A}">
+                    <a16:rowId xmlns:a16="http://schemas.microsoft.com/office/drawing/2014/main" val="3715241273"/>
+                  </a:ext>
+                </a:extLst>
+              </a:tr>
+              <a:tr h="370840">
+                <a:tc>
+                  <a:txBody>
+                    <a:bodyPr/>
+                    <a:lstStyle/>
+                    <a:p>
+                      <a:r>
+                        <a:rPr lang="en-GB" dirty="0" err="1"/>
+                        <a:t>previousHash</a:t>
+                      </a:r>
+                      <a:endParaRPr lang="en-GB" dirty="0"/>
+                    </a:p>
+                  </a:txBody>
+                  <a:tcPr/>
+                </a:tc>
+                <a:tc>
+                  <a:txBody>
+                    <a:bodyPr/>
+                    <a:lstStyle/>
+                    <a:p>
+                      <a:r>
+                        <a:rPr lang="en-GB" dirty="0"/>
+                        <a:t>0000CA2C984CDF70E03269309026979A18FA25EBBAB16BD90C88F92985992609</a:t>
+                      </a:r>
+                    </a:p>
+                  </a:txBody>
+                  <a:tcPr/>
+                </a:tc>
+                <a:extLst>
+                  <a:ext uri="{0D108BD9-81ED-4DB2-BD59-A6C34878D82A}">
+                    <a16:rowId xmlns:a16="http://schemas.microsoft.com/office/drawing/2014/main" val="44877441"/>
+                  </a:ext>
+                </a:extLst>
+              </a:tr>
+              <a:tr h="370840">
+                <a:tc>
+                  <a:txBody>
+                    <a:bodyPr/>
+                    <a:lstStyle/>
+                    <a:p>
+                      <a:r>
+                        <a:rPr lang="en-GB" dirty="0"/>
+                        <a:t>nonce</a:t>
+                      </a:r>
+                    </a:p>
+                  </a:txBody>
+                  <a:tcPr/>
+                </a:tc>
+                <a:tc>
+                  <a:txBody>
+                    <a:bodyPr/>
+                    <a:lstStyle/>
+                    <a:p>
+                      <a:r>
+                        <a:rPr lang="en-GB" dirty="0"/>
+                        <a:t>22889</a:t>
+                      </a:r>
+                    </a:p>
+                  </a:txBody>
+                  <a:tcPr/>
+                </a:tc>
+                <a:extLst>
+                  <a:ext uri="{0D108BD9-81ED-4DB2-BD59-A6C34878D82A}">
+                    <a16:rowId xmlns:a16="http://schemas.microsoft.com/office/drawing/2014/main" val="2874114534"/>
+                  </a:ext>
+                </a:extLst>
+              </a:tr>
+            </a:tbl>
+          </a:graphicData>
+        </a:graphic>
+      </p:graphicFrame>
+      <p:sp>
+        <p:nvSpPr>
+          <p:cNvPr id="17" name="TextBox 16">
+            <a:extLst>
+              <a:ext uri="{FF2B5EF4-FFF2-40B4-BE49-F238E27FC236}">
+                <a16:creationId xmlns:a16="http://schemas.microsoft.com/office/drawing/2014/main" id="{C53BC558-574C-42BF-A6D7-68878A357809}"/>
+              </a:ext>
+            </a:extLst>
+          </p:cNvPr>
+          <p:cNvSpPr txBox="1"/>
+          <p:nvPr/>
+        </p:nvSpPr>
+        <p:spPr>
+          <a:xfrm>
+            <a:off x="477788" y="5066565"/>
+            <a:ext cx="14724820" cy="923330"/>
+          </a:xfrm>
+          <a:prstGeom prst="rect">
+            <a:avLst/>
+          </a:prstGeom>
+          <a:noFill/>
+        </p:spPr>
+        <p:txBody>
+          <a:bodyPr wrap="square" rtlCol="0">
+            <a:spAutoFit/>
+          </a:bodyPr>
+          <a:lstStyle/>
+          <a:p>
+            <a:pPr>
+              <a:lnSpc>
+                <a:spcPct val="90000"/>
+              </a:lnSpc>
+            </a:pPr>
+            <a:r>
+              <a:rPr lang="en-GB" sz="2000" dirty="0"/>
+              <a:t>5 Adam 4 0000CA2C984CDF70E03269309026979A18FA25EBBAB16BD90C88F92985992609 22889</a:t>
+            </a:r>
+          </a:p>
+          <a:p>
+            <a:pPr>
+              <a:lnSpc>
+                <a:spcPct val="90000"/>
+              </a:lnSpc>
+            </a:pPr>
+            <a:r>
+              <a:rPr lang="en-GB" sz="2000" dirty="0"/>
+              <a:t>Makes this hash</a:t>
+            </a:r>
+          </a:p>
+          <a:p>
+            <a:pPr>
+              <a:lnSpc>
+                <a:spcPct val="90000"/>
+              </a:lnSpc>
+            </a:pPr>
+            <a:endParaRPr lang="en-GB" sz="2000" dirty="0"/>
+          </a:p>
+        </p:txBody>
+      </p:sp>
+      <p:graphicFrame>
+        <p:nvGraphicFramePr>
+          <p:cNvPr id="18" name="Table 17">
+            <a:extLst>
+              <a:ext uri="{FF2B5EF4-FFF2-40B4-BE49-F238E27FC236}">
+                <a16:creationId xmlns:a16="http://schemas.microsoft.com/office/drawing/2014/main" id="{02747BC6-C370-4FF7-A004-A9B1597D9D5A}"/>
+              </a:ext>
+            </a:extLst>
+          </p:cNvPr>
+          <p:cNvGraphicFramePr>
+            <a:graphicFrameLocks noGrp="1"/>
+          </p:cNvGraphicFramePr>
+          <p:nvPr>
+            <p:extLst>
+              <p:ext uri="{D42A27DB-BD31-4B8C-83A1-F6EECF244321}">
+                <p14:modId xmlns:p14="http://schemas.microsoft.com/office/powerpoint/2010/main" val="2565435766"/>
+              </p:ext>
+            </p:extLst>
+          </p:nvPr>
+        </p:nvGraphicFramePr>
+        <p:xfrm>
+          <a:off x="1294928" y="5835047"/>
+          <a:ext cx="10441161" cy="365760"/>
+        </p:xfrm>
+        <a:graphic>
+          <a:graphicData uri="http://schemas.openxmlformats.org/drawingml/2006/table">
+            <a:tbl>
+              <a:tblPr bandRow="1">
+                <a:tableStyleId>{93296810-A885-4BE3-A3E7-6D5BEEA58F35}</a:tableStyleId>
+              </a:tblPr>
+              <a:tblGrid>
+                <a:gridCol w="1934003">
+                  <a:extLst>
+                    <a:ext uri="{9D8B030D-6E8A-4147-A177-3AD203B41FA5}">
+                      <a16:colId xmlns:a16="http://schemas.microsoft.com/office/drawing/2014/main" val="3759430591"/>
+                    </a:ext>
+                  </a:extLst>
+                </a:gridCol>
+                <a:gridCol w="8507158">
+                  <a:extLst>
+                    <a:ext uri="{9D8B030D-6E8A-4147-A177-3AD203B41FA5}">
+                      <a16:colId xmlns:a16="http://schemas.microsoft.com/office/drawing/2014/main" val="2117378712"/>
+                    </a:ext>
+                  </a:extLst>
+                </a:gridCol>
+              </a:tblGrid>
+              <a:tr h="154816">
+                <a:tc>
+                  <a:txBody>
+                    <a:bodyPr/>
+                    <a:lstStyle/>
+                    <a:p>
+                      <a:r>
+                        <a:rPr lang="en-GB" dirty="0"/>
+                        <a:t>hash </a:t>
+                      </a:r>
+                    </a:p>
+                  </a:txBody>
+                  <a:tcPr/>
+                </a:tc>
+                <a:tc>
+                  <a:txBody>
+                    <a:bodyPr/>
+                    <a:lstStyle/>
+                    <a:p>
+                      <a:r>
+                        <a:rPr lang="en-GB" dirty="0"/>
+                        <a:t>0000cbfe51be34fad0de5720d6253dd23556b909b2d9f1d412cf552cdb76eb91</a:t>
+                      </a:r>
+                    </a:p>
+                  </a:txBody>
+                  <a:tcPr/>
+                </a:tc>
+                <a:extLst>
+                  <a:ext uri="{0D108BD9-81ED-4DB2-BD59-A6C34878D82A}">
+                    <a16:rowId xmlns:a16="http://schemas.microsoft.com/office/drawing/2014/main" val="2547562514"/>
+                  </a:ext>
+                </a:extLst>
+              </a:tr>
+            </a:tbl>
+          </a:graphicData>
+        </a:graphic>
+      </p:graphicFrame>
+      <p:sp>
+        <p:nvSpPr>
+          <p:cNvPr id="19" name="Rectangle 18">
+            <a:extLst>
+              <a:ext uri="{FF2B5EF4-FFF2-40B4-BE49-F238E27FC236}">
+                <a16:creationId xmlns:a16="http://schemas.microsoft.com/office/drawing/2014/main" id="{788897C3-FE9F-4D16-B9AA-5A2C64265554}"/>
+              </a:ext>
+            </a:extLst>
+          </p:cNvPr>
+          <p:cNvSpPr/>
+          <p:nvPr/>
+        </p:nvSpPr>
+        <p:spPr>
+          <a:xfrm>
+            <a:off x="1293812" y="6394916"/>
+            <a:ext cx="5586786" cy="369332"/>
+          </a:xfrm>
+          <a:prstGeom prst="rect">
+            <a:avLst/>
+          </a:prstGeom>
+        </p:spPr>
+        <p:txBody>
+          <a:bodyPr wrap="none">
+            <a:spAutoFit/>
+          </a:bodyPr>
+          <a:lstStyle/>
+          <a:p>
+            <a:r>
+              <a:rPr lang="en-GB" dirty="0">
+                <a:hlinkClick r:id="rId2"/>
+              </a:rPr>
+              <a:t>http://www.xorbin.com/tools/sha256-hash-calculator</a:t>
+            </a:r>
+            <a:endParaRPr lang="en-GB" dirty="0"/>
+          </a:p>
+        </p:txBody>
+      </p:sp>
+    </p:spTree>
+    <p:extLst>
+      <p:ext uri="{BB962C8B-B14F-4D97-AF65-F5344CB8AC3E}">
+        <p14:creationId xmlns:p14="http://schemas.microsoft.com/office/powerpoint/2010/main" val="1203386376"/>
+      </p:ext>
+    </p:extLst>
+  </p:cSld>
+  <p:clrMapOvr>
+    <a:masterClrMapping/>
+  </p:clrMapOvr>
+  <mc:AlternateContent xmlns:mc="http://schemas.openxmlformats.org/markup-compatibility/2006" xmlns:p14="http://schemas.microsoft.com/office/powerpoint/2010/main">
+    <mc:Choice Requires="p14">
+      <p:transition spd="med" p14:dur="700">
+        <p:fade/>
+      </p:transition>
+    </mc:Choice>
+    <mc:Fallback xmlns="">
+      <p:transition spd="med">
+        <p:fade/>
+      </p:transition>
+    </mc:Fallback>
+  </mc:AlternateContent>
+</p:sld>
+</file>
+
+<file path=ppt/slides/slide12.xml><?xml version="1.0" encoding="utf-8"?>
+<p:sld xmlns:a="http://schemas.openxmlformats.org/drawingml/2006/main" xmlns:r="http://schemas.openxmlformats.org/officeDocument/2006/relationships" xmlns:p="http://schemas.openxmlformats.org/presentationml/2006/main">
+  <p:cSld>
+    <p:spTree>
+      <p:nvGrpSpPr>
+        <p:cNvPr id="1" name=""/>
+        <p:cNvGrpSpPr/>
+        <p:nvPr/>
+      </p:nvGrpSpPr>
+      <p:grpSpPr>
+        <a:xfrm>
+          <a:off x="0" y="0"/>
+          <a:ext cx="0" cy="0"/>
+          <a:chOff x="0" y="0"/>
+          <a:chExt cx="0" cy="0"/>
+        </a:xfrm>
+      </p:grpSpPr>
+      <p:sp>
+        <p:nvSpPr>
+          <p:cNvPr id="2" name="Title 1">
+            <a:extLst>
+              <a:ext uri="{FF2B5EF4-FFF2-40B4-BE49-F238E27FC236}">
+                <a16:creationId xmlns:a16="http://schemas.microsoft.com/office/drawing/2014/main" id="{23B8141D-95C2-4CE0-9FD3-C55B5018E5D7}"/>
+              </a:ext>
+            </a:extLst>
+          </p:cNvPr>
+          <p:cNvSpPr>
+            <a:spLocks noGrp="1"/>
+          </p:cNvSpPr>
+          <p:nvPr>
+            <p:ph type="title"/>
+          </p:nvPr>
+        </p:nvSpPr>
+        <p:spPr/>
+        <p:txBody>
+          <a:bodyPr/>
+          <a:lstStyle/>
+          <a:p>
+            <a:r>
+              <a:rPr lang="en-GB" dirty="0"/>
+              <a:t>More details on the Block in the notes</a:t>
+            </a:r>
+          </a:p>
+        </p:txBody>
+      </p:sp>
+      <p:sp>
+        <p:nvSpPr>
+          <p:cNvPr id="3" name="Content Placeholder 2">
+            <a:extLst>
+              <a:ext uri="{FF2B5EF4-FFF2-40B4-BE49-F238E27FC236}">
+                <a16:creationId xmlns:a16="http://schemas.microsoft.com/office/drawing/2014/main" id="{5E7C56E0-F0F7-4D8F-8FCB-3C9460FA0B6C}"/>
+              </a:ext>
+            </a:extLst>
+          </p:cNvPr>
+          <p:cNvSpPr>
+            <a:spLocks noGrp="1"/>
+          </p:cNvSpPr>
+          <p:nvPr>
+            <p:ph idx="1"/>
+          </p:nvPr>
+        </p:nvSpPr>
+        <p:spPr/>
+        <p:txBody>
+          <a:bodyPr/>
+          <a:lstStyle/>
+          <a:p>
+            <a:r>
+              <a:rPr lang="en-GB" dirty="0"/>
+              <a:t>Genesis block - the special first block</a:t>
+            </a:r>
+          </a:p>
+          <a:p>
+            <a:r>
+              <a:rPr lang="en-GB" dirty="0"/>
+              <a:t>What all the fields are</a:t>
+            </a:r>
+          </a:p>
+          <a:p>
+            <a:r>
+              <a:rPr lang="en-GB" dirty="0"/>
+              <a:t>What a valid hash is (it starts with four 0’s)</a:t>
+            </a:r>
+          </a:p>
+        </p:txBody>
+      </p:sp>
+    </p:spTree>
+    <p:extLst>
+      <p:ext uri="{BB962C8B-B14F-4D97-AF65-F5344CB8AC3E}">
+        <p14:creationId xmlns:p14="http://schemas.microsoft.com/office/powerpoint/2010/main" val="3265530157"/>
+      </p:ext>
+    </p:extLst>
+  </p:cSld>
+  <p:clrMapOvr>
+    <a:masterClrMapping/>
+  </p:clrMapOvr>
+  <mc:AlternateContent xmlns:mc="http://schemas.openxmlformats.org/markup-compatibility/2006" xmlns:p14="http://schemas.microsoft.com/office/powerpoint/2010/main">
+    <mc:Choice Requires="p14">
+      <p:transition spd="med" p14:dur="700">
+        <p:fade/>
+      </p:transition>
+    </mc:Choice>
+    <mc:Fallback xmlns="">
+      <p:transition spd="med">
+        <p:fade/>
+      </p:transition>
+    </mc:Fallback>
+  </mc:AlternateContent>
+</p:sld>
+</file>
+
+<file path=ppt/slides/slide13.xml><?xml version="1.0" encoding="utf-8"?>
+<p:sld xmlns:a="http://schemas.openxmlformats.org/drawingml/2006/main" xmlns:r="http://schemas.openxmlformats.org/officeDocument/2006/relationships" xmlns:p="http://schemas.openxmlformats.org/presentationml/2006/main">
+  <p:cSld>
+    <p:spTree>
+      <p:nvGrpSpPr>
+        <p:cNvPr id="1" name=""/>
+        <p:cNvGrpSpPr/>
+        <p:nvPr/>
+      </p:nvGrpSpPr>
+      <p:grpSpPr>
+        <a:xfrm>
+          <a:off x="0" y="0"/>
+          <a:ext cx="0" cy="0"/>
+          <a:chOff x="0" y="0"/>
+          <a:chExt cx="0" cy="0"/>
+        </a:xfrm>
+      </p:grpSpPr>
+      <p:sp>
+        <p:nvSpPr>
+          <p:cNvPr id="2" name="Title 1">
+            <a:extLst>
+              <a:ext uri="{FF2B5EF4-FFF2-40B4-BE49-F238E27FC236}">
+                <a16:creationId xmlns:a16="http://schemas.microsoft.com/office/drawing/2014/main" id="{8A4BCDC3-4815-43D1-B167-DC110229A6D3}"/>
+              </a:ext>
+            </a:extLst>
+          </p:cNvPr>
+          <p:cNvSpPr>
+            <a:spLocks noGrp="1"/>
+          </p:cNvSpPr>
+          <p:nvPr>
+            <p:ph type="title"/>
+          </p:nvPr>
+        </p:nvSpPr>
+        <p:spPr/>
+        <p:txBody>
+          <a:bodyPr/>
+          <a:lstStyle/>
+          <a:p>
+            <a:r>
+              <a:rPr lang="en-GB" dirty="0"/>
+              <a:t>Transactions</a:t>
+            </a:r>
+          </a:p>
+        </p:txBody>
+      </p:sp>
+      <p:sp>
+        <p:nvSpPr>
+          <p:cNvPr id="3" name="Content Placeholder 2">
+            <a:extLst>
+              <a:ext uri="{FF2B5EF4-FFF2-40B4-BE49-F238E27FC236}">
+                <a16:creationId xmlns:a16="http://schemas.microsoft.com/office/drawing/2014/main" id="{A40B7567-2D20-4D91-B199-D1CCC4A8C1CE}"/>
+              </a:ext>
+            </a:extLst>
+          </p:cNvPr>
+          <p:cNvSpPr>
+            <a:spLocks noGrp="1"/>
+          </p:cNvSpPr>
+          <p:nvPr>
+            <p:ph idx="1"/>
+          </p:nvPr>
+        </p:nvSpPr>
+        <p:spPr/>
+        <p:txBody>
+          <a:bodyPr/>
+          <a:lstStyle/>
+          <a:p>
+            <a:r>
+              <a:rPr lang="en-GB" dirty="0"/>
+              <a:t>See the notes</a:t>
+            </a:r>
+          </a:p>
+        </p:txBody>
+      </p:sp>
+    </p:spTree>
+    <p:extLst>
+      <p:ext uri="{BB962C8B-B14F-4D97-AF65-F5344CB8AC3E}">
+        <p14:creationId xmlns:p14="http://schemas.microsoft.com/office/powerpoint/2010/main" val="3590343416"/>
+      </p:ext>
+    </p:extLst>
+  </p:cSld>
+  <p:clrMapOvr>
+    <a:masterClrMapping/>
+  </p:clrMapOvr>
+  <mc:AlternateContent xmlns:mc="http://schemas.openxmlformats.org/markup-compatibility/2006" xmlns:p14="http://schemas.microsoft.com/office/powerpoint/2010/main">
+    <mc:Choice Requires="p14">
+      <p:transition spd="med" p14:dur="700">
+        <p:fade/>
+      </p:transition>
+    </mc:Choice>
+    <mc:Fallback xmlns="">
+      <p:transition spd="med">
+        <p:fade/>
+      </p:transition>
+    </mc:Fallback>
+  </mc:AlternateContent>
+</p:sld>
+</file>
+
+<file path=ppt/slides/slide14.xml><?xml version="1.0" encoding="utf-8"?>
+<p:sld xmlns:a="http://schemas.openxmlformats.org/drawingml/2006/main" xmlns:r="http://schemas.openxmlformats.org/officeDocument/2006/relationships" xmlns:p="http://schemas.openxmlformats.org/presentationml/2006/main">
+  <p:cSld>
+    <p:spTree>
+      <p:nvGrpSpPr>
+        <p:cNvPr id="1" name=""/>
+        <p:cNvGrpSpPr/>
+        <p:nvPr/>
+      </p:nvGrpSpPr>
+      <p:grpSpPr>
+        <a:xfrm>
+          <a:off x="0" y="0"/>
+          <a:ext cx="0" cy="0"/>
+          <a:chOff x="0" y="0"/>
+          <a:chExt cx="0" cy="0"/>
+        </a:xfrm>
+      </p:grpSpPr>
+      <p:sp>
+        <p:nvSpPr>
+          <p:cNvPr id="4" name="Title 3">
+            <a:extLst>
+              <a:ext uri="{FF2B5EF4-FFF2-40B4-BE49-F238E27FC236}">
+                <a16:creationId xmlns:a16="http://schemas.microsoft.com/office/drawing/2014/main" id="{230FFC16-4169-44E8-A2E7-A0DB2FBEBE83}"/>
+              </a:ext>
+            </a:extLst>
+          </p:cNvPr>
+          <p:cNvSpPr>
+            <a:spLocks noGrp="1"/>
+          </p:cNvSpPr>
+          <p:nvPr>
+            <p:ph type="ctrTitle"/>
+          </p:nvPr>
+        </p:nvSpPr>
+        <p:spPr>
+          <a:xfrm>
+            <a:off x="333773" y="914400"/>
+            <a:ext cx="4465240" cy="3886200"/>
+          </a:xfrm>
+        </p:spPr>
+        <p:txBody>
+          <a:bodyPr/>
+          <a:lstStyle/>
+          <a:p>
+            <a:r>
+              <a:rPr lang="en-GB" dirty="0"/>
+              <a:t>The Yorkshire </a:t>
+            </a:r>
+            <a:r>
+              <a:rPr lang="en-GB" dirty="0" err="1"/>
+              <a:t>BrassBitCoin</a:t>
+            </a:r>
+            <a:r>
+              <a:rPr lang="en-GB" dirty="0"/>
+              <a:t> Server</a:t>
+            </a:r>
+          </a:p>
+        </p:txBody>
+      </p:sp>
+      <p:sp>
+        <p:nvSpPr>
+          <p:cNvPr id="5" name="Subtitle 4">
+            <a:extLst>
+              <a:ext uri="{FF2B5EF4-FFF2-40B4-BE49-F238E27FC236}">
+                <a16:creationId xmlns:a16="http://schemas.microsoft.com/office/drawing/2014/main" id="{5FEDF22B-ACF7-48E6-85FF-9389F5C705AD}"/>
+              </a:ext>
+            </a:extLst>
+          </p:cNvPr>
+          <p:cNvSpPr>
+            <a:spLocks noGrp="1"/>
+          </p:cNvSpPr>
+          <p:nvPr>
+            <p:ph type="subTitle" idx="1"/>
+          </p:nvPr>
+        </p:nvSpPr>
+        <p:spPr/>
+        <p:txBody>
+          <a:bodyPr/>
+          <a:lstStyle/>
+          <a:p>
+            <a:endParaRPr lang="en-GB" dirty="0"/>
+          </a:p>
+        </p:txBody>
+      </p:sp>
+      <p:pic>
+        <p:nvPicPr>
+          <p:cNvPr id="8" name="Picture Placeholder 7">
+            <a:extLst>
+              <a:ext uri="{FF2B5EF4-FFF2-40B4-BE49-F238E27FC236}">
+                <a16:creationId xmlns:a16="http://schemas.microsoft.com/office/drawing/2014/main" id="{B5B78853-88A9-4645-A92B-C6F38D0F67F2}"/>
+              </a:ext>
+            </a:extLst>
+          </p:cNvPr>
+          <p:cNvPicPr>
+            <a:picLocks noGrp="1" noChangeAspect="1"/>
+          </p:cNvPicPr>
+          <p:nvPr>
+            <p:ph type="pic" sz="quarter" idx="13"/>
+          </p:nvPr>
+        </p:nvPicPr>
+        <p:blipFill>
+          <a:blip r:embed="rId3">
+            <a:extLst>
+              <a:ext uri="{28A0092B-C50C-407E-A947-70E740481C1C}">
+                <a14:useLocalDpi xmlns:a14="http://schemas.microsoft.com/office/drawing/2010/main" val="0"/>
+              </a:ext>
+            </a:extLst>
+          </a:blip>
+          <a:srcRect l="16615" r="16615"/>
+          <a:stretch>
+            <a:fillRect/>
+          </a:stretch>
+        </p:blipFill>
+        <p:spPr/>
+      </p:pic>
+      <p:sp>
+        <p:nvSpPr>
+          <p:cNvPr id="9" name="Rectangle 8">
+            <a:extLst>
+              <a:ext uri="{FF2B5EF4-FFF2-40B4-BE49-F238E27FC236}">
+                <a16:creationId xmlns:a16="http://schemas.microsoft.com/office/drawing/2014/main" id="{CC0D8B40-4F2B-4E9A-9C57-3B64EB6B58F0}"/>
+              </a:ext>
+            </a:extLst>
+          </p:cNvPr>
+          <p:cNvSpPr/>
+          <p:nvPr/>
+        </p:nvSpPr>
+        <p:spPr>
+          <a:xfrm>
+            <a:off x="261764" y="6309320"/>
+            <a:ext cx="5164106" cy="369332"/>
+          </a:xfrm>
+          <a:prstGeom prst="rect">
+            <a:avLst/>
+          </a:prstGeom>
+        </p:spPr>
+        <p:txBody>
+          <a:bodyPr wrap="none">
+            <a:spAutoFit/>
+          </a:bodyPr>
+          <a:lstStyle/>
+          <a:p>
+            <a:r>
+              <a:rPr lang="en-GB" dirty="0">
+                <a:hlinkClick r:id="rId4"/>
+              </a:rPr>
+              <a:t>https://yorkshire-brassbitcoin.azurewebsites.net/</a:t>
+            </a:r>
+            <a:endParaRPr lang="en-GB" dirty="0"/>
+          </a:p>
+        </p:txBody>
+      </p:sp>
+    </p:spTree>
+    <p:extLst>
+      <p:ext uri="{BB962C8B-B14F-4D97-AF65-F5344CB8AC3E}">
+        <p14:creationId xmlns:p14="http://schemas.microsoft.com/office/powerpoint/2010/main" val="4105298079"/>
+      </p:ext>
+    </p:extLst>
+  </p:cSld>
+  <p:clrMapOvr>
+    <a:masterClrMapping/>
+  </p:clrMapOvr>
+  <mc:AlternateContent xmlns:mc="http://schemas.openxmlformats.org/markup-compatibility/2006" xmlns:p14="http://schemas.microsoft.com/office/powerpoint/2010/main">
+    <mc:Choice Requires="p14">
+      <p:transition spd="med" p14:dur="700">
+        <p:fade/>
+      </p:transition>
+    </mc:Choice>
+    <mc:Fallback xmlns="">
+      <p:transition spd="med">
+        <p:fade/>
+      </p:transition>
+    </mc:Fallback>
+  </mc:AlternateContent>
+</p:sld>
+</file>
+
+<file path=ppt/slides/slide15.xml><?xml version="1.0" encoding="utf-8"?>
+<p:sld xmlns:a="http://schemas.openxmlformats.org/drawingml/2006/main" xmlns:r="http://schemas.openxmlformats.org/officeDocument/2006/relationships" xmlns:p="http://schemas.openxmlformats.org/presentationml/2006/main">
+  <p:cSld>
+    <p:spTree>
+      <p:nvGrpSpPr>
+        <p:cNvPr id="1" name=""/>
+        <p:cNvGrpSpPr/>
+        <p:nvPr/>
+      </p:nvGrpSpPr>
+      <p:grpSpPr>
+        <a:xfrm>
+          <a:off x="0" y="0"/>
+          <a:ext cx="0" cy="0"/>
+          <a:chOff x="0" y="0"/>
+          <a:chExt cx="0" cy="0"/>
+        </a:xfrm>
+      </p:grpSpPr>
+      <p:sp>
+        <p:nvSpPr>
+          <p:cNvPr id="5" name="Title 4">
+            <a:extLst>
+              <a:ext uri="{FF2B5EF4-FFF2-40B4-BE49-F238E27FC236}">
+                <a16:creationId xmlns:a16="http://schemas.microsoft.com/office/drawing/2014/main" id="{D6F4ADB5-2931-48F1-B3F4-21360C23A0F8}"/>
+              </a:ext>
+            </a:extLst>
+          </p:cNvPr>
+          <p:cNvSpPr>
+            <a:spLocks noGrp="1"/>
+          </p:cNvSpPr>
+          <p:nvPr>
+            <p:ph type="title"/>
+          </p:nvPr>
+        </p:nvSpPr>
+        <p:spPr/>
+        <p:txBody>
+          <a:bodyPr/>
+          <a:lstStyle/>
+          <a:p>
+            <a:r>
+              <a:rPr lang="en-GB" dirty="0"/>
+              <a:t>void*</a:t>
+            </a:r>
+          </a:p>
+        </p:txBody>
+      </p:sp>
+      <p:sp>
+        <p:nvSpPr>
+          <p:cNvPr id="7" name="Text Placeholder 6">
+            <a:extLst>
+              <a:ext uri="{FF2B5EF4-FFF2-40B4-BE49-F238E27FC236}">
+                <a16:creationId xmlns:a16="http://schemas.microsoft.com/office/drawing/2014/main" id="{DAF71F46-F823-4A4C-947B-60C086AC0CE5}"/>
+              </a:ext>
+            </a:extLst>
+          </p:cNvPr>
+          <p:cNvSpPr>
+            <a:spLocks noGrp="1"/>
+          </p:cNvSpPr>
+          <p:nvPr>
+            <p:ph type="body" sz="half" idx="2"/>
+          </p:nvPr>
+        </p:nvSpPr>
+        <p:spPr/>
+        <p:txBody>
+          <a:bodyPr/>
+          <a:lstStyle/>
+          <a:p>
+            <a:endParaRPr lang="en-GB" dirty="0"/>
+          </a:p>
+        </p:txBody>
+      </p:sp>
+      <p:sp>
+        <p:nvSpPr>
+          <p:cNvPr id="6" name="Content Placeholder 5">
+            <a:extLst>
+              <a:ext uri="{FF2B5EF4-FFF2-40B4-BE49-F238E27FC236}">
+                <a16:creationId xmlns:a16="http://schemas.microsoft.com/office/drawing/2014/main" id="{D7917E88-21D3-4BD8-86F6-8F15F8816E09}"/>
+              </a:ext>
+            </a:extLst>
+          </p:cNvPr>
+          <p:cNvSpPr>
+            <a:spLocks noGrp="1"/>
+          </p:cNvSpPr>
+          <p:nvPr>
+            <p:ph idx="1"/>
+          </p:nvPr>
+        </p:nvSpPr>
+        <p:spPr/>
+        <p:txBody>
+          <a:bodyPr/>
+          <a:lstStyle/>
+          <a:p>
+            <a:r>
+              <a:rPr lang="en-GB" b="1" dirty="0"/>
+              <a:t>Let’s Build the Tiniest Blockchain - </a:t>
+            </a:r>
+            <a:r>
+              <a:rPr lang="en-GB" dirty="0"/>
+              <a:t>(In Less Than 50 Lines of Python) </a:t>
+            </a:r>
+            <a:r>
+              <a:rPr lang="en-GB" dirty="0">
+                <a:hlinkClick r:id="rId2"/>
+              </a:rPr>
+              <a:t>https://medium.com/crypto-currently/lets-build-the-tiniest-blockchain-e70965a248b</a:t>
+            </a:r>
+            <a:endParaRPr lang="en-GB" dirty="0"/>
+          </a:p>
+          <a:p>
+            <a:r>
+              <a:rPr lang="en-GB" dirty="0">
+                <a:hlinkClick r:id="rId3"/>
+              </a:rPr>
+              <a:t>https://yorkshire-brassbitcoin.azurewebsites.net/</a:t>
+            </a:r>
+            <a:endParaRPr lang="en-GB" dirty="0"/>
+          </a:p>
+          <a:p>
+            <a:r>
+              <a:rPr lang="en-GB" dirty="0">
+                <a:hlinkClick r:id="rId4"/>
+              </a:rPr>
+              <a:t>https://blockchain.info/</a:t>
+            </a:r>
+            <a:endParaRPr lang="en-GB" dirty="0"/>
+          </a:p>
+          <a:p>
+            <a:endParaRPr lang="en-GB" dirty="0"/>
+          </a:p>
+          <a:p>
+            <a:endParaRPr lang="en-GB" dirty="0"/>
+          </a:p>
+        </p:txBody>
+      </p:sp>
+    </p:spTree>
+    <p:extLst>
+      <p:ext uri="{BB962C8B-B14F-4D97-AF65-F5344CB8AC3E}">
+        <p14:creationId xmlns:p14="http://schemas.microsoft.com/office/powerpoint/2010/main" val="2839680085"/>
+      </p:ext>
+    </p:extLst>
+  </p:cSld>
+  <p:clrMapOvr>
+    <a:masterClrMapping/>
+  </p:clrMapOvr>
+  <mc:AlternateContent xmlns:mc="http://schemas.openxmlformats.org/markup-compatibility/2006" xmlns:p14="http://schemas.microsoft.com/office/powerpoint/2010/main">
+    <mc:Choice Requires="p14">
+      <p:transition spd="med" p14:dur="700">
+        <p:fade/>
+      </p:transition>
+    </mc:Choice>
+    <mc:Fallback xmlns="">
+      <p:transition spd="med">
+        <p:fade/>
+      </p:transition>
+    </mc:Fallback>
+  </mc:AlternateContent>
+</p:sld>
+</file>
+
+<file path=ppt/slides/slide2.xml><?xml version="1.0" encoding="utf-8"?>
+<p:sld xmlns:a="http://schemas.openxmlformats.org/drawingml/2006/main" xmlns:r="http://schemas.openxmlformats.org/officeDocument/2006/relationships" xmlns:p="http://schemas.openxmlformats.org/presentationml/2006/main">
+  <p:cSld>
+    <p:spTree>
+      <p:nvGrpSpPr>
+        <p:cNvPr id="1" name=""/>
+        <p:cNvGrpSpPr/>
+        <p:nvPr/>
+      </p:nvGrpSpPr>
+      <p:grpSpPr>
+        <a:xfrm>
+          <a:off x="0" y="0"/>
+          <a:ext cx="0" cy="0"/>
+          <a:chOff x="0" y="0"/>
+          <a:chExt cx="0" cy="0"/>
+        </a:xfrm>
+      </p:grpSpPr>
+      <p:sp>
+        <p:nvSpPr>
+          <p:cNvPr id="13" name="Title 12"/>
+          <p:cNvSpPr>
+            <a:spLocks noGrp="1"/>
+          </p:cNvSpPr>
+          <p:nvPr>
+            <p:ph type="title"/>
+          </p:nvPr>
+        </p:nvSpPr>
+        <p:spPr/>
+        <p:txBody>
+          <a:bodyPr/>
+          <a:lstStyle/>
+          <a:p>
+            <a:r>
+              <a:rPr lang="en-US" dirty="0"/>
+              <a:t>Adam Pridmore</a:t>
+            </a:r>
+          </a:p>
+        </p:txBody>
+      </p:sp>
+      <p:sp>
+        <p:nvSpPr>
+          <p:cNvPr id="14" name="Content Placeholder 13"/>
+          <p:cNvSpPr>
+            <a:spLocks noGrp="1"/>
+          </p:cNvSpPr>
+          <p:nvPr>
+            <p:ph idx="1"/>
+          </p:nvPr>
+        </p:nvSpPr>
+        <p:spPr/>
+        <p:txBody>
+          <a:bodyPr/>
+          <a:lstStyle/>
+          <a:p>
+            <a:r>
+              <a:rPr lang="en-US" dirty="0"/>
+              <a:t>Average Developer</a:t>
+            </a:r>
+          </a:p>
+          <a:p>
+            <a:r>
+              <a:rPr lang="en-US" dirty="0"/>
+              <a:t>Below average BitCoin </a:t>
+            </a:r>
+            <a:r>
+              <a:rPr lang="en-US" strike="sngStrike" dirty="0"/>
+              <a:t>expert</a:t>
+            </a:r>
+            <a:r>
+              <a:rPr lang="en-US" dirty="0"/>
+              <a:t> person</a:t>
+            </a:r>
+          </a:p>
+        </p:txBody>
+      </p:sp>
+    </p:spTree>
+    <p:extLst>
+      <p:ext uri="{BB962C8B-B14F-4D97-AF65-F5344CB8AC3E}">
+        <p14:creationId xmlns:p14="http://schemas.microsoft.com/office/powerpoint/2010/main" val="2028511039"/>
+      </p:ext>
+    </p:extLst>
+  </p:cSld>
+  <p:clrMapOvr>
+    <a:masterClrMapping/>
+  </p:clrMapOvr>
+  <mc:AlternateContent xmlns:mc="http://schemas.openxmlformats.org/markup-compatibility/2006" xmlns:p14="http://schemas.microsoft.com/office/powerpoint/2010/main">
+    <mc:Choice Requires="p14">
+      <p:transition spd="med" p14:dur="700">
+        <p:fade/>
+      </p:transition>
+    </mc:Choice>
+    <mc:Fallback xmlns="">
+      <p:transition spd="med">
+        <p:fade/>
+      </p:transition>
+    </mc:Fallback>
+  </mc:AlternateContent>
+</p:sld>
+</file>
+
+<file path=ppt/slides/slide3.xml><?xml version="1.0" encoding="utf-8"?>
+<p:sld xmlns:a="http://schemas.openxmlformats.org/drawingml/2006/main" xmlns:r="http://schemas.openxmlformats.org/officeDocument/2006/relationships" xmlns:p="http://schemas.openxmlformats.org/presentationml/2006/main">
+  <p:cSld>
+    <p:spTree>
+      <p:nvGrpSpPr>
+        <p:cNvPr id="1" name=""/>
+        <p:cNvGrpSpPr/>
+        <p:nvPr/>
+      </p:nvGrpSpPr>
+      <p:grpSpPr>
+        <a:xfrm>
+          <a:off x="0" y="0"/>
+          <a:ext cx="0" cy="0"/>
+          <a:chOff x="0" y="0"/>
+          <a:chExt cx="0" cy="0"/>
+        </a:xfrm>
+      </p:grpSpPr>
+      <p:sp>
+        <p:nvSpPr>
+          <p:cNvPr id="6" name="Title 5">
+            <a:extLst>
+              <a:ext uri="{FF2B5EF4-FFF2-40B4-BE49-F238E27FC236}">
+                <a16:creationId xmlns:a16="http://schemas.microsoft.com/office/drawing/2014/main" id="{BAFE98A2-5837-4787-8DF4-810786541E0C}"/>
+              </a:ext>
+            </a:extLst>
+          </p:cNvPr>
+          <p:cNvSpPr>
+            <a:spLocks noGrp="1"/>
+          </p:cNvSpPr>
+          <p:nvPr>
+            <p:ph type="ctrTitle"/>
+          </p:nvPr>
+        </p:nvSpPr>
+        <p:spPr/>
+        <p:txBody>
+          <a:bodyPr/>
+          <a:lstStyle/>
+          <a:p>
+            <a:r>
+              <a:rPr lang="en-GB" dirty="0"/>
+              <a:t>What is a BitCoin?</a:t>
+            </a:r>
+          </a:p>
+        </p:txBody>
+      </p:sp>
+      <p:sp>
+        <p:nvSpPr>
+          <p:cNvPr id="14" name="Subtitle 13">
+            <a:extLst>
+              <a:ext uri="{FF2B5EF4-FFF2-40B4-BE49-F238E27FC236}">
+                <a16:creationId xmlns:a16="http://schemas.microsoft.com/office/drawing/2014/main" id="{2E55C44C-791B-441A-9097-36B02FBCF3FB}"/>
+              </a:ext>
+            </a:extLst>
+          </p:cNvPr>
+          <p:cNvSpPr>
+            <a:spLocks noGrp="1"/>
+          </p:cNvSpPr>
+          <p:nvPr>
+            <p:ph type="subTitle" idx="1"/>
+          </p:nvPr>
+        </p:nvSpPr>
+        <p:spPr>
+          <a:xfrm>
+            <a:off x="7085014" y="2492896"/>
+            <a:ext cx="4572000" cy="2841104"/>
+          </a:xfrm>
+        </p:spPr>
+        <p:txBody>
+          <a:bodyPr/>
+          <a:lstStyle/>
+          <a:p>
+            <a:r>
+              <a:rPr lang="en-GB" dirty="0"/>
+              <a:t>“It’s a cryptocurrency or a specific implementation of a block chain”</a:t>
+            </a:r>
+          </a:p>
+          <a:p>
+            <a:endParaRPr lang="en-GB" dirty="0"/>
+          </a:p>
+          <a:p>
+            <a:r>
+              <a:rPr lang="en-GB" dirty="0"/>
+              <a:t>“Money”</a:t>
+            </a:r>
+          </a:p>
+        </p:txBody>
+      </p:sp>
+    </p:spTree>
+    <p:extLst>
+      <p:ext uri="{BB962C8B-B14F-4D97-AF65-F5344CB8AC3E}">
+        <p14:creationId xmlns:p14="http://schemas.microsoft.com/office/powerpoint/2010/main" val="1760228981"/>
+      </p:ext>
+    </p:extLst>
+  </p:cSld>
+  <p:clrMapOvr>
+    <a:masterClrMapping/>
+  </p:clrMapOvr>
+  <mc:AlternateContent xmlns:mc="http://schemas.openxmlformats.org/markup-compatibility/2006" xmlns:p14="http://schemas.microsoft.com/office/powerpoint/2010/main">
+    <mc:Choice Requires="p14">
+      <p:transition spd="med" p14:dur="700">
+        <p:fade/>
+      </p:transition>
+    </mc:Choice>
+    <mc:Fallback xmlns="">
+      <p:transition spd="med">
+        <p:fade/>
+      </p:transition>
+    </mc:Fallback>
+  </mc:AlternateContent>
+</p:sld>
+</file>
+
+<file path=ppt/slides/slide4.xml><?xml version="1.0" encoding="utf-8"?>
+<p:sld xmlns:a="http://schemas.openxmlformats.org/drawingml/2006/main" xmlns:r="http://schemas.openxmlformats.org/officeDocument/2006/relationships" xmlns:p="http://schemas.openxmlformats.org/presentationml/2006/main">
+  <p:cSld>
+    <p:spTree>
+      <p:nvGrpSpPr>
+        <p:cNvPr id="1" name=""/>
+        <p:cNvGrpSpPr/>
+        <p:nvPr/>
+      </p:nvGrpSpPr>
+      <p:grpSpPr>
+        <a:xfrm>
+          <a:off x="0" y="0"/>
+          <a:ext cx="0" cy="0"/>
+          <a:chOff x="0" y="0"/>
+          <a:chExt cx="0" cy="0"/>
+        </a:xfrm>
+      </p:grpSpPr>
+      <p:sp>
+        <p:nvSpPr>
+          <p:cNvPr id="6" name="Title 5">
+            <a:extLst>
+              <a:ext uri="{FF2B5EF4-FFF2-40B4-BE49-F238E27FC236}">
+                <a16:creationId xmlns:a16="http://schemas.microsoft.com/office/drawing/2014/main" id="{BAFE98A2-5837-4787-8DF4-810786541E0C}"/>
+              </a:ext>
+            </a:extLst>
+          </p:cNvPr>
+          <p:cNvSpPr>
+            <a:spLocks noGrp="1"/>
+          </p:cNvSpPr>
+          <p:nvPr>
+            <p:ph type="ctrTitle"/>
+          </p:nvPr>
+        </p:nvSpPr>
+        <p:spPr/>
+        <p:txBody>
+          <a:bodyPr/>
+          <a:lstStyle/>
+          <a:p>
+            <a:r>
+              <a:rPr lang="en-GB" dirty="0"/>
+              <a:t>What is a Block Chain?</a:t>
+            </a:r>
+          </a:p>
+        </p:txBody>
+      </p:sp>
+      <p:sp>
+        <p:nvSpPr>
+          <p:cNvPr id="14" name="Subtitle 13">
+            <a:extLst>
+              <a:ext uri="{FF2B5EF4-FFF2-40B4-BE49-F238E27FC236}">
+                <a16:creationId xmlns:a16="http://schemas.microsoft.com/office/drawing/2014/main" id="{2E55C44C-791B-441A-9097-36B02FBCF3FB}"/>
+              </a:ext>
+            </a:extLst>
+          </p:cNvPr>
+          <p:cNvSpPr>
+            <a:spLocks noGrp="1"/>
+          </p:cNvSpPr>
+          <p:nvPr>
+            <p:ph type="subTitle" idx="1"/>
+          </p:nvPr>
+        </p:nvSpPr>
+        <p:spPr>
+          <a:xfrm>
+            <a:off x="7085014" y="980728"/>
+            <a:ext cx="4572000" cy="4353272"/>
+          </a:xfrm>
+        </p:spPr>
+        <p:txBody>
+          <a:bodyPr>
+            <a:normAutofit/>
+          </a:bodyPr>
+          <a:lstStyle/>
+          <a:p>
+            <a:r>
+              <a:rPr lang="en-GB" sz="2800" dirty="0"/>
+              <a:t>“a digital ledger in which transactions made in bitcoin or another cryptocurrency are recorded chronologically and publicly.”</a:t>
+            </a:r>
+          </a:p>
+          <a:p>
+            <a:endParaRPr lang="en-GB" sz="2800" dirty="0"/>
+          </a:p>
+          <a:p>
+            <a:r>
+              <a:rPr lang="en-GB" sz="2800" dirty="0"/>
+              <a:t>“A public ledger. An immutable record which cannot be changed, even by the authors of the transactions”</a:t>
+            </a:r>
+          </a:p>
+        </p:txBody>
+      </p:sp>
+    </p:spTree>
+    <p:extLst>
+      <p:ext uri="{BB962C8B-B14F-4D97-AF65-F5344CB8AC3E}">
+        <p14:creationId xmlns:p14="http://schemas.microsoft.com/office/powerpoint/2010/main" val="1497374988"/>
+      </p:ext>
+    </p:extLst>
+  </p:cSld>
+  <p:clrMapOvr>
+    <a:masterClrMapping/>
+  </p:clrMapOvr>
+  <mc:AlternateContent xmlns:mc="http://schemas.openxmlformats.org/markup-compatibility/2006" xmlns:p14="http://schemas.microsoft.com/office/powerpoint/2010/main">
+    <mc:Choice Requires="p14">
+      <p:transition spd="med" p14:dur="700">
+        <p:fade/>
+      </p:transition>
+    </mc:Choice>
+    <mc:Fallback xmlns="">
+      <p:transition spd="med">
+        <p:fade/>
+      </p:transition>
+    </mc:Fallback>
+  </mc:AlternateContent>
+</p:sld>
+</file>
+
+<file path=ppt/slides/slide5.xml><?xml version="1.0" encoding="utf-8"?>
+<p:sld xmlns:a="http://schemas.openxmlformats.org/drawingml/2006/main" xmlns:r="http://schemas.openxmlformats.org/officeDocument/2006/relationships" xmlns:p="http://schemas.openxmlformats.org/presentationml/2006/main">
+  <p:cSld>
+    <p:spTree>
+      <p:nvGrpSpPr>
+        <p:cNvPr id="1" name=""/>
+        <p:cNvGrpSpPr/>
+        <p:nvPr/>
+      </p:nvGrpSpPr>
+      <p:grpSpPr>
+        <a:xfrm>
+          <a:off x="0" y="0"/>
+          <a:ext cx="0" cy="0"/>
+          <a:chOff x="0" y="0"/>
+          <a:chExt cx="0" cy="0"/>
+        </a:xfrm>
+      </p:grpSpPr>
+      <p:pic>
+        <p:nvPicPr>
+          <p:cNvPr id="8" name="Picture Placeholder 7">
+            <a:extLst>
+              <a:ext uri="{FF2B5EF4-FFF2-40B4-BE49-F238E27FC236}">
+                <a16:creationId xmlns:a16="http://schemas.microsoft.com/office/drawing/2014/main" id="{208D7108-8B15-4640-A23F-B326654882DF}"/>
+              </a:ext>
+            </a:extLst>
+          </p:cNvPr>
+          <p:cNvPicPr>
+            <a:picLocks noGrp="1" noChangeAspect="1"/>
+          </p:cNvPicPr>
+          <p:nvPr>
+            <p:ph type="pic" idx="1"/>
+          </p:nvPr>
+        </p:nvPicPr>
+        <p:blipFill>
+          <a:blip r:embed="rId3">
+            <a:extLst>
+              <a:ext uri="{28A0092B-C50C-407E-A947-70E740481C1C}">
+                <a14:useLocalDpi xmlns:a14="http://schemas.microsoft.com/office/drawing/2010/main" val="0"/>
+              </a:ext>
+            </a:extLst>
+          </a:blip>
+          <a:srcRect l="2307" r="2307"/>
+          <a:stretch>
+            <a:fillRect/>
+          </a:stretch>
+        </p:blipFill>
+        <p:spPr>
+          <a:xfrm>
+            <a:off x="457198" y="465283"/>
+            <a:ext cx="6780215" cy="5249717"/>
+          </a:xfrm>
+        </p:spPr>
+      </p:pic>
+      <p:sp>
+        <p:nvSpPr>
+          <p:cNvPr id="10" name="TextBox 9">
+            <a:extLst>
+              <a:ext uri="{FF2B5EF4-FFF2-40B4-BE49-F238E27FC236}">
+                <a16:creationId xmlns:a16="http://schemas.microsoft.com/office/drawing/2014/main" id="{0711A7BA-CAB9-47E6-B49B-D069BB4EFDEA}"/>
+              </a:ext>
+            </a:extLst>
+          </p:cNvPr>
+          <p:cNvSpPr txBox="1"/>
+          <p:nvPr/>
+        </p:nvSpPr>
+        <p:spPr>
+          <a:xfrm>
+            <a:off x="7678589" y="227818"/>
+            <a:ext cx="4320480" cy="5466112"/>
+          </a:xfrm>
+          <a:prstGeom prst="rect">
+            <a:avLst/>
+          </a:prstGeom>
+          <a:noFill/>
+        </p:spPr>
+        <p:txBody>
+          <a:bodyPr wrap="square" rtlCol="0">
+            <a:spAutoFit/>
+          </a:bodyPr>
+          <a:lstStyle/>
+          <a:p>
+            <a:pPr>
+              <a:lnSpc>
+                <a:spcPct val="90000"/>
+              </a:lnSpc>
+            </a:pPr>
+            <a:r>
+              <a:rPr lang="en-GB" sz="4400" dirty="0">
+                <a:solidFill>
+                  <a:schemeClr val="bg1"/>
+                </a:solidFill>
+                <a:effectLst>
+                  <a:outerShdw blurRad="88900" algn="ctr" rotWithShape="0">
+                    <a:prstClr val="black">
+                      <a:alpha val="35000"/>
+                    </a:prstClr>
+                  </a:outerShdw>
+                </a:effectLst>
+                <a:latin typeface="+mj-lt"/>
+                <a:ea typeface="+mj-ea"/>
+                <a:cs typeface="+mj-cs"/>
+              </a:rPr>
+              <a:t>Each block has</a:t>
+            </a:r>
+          </a:p>
+          <a:p>
+            <a:pPr marL="342900" indent="-342900">
+              <a:lnSpc>
+                <a:spcPct val="90000"/>
+              </a:lnSpc>
+              <a:buFont typeface="Arial" panose="020B0604020202020204" pitchFamily="34" charset="0"/>
+              <a:buChar char="•"/>
+            </a:pPr>
+            <a:endParaRPr lang="en-GB" sz="3200" dirty="0">
+              <a:solidFill>
+                <a:schemeClr val="bg1"/>
+              </a:solidFill>
+              <a:effectLst>
+                <a:outerShdw blurRad="88900" algn="ctr" rotWithShape="0">
+                  <a:prstClr val="black">
+                    <a:alpha val="35000"/>
+                  </a:prstClr>
+                </a:outerShdw>
+              </a:effectLst>
+              <a:latin typeface="+mj-lt"/>
+              <a:ea typeface="+mj-ea"/>
+              <a:cs typeface="+mj-cs"/>
+            </a:endParaRPr>
+          </a:p>
+          <a:p>
+            <a:pPr marL="342900" indent="-342900">
+              <a:lnSpc>
+                <a:spcPct val="90000"/>
+              </a:lnSpc>
+              <a:buFont typeface="Arial" panose="020B0604020202020204" pitchFamily="34" charset="0"/>
+              <a:buChar char="•"/>
+            </a:pPr>
+            <a:r>
+              <a:rPr lang="en-GB" sz="3200" dirty="0">
+                <a:solidFill>
+                  <a:schemeClr val="bg1"/>
+                </a:solidFill>
+                <a:effectLst>
+                  <a:outerShdw blurRad="88900" algn="ctr" rotWithShape="0">
+                    <a:prstClr val="black">
+                      <a:alpha val="35000"/>
+                    </a:prstClr>
+                  </a:outerShdw>
+                </a:effectLst>
+                <a:latin typeface="+mj-lt"/>
+                <a:ea typeface="+mj-ea"/>
+                <a:cs typeface="+mj-cs"/>
+              </a:rPr>
+              <a:t>Transactions</a:t>
+            </a:r>
+          </a:p>
+          <a:p>
+            <a:pPr marL="342900" indent="-342900">
+              <a:lnSpc>
+                <a:spcPct val="90000"/>
+              </a:lnSpc>
+              <a:buFont typeface="Arial" panose="020B0604020202020204" pitchFamily="34" charset="0"/>
+              <a:buChar char="•"/>
+            </a:pPr>
+            <a:endParaRPr lang="en-GB" sz="3200" dirty="0">
+              <a:solidFill>
+                <a:schemeClr val="bg1"/>
+              </a:solidFill>
+              <a:effectLst>
+                <a:outerShdw blurRad="88900" algn="ctr" rotWithShape="0">
+                  <a:prstClr val="black">
+                    <a:alpha val="35000"/>
+                  </a:prstClr>
+                </a:outerShdw>
+              </a:effectLst>
+              <a:latin typeface="+mj-lt"/>
+              <a:ea typeface="+mj-ea"/>
+              <a:cs typeface="+mj-cs"/>
+            </a:endParaRPr>
+          </a:p>
+          <a:p>
+            <a:pPr marL="342900" indent="-342900">
+              <a:lnSpc>
+                <a:spcPct val="90000"/>
+              </a:lnSpc>
+              <a:buFont typeface="Arial" panose="020B0604020202020204" pitchFamily="34" charset="0"/>
+              <a:buChar char="•"/>
+            </a:pPr>
+            <a:r>
+              <a:rPr lang="en-GB" sz="3200" dirty="0">
+                <a:solidFill>
+                  <a:schemeClr val="bg1"/>
+                </a:solidFill>
+                <a:effectLst>
+                  <a:outerShdw blurRad="88900" algn="ctr" rotWithShape="0">
+                    <a:prstClr val="black">
+                      <a:alpha val="35000"/>
+                    </a:prstClr>
+                  </a:outerShdw>
+                </a:effectLst>
+                <a:latin typeface="+mj-lt"/>
+                <a:ea typeface="+mj-ea"/>
+                <a:cs typeface="+mj-cs"/>
+              </a:rPr>
+              <a:t>Hash of previous block </a:t>
+            </a:r>
+          </a:p>
+          <a:p>
+            <a:pPr marL="342900" indent="-342900">
+              <a:lnSpc>
+                <a:spcPct val="90000"/>
+              </a:lnSpc>
+              <a:buFont typeface="Arial" panose="020B0604020202020204" pitchFamily="34" charset="0"/>
+              <a:buChar char="•"/>
+            </a:pPr>
+            <a:endParaRPr lang="en-GB" sz="3200" dirty="0">
+              <a:solidFill>
+                <a:schemeClr val="bg1"/>
+              </a:solidFill>
+              <a:effectLst>
+                <a:outerShdw blurRad="88900" algn="ctr" rotWithShape="0">
+                  <a:prstClr val="black">
+                    <a:alpha val="35000"/>
+                  </a:prstClr>
+                </a:outerShdw>
+              </a:effectLst>
+              <a:latin typeface="+mj-lt"/>
+              <a:ea typeface="+mj-ea"/>
+              <a:cs typeface="+mj-cs"/>
+            </a:endParaRPr>
+          </a:p>
+          <a:p>
+            <a:pPr marL="342900" indent="-342900">
+              <a:lnSpc>
+                <a:spcPct val="90000"/>
+              </a:lnSpc>
+              <a:buFont typeface="Arial" panose="020B0604020202020204" pitchFamily="34" charset="0"/>
+              <a:buChar char="•"/>
+            </a:pPr>
+            <a:r>
+              <a:rPr lang="en-GB" sz="3200" dirty="0">
+                <a:solidFill>
+                  <a:schemeClr val="bg1"/>
+                </a:solidFill>
+                <a:effectLst>
+                  <a:outerShdw blurRad="88900" algn="ctr" rotWithShape="0">
+                    <a:prstClr val="black">
+                      <a:alpha val="35000"/>
+                    </a:prstClr>
+                  </a:outerShdw>
+                </a:effectLst>
+                <a:latin typeface="+mj-lt"/>
+                <a:ea typeface="+mj-ea"/>
+                <a:cs typeface="+mj-cs"/>
+              </a:rPr>
+              <a:t>Its own hash</a:t>
+            </a:r>
+          </a:p>
+          <a:p>
+            <a:pPr marL="342900" indent="-342900">
+              <a:lnSpc>
+                <a:spcPct val="90000"/>
+              </a:lnSpc>
+              <a:buFont typeface="Arial" panose="020B0604020202020204" pitchFamily="34" charset="0"/>
+              <a:buChar char="•"/>
+            </a:pPr>
+            <a:endParaRPr lang="en-GB" sz="3200" dirty="0">
+              <a:solidFill>
+                <a:schemeClr val="bg1"/>
+              </a:solidFill>
+              <a:effectLst>
+                <a:outerShdw blurRad="88900" algn="ctr" rotWithShape="0">
+                  <a:prstClr val="black">
+                    <a:alpha val="35000"/>
+                  </a:prstClr>
+                </a:outerShdw>
+              </a:effectLst>
+              <a:latin typeface="+mj-lt"/>
+              <a:ea typeface="+mj-ea"/>
+              <a:cs typeface="+mj-cs"/>
+            </a:endParaRPr>
+          </a:p>
+          <a:p>
+            <a:pPr marL="342900" indent="-342900">
+              <a:lnSpc>
+                <a:spcPct val="90000"/>
+              </a:lnSpc>
+              <a:buFont typeface="Arial" panose="020B0604020202020204" pitchFamily="34" charset="0"/>
+              <a:buChar char="•"/>
+            </a:pPr>
+            <a:r>
+              <a:rPr lang="en-GB" sz="3200" dirty="0">
+                <a:solidFill>
+                  <a:schemeClr val="bg1"/>
+                </a:solidFill>
+                <a:effectLst>
+                  <a:outerShdw blurRad="88900" algn="ctr" rotWithShape="0">
+                    <a:prstClr val="black">
+                      <a:alpha val="35000"/>
+                    </a:prstClr>
+                  </a:outerShdw>
+                </a:effectLst>
+                <a:latin typeface="+mj-lt"/>
+                <a:ea typeface="+mj-ea"/>
+                <a:cs typeface="+mj-cs"/>
+              </a:rPr>
+              <a:t>Other bits (meta data)</a:t>
+            </a:r>
+            <a:br>
+              <a:rPr lang="en-GB" sz="2400" dirty="0"/>
+            </a:br>
+            <a:endParaRPr lang="en-GB" sz="2400" dirty="0"/>
+          </a:p>
+        </p:txBody>
+      </p:sp>
+    </p:spTree>
+    <p:extLst>
+      <p:ext uri="{BB962C8B-B14F-4D97-AF65-F5344CB8AC3E}">
+        <p14:creationId xmlns:p14="http://schemas.microsoft.com/office/powerpoint/2010/main" val="1172241125"/>
+      </p:ext>
+    </p:extLst>
+  </p:cSld>
+  <p:clrMapOvr>
+    <a:masterClrMapping/>
+  </p:clrMapOvr>
+  <mc:AlternateContent xmlns:mc="http://schemas.openxmlformats.org/markup-compatibility/2006" xmlns:p14="http://schemas.microsoft.com/office/powerpoint/2010/main">
+    <mc:Choice Requires="p14">
+      <p:transition spd="med" p14:dur="700">
+        <p:fade/>
+      </p:transition>
+    </mc:Choice>
+    <mc:Fallback xmlns="">
+      <p:transition spd="med">
+        <p:fade/>
+      </p:transition>
+    </mc:Fallback>
+  </mc:AlternateContent>
+</p:sld>
+</file>
+
+<file path=ppt/slides/slide6.xml><?xml version="1.0" encoding="utf-8"?>
+<p:sld xmlns:a="http://schemas.openxmlformats.org/drawingml/2006/main" xmlns:r="http://schemas.openxmlformats.org/officeDocument/2006/relationships" xmlns:p="http://schemas.openxmlformats.org/presentationml/2006/main">
+  <p:cSld>
+    <p:spTree>
+      <p:nvGrpSpPr>
+        <p:cNvPr id="1" name=""/>
+        <p:cNvGrpSpPr/>
+        <p:nvPr/>
+      </p:nvGrpSpPr>
+      <p:grpSpPr>
+        <a:xfrm>
+          <a:off x="0" y="0"/>
+          <a:ext cx="0" cy="0"/>
+          <a:chOff x="0" y="0"/>
+          <a:chExt cx="0" cy="0"/>
+        </a:xfrm>
+      </p:grpSpPr>
+      <p:sp>
+        <p:nvSpPr>
+          <p:cNvPr id="2" name="Title 1">
+            <a:extLst>
+              <a:ext uri="{FF2B5EF4-FFF2-40B4-BE49-F238E27FC236}">
+                <a16:creationId xmlns:a16="http://schemas.microsoft.com/office/drawing/2014/main" id="{03951167-FCFE-474F-9E2B-0A6B22E5B97C}"/>
+              </a:ext>
+            </a:extLst>
+          </p:cNvPr>
+          <p:cNvSpPr>
+            <a:spLocks noGrp="1"/>
+          </p:cNvSpPr>
+          <p:nvPr>
+            <p:ph type="ctrTitle"/>
+          </p:nvPr>
+        </p:nvSpPr>
+        <p:spPr/>
+        <p:txBody>
+          <a:bodyPr/>
+          <a:lstStyle/>
+          <a:p>
+            <a:r>
+              <a:rPr lang="en-GB" dirty="0"/>
+              <a:t>I’ve heard about this thing called ‘mining’?</a:t>
+            </a:r>
+          </a:p>
+        </p:txBody>
+      </p:sp>
+      <p:sp>
+        <p:nvSpPr>
+          <p:cNvPr id="5" name="Subtitle 4">
+            <a:extLst>
+              <a:ext uri="{FF2B5EF4-FFF2-40B4-BE49-F238E27FC236}">
+                <a16:creationId xmlns:a16="http://schemas.microsoft.com/office/drawing/2014/main" id="{DF74F5C0-7583-4285-9B17-5F1A90203181}"/>
+              </a:ext>
+            </a:extLst>
+          </p:cNvPr>
+          <p:cNvSpPr>
+            <a:spLocks noGrp="1"/>
+          </p:cNvSpPr>
+          <p:nvPr>
+            <p:ph type="subTitle" idx="1"/>
+          </p:nvPr>
+        </p:nvSpPr>
+        <p:spPr/>
+        <p:txBody>
+          <a:bodyPr/>
+          <a:lstStyle/>
+          <a:p>
+            <a:endParaRPr lang="en-GB" dirty="0"/>
+          </a:p>
+        </p:txBody>
+      </p:sp>
+      <p:pic>
+        <p:nvPicPr>
+          <p:cNvPr id="8" name="Picture Placeholder 7">
+            <a:extLst>
+              <a:ext uri="{FF2B5EF4-FFF2-40B4-BE49-F238E27FC236}">
+                <a16:creationId xmlns:a16="http://schemas.microsoft.com/office/drawing/2014/main" id="{A3EF61DE-49D6-4533-87A5-07486C8CE78A}"/>
+              </a:ext>
+            </a:extLst>
+          </p:cNvPr>
+          <p:cNvPicPr>
+            <a:picLocks noGrp="1" noChangeAspect="1"/>
+          </p:cNvPicPr>
+          <p:nvPr>
+            <p:ph type="pic" sz="quarter" idx="13"/>
+          </p:nvPr>
+        </p:nvPicPr>
+        <p:blipFill>
+          <a:blip r:embed="rId2">
+            <a:extLst>
+              <a:ext uri="{28A0092B-C50C-407E-A947-70E740481C1C}">
+                <a14:useLocalDpi xmlns:a14="http://schemas.microsoft.com/office/drawing/2010/main" val="0"/>
+              </a:ext>
+            </a:extLst>
+          </a:blip>
+          <a:srcRect l="2892" r="2892"/>
+          <a:stretch>
+            <a:fillRect/>
+          </a:stretch>
+        </p:blipFill>
+        <p:spPr/>
+      </p:pic>
+    </p:spTree>
+    <p:extLst>
+      <p:ext uri="{BB962C8B-B14F-4D97-AF65-F5344CB8AC3E}">
+        <p14:creationId xmlns:p14="http://schemas.microsoft.com/office/powerpoint/2010/main" val="1503925789"/>
+      </p:ext>
+    </p:extLst>
+  </p:cSld>
+  <p:clrMapOvr>
+    <a:masterClrMapping/>
+  </p:clrMapOvr>
+  <mc:AlternateContent xmlns:mc="http://schemas.openxmlformats.org/markup-compatibility/2006" xmlns:p14="http://schemas.microsoft.com/office/powerpoint/2010/main">
+    <mc:Choice Requires="p14">
+      <p:transition spd="med" p14:dur="700">
+        <p:fade/>
+      </p:transition>
+    </mc:Choice>
+    <mc:Fallback xmlns="">
+      <p:transition spd="med">
+        <p:fade/>
+      </p:transition>
+    </mc:Fallback>
+  </mc:AlternateContent>
+</p:sld>
+</file>
+
+<file path=ppt/slides/slide7.xml><?xml version="1.0" encoding="utf-8"?>
+<p:sld xmlns:a="http://schemas.openxmlformats.org/drawingml/2006/main" xmlns:r="http://schemas.openxmlformats.org/officeDocument/2006/relationships" xmlns:p="http://schemas.openxmlformats.org/presentationml/2006/main">
+  <p:cSld>
+    <p:spTree>
+      <p:nvGrpSpPr>
+        <p:cNvPr id="1" name=""/>
+        <p:cNvGrpSpPr/>
+        <p:nvPr/>
+      </p:nvGrpSpPr>
+      <p:grpSpPr>
+        <a:xfrm>
+          <a:off x="0" y="0"/>
+          <a:ext cx="0" cy="0"/>
+          <a:chOff x="0" y="0"/>
+          <a:chExt cx="0" cy="0"/>
+        </a:xfrm>
+      </p:grpSpPr>
+      <p:sp>
+        <p:nvSpPr>
+          <p:cNvPr id="6" name="Content Placeholder 5">
+            <a:extLst>
+              <a:ext uri="{FF2B5EF4-FFF2-40B4-BE49-F238E27FC236}">
+                <a16:creationId xmlns:a16="http://schemas.microsoft.com/office/drawing/2014/main" id="{FDBC3EFD-8B86-4427-8D2C-C5A5553125E8}"/>
+              </a:ext>
+            </a:extLst>
+          </p:cNvPr>
+          <p:cNvSpPr>
+            <a:spLocks noGrp="1"/>
+          </p:cNvSpPr>
+          <p:nvPr>
+            <p:ph idx="1"/>
+          </p:nvPr>
+        </p:nvSpPr>
+        <p:spPr>
+          <a:xfrm>
+            <a:off x="549796" y="980728"/>
+            <a:ext cx="10345219" cy="4464496"/>
+          </a:xfrm>
+        </p:spPr>
+        <p:txBody>
+          <a:bodyPr>
+            <a:normAutofit/>
+          </a:bodyPr>
+          <a:lstStyle/>
+          <a:p>
+            <a:r>
+              <a:rPr lang="en-GB" sz="3200" dirty="0"/>
+              <a:t>Bitcoin mining</a:t>
+            </a:r>
+          </a:p>
+          <a:p>
+            <a:pPr lvl="1"/>
+            <a:r>
+              <a:rPr lang="en-GB" dirty="0"/>
+              <a:t>Is creating a new valid block</a:t>
+            </a:r>
+          </a:p>
+          <a:p>
+            <a:pPr lvl="1"/>
+            <a:r>
+              <a:rPr lang="en-GB" dirty="0"/>
+              <a:t>Hash of a bunch of transactions and the previous hash</a:t>
+            </a:r>
+          </a:p>
+          <a:p>
+            <a:pPr lvl="1"/>
+            <a:r>
+              <a:rPr lang="en-GB" dirty="0"/>
+              <a:t>The hash must meet some (hard) criteria</a:t>
+            </a:r>
+          </a:p>
+          <a:p>
+            <a:pPr lvl="2"/>
+            <a:r>
+              <a:rPr lang="en-GB" dirty="0"/>
+              <a:t>Starts with 18 zeros</a:t>
+            </a:r>
+          </a:p>
+          <a:p>
+            <a:pPr lvl="2"/>
+            <a:r>
+              <a:rPr lang="en-GB" dirty="0"/>
+              <a:t>~2.7 Million billion hashes tried to find one</a:t>
+            </a:r>
+          </a:p>
+          <a:p>
+            <a:pPr lvl="2"/>
+            <a:r>
+              <a:rPr lang="en-GB" dirty="0"/>
+              <a:t>Real Example: </a:t>
+            </a:r>
+          </a:p>
+          <a:p>
+            <a:pPr marL="685800" lvl="3" indent="0">
+              <a:buNone/>
+            </a:pPr>
+            <a:r>
+              <a:rPr lang="en-GB" dirty="0"/>
+              <a:t>00000000000000000058dd9b08732c8f376188bd85a46e93167b772ee51c34d6</a:t>
+            </a:r>
+          </a:p>
+          <a:p>
+            <a:r>
+              <a:rPr lang="en-GB" sz="3200" dirty="0"/>
+              <a:t>Why do it?</a:t>
+            </a:r>
+          </a:p>
+          <a:p>
+            <a:pPr lvl="1"/>
+            <a:r>
+              <a:rPr lang="en-GB" dirty="0"/>
+              <a:t>You get some bitcoins (12.5)</a:t>
+            </a:r>
+          </a:p>
+          <a:p>
+            <a:pPr lvl="1"/>
+            <a:r>
+              <a:rPr lang="en-GB" dirty="0"/>
+              <a:t>And you get all the transaction fees in the block =&gt; more $$$</a:t>
+            </a:r>
+          </a:p>
+          <a:p>
+            <a:pPr lvl="1"/>
+            <a:endParaRPr lang="en-GB" dirty="0"/>
+          </a:p>
+          <a:p>
+            <a:pPr lvl="1"/>
+            <a:endParaRPr lang="en-GB" dirty="0"/>
+          </a:p>
+        </p:txBody>
+      </p:sp>
+      <p:graphicFrame>
+        <p:nvGraphicFramePr>
+          <p:cNvPr id="13" name="Diagram 12">
+            <a:extLst>
+              <a:ext uri="{FF2B5EF4-FFF2-40B4-BE49-F238E27FC236}">
+                <a16:creationId xmlns:a16="http://schemas.microsoft.com/office/drawing/2014/main" id="{A7ADBC7F-9B5A-4B7E-A72B-22C069325840}"/>
+              </a:ext>
+            </a:extLst>
+          </p:cNvPr>
+          <p:cNvGraphicFramePr/>
+          <p:nvPr>
+            <p:extLst>
+              <p:ext uri="{D42A27DB-BD31-4B8C-83A1-F6EECF244321}">
+                <p14:modId xmlns:p14="http://schemas.microsoft.com/office/powerpoint/2010/main" val="2314870544"/>
+              </p:ext>
+            </p:extLst>
+          </p:nvPr>
+        </p:nvGraphicFramePr>
+        <p:xfrm>
+          <a:off x="1293813" y="5445224"/>
+          <a:ext cx="8888713" cy="590931"/>
+        </p:xfrm>
+        <a:graphic>
+          <a:graphicData uri="http://schemas.openxmlformats.org/drawingml/2006/diagram">
+            <dgm:relIds xmlns:dgm="http://schemas.openxmlformats.org/drawingml/2006/diagram" xmlns:r="http://schemas.openxmlformats.org/officeDocument/2006/relationships" r:dm="rId3" r:lo="rId4" r:qs="rId5" r:cs="rId6"/>
+          </a:graphicData>
+        </a:graphic>
+      </p:graphicFrame>
+      <p:pic>
+        <p:nvPicPr>
+          <p:cNvPr id="15" name="Picture 14">
+            <a:extLst>
+              <a:ext uri="{FF2B5EF4-FFF2-40B4-BE49-F238E27FC236}">
+                <a16:creationId xmlns:a16="http://schemas.microsoft.com/office/drawing/2014/main" id="{CBA73DC1-948B-4A33-8039-8A8E84100AC9}"/>
+              </a:ext>
+            </a:extLst>
+          </p:cNvPr>
+          <p:cNvPicPr>
+            <a:picLocks noChangeAspect="1"/>
+          </p:cNvPicPr>
+          <p:nvPr/>
+        </p:nvPicPr>
+        <p:blipFill>
+          <a:blip r:embed="rId8">
+            <a:extLst>
+              <a:ext uri="{28A0092B-C50C-407E-A947-70E740481C1C}">
+                <a14:useLocalDpi xmlns:a14="http://schemas.microsoft.com/office/drawing/2010/main" val="0"/>
+              </a:ext>
+            </a:extLst>
+          </a:blip>
+          <a:stretch>
+            <a:fillRect/>
+          </a:stretch>
+        </p:blipFill>
+        <p:spPr>
+          <a:xfrm>
+            <a:off x="7462564" y="836712"/>
+            <a:ext cx="3912444" cy="2608296"/>
+          </a:xfrm>
+          <a:prstGeom prst="rect">
+            <a:avLst/>
+          </a:prstGeom>
+        </p:spPr>
+      </p:pic>
+    </p:spTree>
+    <p:extLst>
+      <p:ext uri="{BB962C8B-B14F-4D97-AF65-F5344CB8AC3E}">
+        <p14:creationId xmlns:p14="http://schemas.microsoft.com/office/powerpoint/2010/main" val="2778652951"/>
+      </p:ext>
+    </p:extLst>
+  </p:cSld>
+  <p:clrMapOvr>
+    <a:masterClrMapping/>
+  </p:clrMapOvr>
+  <mc:AlternateContent xmlns:mc="http://schemas.openxmlformats.org/markup-compatibility/2006" xmlns:p14="http://schemas.microsoft.com/office/powerpoint/2010/main">
+    <mc:Choice Requires="p14">
+      <p:transition spd="med" p14:dur="700">
+        <p:fade/>
+      </p:transition>
+    </mc:Choice>
+    <mc:Fallback xmlns="">
+      <p:transition spd="med">
+        <p:fade/>
+      </p:transition>
+    </mc:Fallback>
+  </mc:AlternateContent>
+</p:sld>
+</file>
+
+<file path=ppt/slides/slide8.xml><?xml version="1.0" encoding="utf-8"?>
+<p:sld xmlns:a="http://schemas.openxmlformats.org/drawingml/2006/main" xmlns:r="http://schemas.openxmlformats.org/officeDocument/2006/relationships" xmlns:p="http://schemas.openxmlformats.org/presentationml/2006/main">
+  <p:cSld>
+    <p:spTree>
+      <p:nvGrpSpPr>
+        <p:cNvPr id="1" name=""/>
+        <p:cNvGrpSpPr/>
+        <p:nvPr/>
+      </p:nvGrpSpPr>
+      <p:grpSpPr>
+        <a:xfrm>
+          <a:off x="0" y="0"/>
+          <a:ext cx="0" cy="0"/>
+          <a:chOff x="0" y="0"/>
+          <a:chExt cx="0" cy="0"/>
+        </a:xfrm>
+      </p:grpSpPr>
+      <p:sp>
+        <p:nvSpPr>
+          <p:cNvPr id="2" name="Title 1">
+            <a:extLst>
+              <a:ext uri="{FF2B5EF4-FFF2-40B4-BE49-F238E27FC236}">
+                <a16:creationId xmlns:a16="http://schemas.microsoft.com/office/drawing/2014/main" id="{48262833-75AC-4C0F-B097-1B789550B74D}"/>
+              </a:ext>
+            </a:extLst>
+          </p:cNvPr>
+          <p:cNvSpPr>
+            <a:spLocks noGrp="1"/>
+          </p:cNvSpPr>
+          <p:nvPr>
+            <p:ph type="title"/>
+          </p:nvPr>
+        </p:nvSpPr>
+        <p:spPr>
+          <a:xfrm>
+            <a:off x="0" y="6492493"/>
+            <a:ext cx="11305256" cy="345158"/>
+          </a:xfrm>
+        </p:spPr>
+        <p:txBody>
+          <a:bodyPr>
+            <a:normAutofit/>
+          </a:bodyPr>
+          <a:lstStyle/>
+          <a:p>
+            <a:r>
+              <a:rPr lang="en-GB" sz="1300" dirty="0">
+                <a:hlinkClick r:id="rId2"/>
+              </a:rPr>
+              <a:t>https://blockchain.info/block/00000000000000000058dd9b08732c8f376188bd85a46e93167b772ee51c34d6</a:t>
+            </a:r>
+            <a:endParaRPr lang="en-GB" dirty="0"/>
+          </a:p>
+        </p:txBody>
+      </p:sp>
+      <p:sp>
+        <p:nvSpPr>
+          <p:cNvPr id="3" name="Content Placeholder 2">
+            <a:extLst>
+              <a:ext uri="{FF2B5EF4-FFF2-40B4-BE49-F238E27FC236}">
+                <a16:creationId xmlns:a16="http://schemas.microsoft.com/office/drawing/2014/main" id="{77B3090E-E9E2-4A24-AC2B-574FCDDA3B9B}"/>
+              </a:ext>
+            </a:extLst>
+          </p:cNvPr>
+          <p:cNvSpPr>
+            <a:spLocks noGrp="1"/>
+          </p:cNvSpPr>
+          <p:nvPr>
+            <p:ph idx="1"/>
+          </p:nvPr>
+        </p:nvSpPr>
+        <p:spPr/>
+        <p:txBody>
+          <a:bodyPr/>
+          <a:lstStyle/>
+          <a:p>
+            <a:endParaRPr lang="en-GB" dirty="0"/>
+          </a:p>
+          <a:p>
+            <a:endParaRPr lang="en-GB" dirty="0"/>
+          </a:p>
+        </p:txBody>
+      </p:sp>
+      <p:pic>
+        <p:nvPicPr>
+          <p:cNvPr id="9" name="Picture 8">
+            <a:extLst>
+              <a:ext uri="{FF2B5EF4-FFF2-40B4-BE49-F238E27FC236}">
+                <a16:creationId xmlns:a16="http://schemas.microsoft.com/office/drawing/2014/main" id="{ED3EFCF0-E23D-4687-BF42-943C374942D9}"/>
+              </a:ext>
+            </a:extLst>
+          </p:cNvPr>
+          <p:cNvPicPr>
+            <a:picLocks noChangeAspect="1"/>
+          </p:cNvPicPr>
+          <p:nvPr/>
+        </p:nvPicPr>
+        <p:blipFill>
+          <a:blip r:embed="rId3"/>
+          <a:stretch>
+            <a:fillRect/>
+          </a:stretch>
+        </p:blipFill>
+        <p:spPr>
+          <a:xfrm>
+            <a:off x="261764" y="425695"/>
+            <a:ext cx="10441160" cy="5906652"/>
+          </a:xfrm>
+          <a:prstGeom prst="rect">
+            <a:avLst/>
+          </a:prstGeom>
+        </p:spPr>
+      </p:pic>
+    </p:spTree>
+    <p:extLst>
+      <p:ext uri="{BB962C8B-B14F-4D97-AF65-F5344CB8AC3E}">
+        <p14:creationId xmlns:p14="http://schemas.microsoft.com/office/powerpoint/2010/main" val="2792571211"/>
+      </p:ext>
+    </p:extLst>
+  </p:cSld>
+  <p:clrMapOvr>
+    <a:masterClrMapping/>
+  </p:clrMapOvr>
+  <mc:AlternateContent xmlns:mc="http://schemas.openxmlformats.org/markup-compatibility/2006" xmlns:p14="http://schemas.microsoft.com/office/powerpoint/2010/main">
+    <mc:Choice Requires="p14">
+      <p:transition spd="med" p14:dur="700">
+        <p:fade/>
+      </p:transition>
+    </mc:Choice>
+    <mc:Fallback xmlns="">
+      <p:transition spd="med">
+        <p:fade/>
+      </p:transition>
+    </mc:Fallback>
+  </mc:AlternateContent>
+</p:sld>
+</file>
+
+<file path=ppt/slides/slide9.xml><?xml version="1.0" encoding="utf-8"?>
+<p:sld xmlns:a="http://schemas.openxmlformats.org/drawingml/2006/main" xmlns:r="http://schemas.openxmlformats.org/officeDocument/2006/relationships" xmlns:p="http://schemas.openxmlformats.org/presentationml/2006/main">
+  <p:cSld>
+    <p:spTree>
+      <p:nvGrpSpPr>
+        <p:cNvPr id="1" name=""/>
+        <p:cNvGrpSpPr/>
+        <p:nvPr/>
+      </p:nvGrpSpPr>
+      <p:grpSpPr>
+        <a:xfrm>
+          <a:off x="0" y="0"/>
+          <a:ext cx="0" cy="0"/>
+          <a:chOff x="0" y="0"/>
+          <a:chExt cx="0" cy="0"/>
+        </a:xfrm>
+      </p:grpSpPr>
+      <p:sp>
+        <p:nvSpPr>
+          <p:cNvPr id="4" name="Title 3">
+            <a:extLst>
+              <a:ext uri="{FF2B5EF4-FFF2-40B4-BE49-F238E27FC236}">
+                <a16:creationId xmlns:a16="http://schemas.microsoft.com/office/drawing/2014/main" id="{4A60BD92-1CAE-43BC-BFCE-3C0B41CF1B9C}"/>
+              </a:ext>
+            </a:extLst>
+          </p:cNvPr>
+          <p:cNvSpPr>
+            <a:spLocks noGrp="1"/>
+          </p:cNvSpPr>
+          <p:nvPr>
+            <p:ph type="ctrTitle"/>
+          </p:nvPr>
+        </p:nvSpPr>
+        <p:spPr>
+          <a:xfrm>
+            <a:off x="369404" y="2420888"/>
+            <a:ext cx="4537248" cy="3886200"/>
+          </a:xfrm>
+        </p:spPr>
+        <p:txBody>
+          <a:bodyPr/>
+          <a:lstStyle/>
+          <a:p>
+            <a:r>
+              <a:rPr lang="en-US" dirty="0"/>
+              <a:t>The Yorkshire </a:t>
+            </a:r>
+            <a:r>
+              <a:rPr lang="en-US" dirty="0" err="1"/>
+              <a:t>BrassBitCoin</a:t>
+            </a:r>
+            <a:br>
+              <a:rPr lang="en-US" dirty="0"/>
+            </a:br>
+            <a:endParaRPr lang="en-GB" dirty="0"/>
+          </a:p>
+        </p:txBody>
+      </p:sp>
+      <p:pic>
+        <p:nvPicPr>
+          <p:cNvPr id="10" name="Picture Placeholder 9">
+            <a:extLst>
+              <a:ext uri="{FF2B5EF4-FFF2-40B4-BE49-F238E27FC236}">
+                <a16:creationId xmlns:a16="http://schemas.microsoft.com/office/drawing/2014/main" id="{BCFF7A5A-DA4E-451B-91A3-03C40BF5F91F}"/>
+              </a:ext>
+            </a:extLst>
+          </p:cNvPr>
+          <p:cNvPicPr>
+            <a:picLocks noGrp="1" noChangeAspect="1"/>
+          </p:cNvPicPr>
+          <p:nvPr>
+            <p:ph type="pic" sz="quarter" idx="13"/>
+          </p:nvPr>
+        </p:nvPicPr>
+        <p:blipFill>
+          <a:blip r:embed="rId3">
+            <a:extLst>
+              <a:ext uri="{28A0092B-C50C-407E-A947-70E740481C1C}">
+                <a14:useLocalDpi xmlns:a14="http://schemas.microsoft.com/office/drawing/2010/main" val="0"/>
+              </a:ext>
+            </a:extLst>
+          </a:blip>
+          <a:srcRect l="8033" r="8033"/>
+          <a:stretch>
+            <a:fillRect/>
+          </a:stretch>
+        </p:blipFill>
+        <p:spPr>
+          <a:xfrm>
+            <a:off x="5180013" y="228600"/>
+            <a:ext cx="6781800" cy="5715000"/>
+          </a:xfrm>
+        </p:spPr>
+      </p:pic>
+      <p:sp>
+        <p:nvSpPr>
+          <p:cNvPr id="18" name="Title 1">
+            <a:extLst>
+              <a:ext uri="{FF2B5EF4-FFF2-40B4-BE49-F238E27FC236}">
+                <a16:creationId xmlns:a16="http://schemas.microsoft.com/office/drawing/2014/main" id="{28FF01AC-5A00-48EB-9E5C-99ECCBD5B69A}"/>
+              </a:ext>
+            </a:extLst>
+          </p:cNvPr>
+          <p:cNvSpPr txBox="1">
+            <a:spLocks/>
+          </p:cNvSpPr>
+          <p:nvPr/>
+        </p:nvSpPr>
+        <p:spPr>
+          <a:xfrm>
+            <a:off x="765820" y="332656"/>
+            <a:ext cx="3744416" cy="5184576"/>
+          </a:xfrm>
+          <a:prstGeom prst="rect">
+            <a:avLst/>
+          </a:prstGeom>
+        </p:spPr>
+        <p:txBody>
+          <a:bodyPr vert="horz" lIns="91440" tIns="45720" rIns="91440" bIns="45720" rtlCol="0" anchor="b">
+            <a:normAutofit/>
+          </a:bodyPr>
+          <a:lstStyle>
+            <a:lvl1pPr algn="l" defTabSz="914400" rtl="0" eaLnBrk="1" latinLnBrk="0" hangingPunct="1">
+              <a:lnSpc>
+                <a:spcPct val="90000"/>
+              </a:lnSpc>
+              <a:spcBef>
+                <a:spcPct val="0"/>
+              </a:spcBef>
+              <a:buNone/>
+              <a:defRPr sz="4400" b="0" kern="1200">
+                <a:solidFill>
+                  <a:schemeClr val="bg1"/>
+                </a:solidFill>
+                <a:effectLst>
+                  <a:outerShdw blurRad="88900" algn="ctr" rotWithShape="0">
+                    <a:prstClr val="black">
+                      <a:alpha val="35000"/>
+                    </a:prstClr>
+                  </a:outerShdw>
+                </a:effectLst>
+                <a:latin typeface="+mj-lt"/>
+                <a:ea typeface="+mj-ea"/>
+                <a:cs typeface="+mj-cs"/>
+              </a:defRPr>
+            </a:lvl1pPr>
+            <a:lvl2pPr eaLnBrk="1" hangingPunct="1">
+              <a:defRPr>
+                <a:solidFill>
+                  <a:schemeClr val="tx2"/>
+                </a:solidFill>
+              </a:defRPr>
+            </a:lvl2pPr>
+            <a:lvl3pPr eaLnBrk="1" hangingPunct="1">
+              <a:defRPr>
+                <a:solidFill>
+                  <a:schemeClr val="tx2"/>
+                </a:solidFill>
+              </a:defRPr>
+            </a:lvl3pPr>
+            <a:lvl4pPr eaLnBrk="1" hangingPunct="1">
+              <a:defRPr>
+                <a:solidFill>
+                  <a:schemeClr val="tx2"/>
+                </a:solidFill>
+              </a:defRPr>
+            </a:lvl4pPr>
+            <a:lvl5pPr eaLnBrk="1" hangingPunct="1">
+              <a:defRPr>
+                <a:solidFill>
+                  <a:schemeClr val="tx2"/>
+                </a:solidFill>
+              </a:defRPr>
+            </a:lvl5pPr>
+            <a:lvl6pPr eaLnBrk="1" hangingPunct="1">
+              <a:defRPr>
+                <a:solidFill>
+                  <a:schemeClr val="tx2"/>
+                </a:solidFill>
+              </a:defRPr>
+            </a:lvl6pPr>
+            <a:lvl7pPr eaLnBrk="1" hangingPunct="1">
+              <a:defRPr>
+                <a:solidFill>
+                  <a:schemeClr val="tx2"/>
+                </a:solidFill>
+              </a:defRPr>
+            </a:lvl7pPr>
+            <a:lvl8pPr eaLnBrk="1" hangingPunct="1">
+              <a:defRPr>
+                <a:solidFill>
+                  <a:schemeClr val="tx2"/>
+                </a:solidFill>
+              </a:defRPr>
+            </a:lvl8pPr>
+            <a:lvl9pPr eaLnBrk="1" hangingPunct="1">
+              <a:defRPr>
+                <a:solidFill>
+                  <a:schemeClr val="tx2"/>
+                </a:solidFill>
+              </a:defRPr>
+            </a:lvl9pPr>
+          </a:lstStyle>
+          <a:p>
+            <a:endParaRPr lang="en-US" sz="4800" dirty="0"/>
+          </a:p>
+        </p:txBody>
+      </p:sp>
+      <p:pic>
+        <p:nvPicPr>
+          <p:cNvPr id="19" name="Picture 18">
+            <a:extLst>
+              <a:ext uri="{FF2B5EF4-FFF2-40B4-BE49-F238E27FC236}">
+                <a16:creationId xmlns:a16="http://schemas.microsoft.com/office/drawing/2014/main" id="{A4375B42-1F16-4B52-9C5C-43F14DA3739C}"/>
+              </a:ext>
+            </a:extLst>
+          </p:cNvPr>
+          <p:cNvPicPr>
+            <a:picLocks noChangeAspect="1"/>
+          </p:cNvPicPr>
+          <p:nvPr/>
+        </p:nvPicPr>
+        <p:blipFill>
+          <a:blip r:embed="rId4">
+            <a:extLst>
+              <a:ext uri="{28A0092B-C50C-407E-A947-70E740481C1C}">
+                <a14:useLocalDpi xmlns:a14="http://schemas.microsoft.com/office/drawing/2010/main" val="0"/>
+              </a:ext>
+            </a:extLst>
+          </a:blip>
+          <a:stretch>
+            <a:fillRect/>
+          </a:stretch>
+        </p:blipFill>
+        <p:spPr>
+          <a:xfrm>
+            <a:off x="1557908" y="764704"/>
+            <a:ext cx="2190750" cy="2095500"/>
+          </a:xfrm>
+          <a:prstGeom prst="rect">
+            <a:avLst/>
+          </a:prstGeom>
+        </p:spPr>
+      </p:pic>
     </p:spTree>
     <p:extLst>
       <p:ext uri="{BB962C8B-B14F-4D97-AF65-F5344CB8AC3E}">

--- a/Yorkshore-BrassBitCoin.pptx
+++ b/Yorkshore-BrassBitCoin.pptx
@@ -2395,7 +2395,7 @@
           <a:p>
             <a:fld id="{0DCA0844-C266-46EC-A036-E1634F64C44A}" type="datetimeFigureOut">
               <a:rPr lang="en-US"/>
-              <a:t>3/1/2018</a:t>
+              <a:t>3/4/2018</a:t>
             </a:fld>
             <a:endParaRPr dirty="0"/>
           </a:p>
@@ -2560,7 +2560,7 @@
           <a:p>
             <a:fld id="{28C08BCD-7B2F-4BCE-87AF-5D67EFFE4D17}" type="datetimeFigureOut">
               <a:rPr lang="en-US"/>
-              <a:t>3/1/2018</a:t>
+              <a:t>3/4/2018</a:t>
             </a:fld>
             <a:endParaRPr dirty="0"/>
           </a:p>
@@ -3858,7 +3858,7 @@
             <a:fld id="{8E36636D-D922-432D-A958-524484B5923D}" type="datetimeFigureOut">
               <a:rPr lang="en-US"/>
               <a:pPr/>
-              <a:t>3/1/2018</a:t>
+              <a:t>3/4/2018</a:t>
             </a:fld>
             <a:endParaRPr dirty="0"/>
           </a:p>
@@ -4234,7 +4234,7 @@
             <a:fld id="{749F4917-CE56-4645-8050-1555FA0B180B}" type="datetimeFigureOut">
               <a:rPr lang="en-US"/>
               <a:pPr/>
-              <a:t>3/1/2018</a:t>
+              <a:t>3/4/2018</a:t>
             </a:fld>
             <a:endParaRPr dirty="0"/>
           </a:p>
@@ -4557,7 +4557,7 @@
             <a:fld id="{8E36636D-D922-432D-A958-524484B5923D}" type="datetimeFigureOut">
               <a:rPr lang="en-US"/>
               <a:pPr/>
-              <a:t>3/1/2018</a:t>
+              <a:t>3/4/2018</a:t>
             </a:fld>
             <a:endParaRPr dirty="0"/>
           </a:p>
@@ -4718,7 +4718,7 @@
             <a:fld id="{8E36636D-D922-432D-A958-524484B5923D}" type="datetimeFigureOut">
               <a:rPr lang="en-US"/>
               <a:pPr/>
-              <a:t>3/1/2018</a:t>
+              <a:t>3/4/2018</a:t>
             </a:fld>
             <a:endParaRPr dirty="0"/>
           </a:p>
@@ -4941,7 +4941,7 @@
             <a:fld id="{8E36636D-D922-432D-A958-524484B5923D}" type="datetimeFigureOut">
               <a:rPr lang="en-US"/>
               <a:pPr/>
-              <a:t>3/1/2018</a:t>
+              <a:t>3/4/2018</a:t>
             </a:fld>
             <a:endParaRPr dirty="0"/>
           </a:p>
@@ -5363,7 +5363,7 @@
             <a:fld id="{8E36636D-D922-432D-A958-524484B5923D}" type="datetimeFigureOut">
               <a:rPr lang="en-US"/>
               <a:pPr/>
-              <a:t>3/1/2018</a:t>
+              <a:t>3/4/2018</a:t>
             </a:fld>
             <a:endParaRPr dirty="0"/>
           </a:p>
@@ -5866,7 +5866,7 @@
             <a:fld id="{8E36636D-D922-432D-A958-524484B5923D}" type="datetimeFigureOut">
               <a:rPr lang="en-US"/>
               <a:pPr/>
-              <a:t>3/1/2018</a:t>
+              <a:t>3/4/2018</a:t>
             </a:fld>
             <a:endParaRPr dirty="0"/>
           </a:p>
@@ -6167,7 +6167,7 @@
             <a:fld id="{8E36636D-D922-432D-A958-524484B5923D}" type="datetimeFigureOut">
               <a:rPr lang="en-US"/>
               <a:pPr/>
-              <a:t>3/1/2018</a:t>
+              <a:t>3/4/2018</a:t>
             </a:fld>
             <a:endParaRPr dirty="0"/>
           </a:p>
@@ -6608,7 +6608,7 @@
             <a:fld id="{8E36636D-D922-432D-A958-524484B5923D}" type="datetimeFigureOut">
               <a:rPr lang="en-US"/>
               <a:pPr/>
-              <a:t>3/1/2018</a:t>
+              <a:t>3/4/2018</a:t>
             </a:fld>
             <a:endParaRPr dirty="0"/>
           </a:p>
@@ -6735,7 +6735,7 @@
             <a:fld id="{8E36636D-D922-432D-A958-524484B5923D}" type="datetimeFigureOut">
               <a:rPr lang="en-US"/>
               <a:pPr/>
-              <a:t>3/1/2018</a:t>
+              <a:t>3/4/2018</a:t>
             </a:fld>
             <a:endParaRPr dirty="0"/>
           </a:p>
@@ -6839,7 +6839,7 @@
             <a:fld id="{8E36636D-D922-432D-A958-524484B5923D}" type="datetimeFigureOut">
               <a:rPr lang="en-US"/>
               <a:pPr/>
-              <a:t>3/1/2018</a:t>
+              <a:t>3/4/2018</a:t>
             </a:fld>
             <a:endParaRPr dirty="0"/>
           </a:p>
@@ -7258,7 +7258,7 @@
             <a:fld id="{8E36636D-D922-432D-A958-524484B5923D}" type="datetimeFigureOut">
               <a:rPr lang="en-US"/>
               <a:pPr/>
-              <a:t>3/1/2018</a:t>
+              <a:t>3/4/2018</a:t>
             </a:fld>
             <a:endParaRPr dirty="0"/>
           </a:p>
@@ -7760,7 +7760,7 @@
             <a:fld id="{8E36636D-D922-432D-A958-524484B5923D}" type="datetimeFigureOut">
               <a:rPr lang="en-US"/>
               <a:pPr/>
-              <a:t>3/1/2018</a:t>
+              <a:t>3/4/2018</a:t>
             </a:fld>
             <a:endParaRPr dirty="0"/>
           </a:p>
@@ -8437,11 +8437,11 @@
             </a:r>
             <a:r>
               <a:rPr lang="en-GB" dirty="0" err="1"/>
-              <a:t>BrassBit</a:t>
+              <a:t>BrassBitCoin</a:t>
             </a:r>
             <a:r>
               <a:rPr lang="en-GB" dirty="0"/>
-              <a:t> coin block is made up of</a:t>
+              <a:t> block is made up of</a:t>
             </a:r>
           </a:p>
           <a:p>
@@ -10425,7 +10425,7 @@
         <p:spPr>
           <a:xfrm>
             <a:off x="7678589" y="227818"/>
-            <a:ext cx="4320480" cy="5466112"/>
+            <a:ext cx="4320480" cy="5022914"/>
           </a:xfrm>
           <a:prstGeom prst="rect">
             <a:avLst/>
@@ -10663,7 +10663,7 @@
                 <a:ea typeface="+mj-ea"/>
                 <a:cs typeface="+mj-cs"/>
               </a:rPr>
-              <a:t>Other bits (meta data)</a:t>
+              <a:t>Other meta data</a:t>
             </a:r>
             <a:br>
               <a:rPr lang="en-GB" sz="2400" dirty="0"/>
@@ -10891,7 +10891,7 @@
             <a:pPr lvl="1"/>
             <a:r>
               <a:rPr lang="en-GB" dirty="0"/>
-              <a:t>The hash must meet some (hard) criteria</a:t>
+              <a:t>The hash has some (hard) criteria</a:t>
             </a:r>
           </a:p>
           <a:p>

--- a/Yorkshore-BrassBitCoin.pptx
+++ b/Yorkshore-BrassBitCoin.pptx
@@ -9999,6 +9999,18 @@
             <a:endParaRPr lang="en-GB" dirty="0"/>
           </a:p>
           <a:p>
+            <a:r>
+              <a:rPr lang="en-GB">
+                <a:hlinkClick r:id="rId5"/>
+              </a:rPr>
+              <a:t>https://passwordsgenerator.net/sha256-hash-generator/</a:t>
+            </a:r>
+            <a:endParaRPr lang="en-GB"/>
+          </a:p>
+          <a:p>
+            <a:endParaRPr lang="en-GB" dirty="0"/>
+          </a:p>
+          <a:p>
             <a:endParaRPr lang="en-GB" dirty="0"/>
           </a:p>
           <a:p>

--- a/Yorkshore-BrassBitCoin.pptx
+++ b/Yorkshore-BrassBitCoin.pptx
@@ -10000,12 +10000,12 @@
           </a:p>
           <a:p>
             <a:r>
-              <a:rPr lang="en-GB">
+              <a:rPr lang="en-GB" dirty="0">
                 <a:hlinkClick r:id="rId5"/>
               </a:rPr>
               <a:t>https://passwordsgenerator.net/sha256-hash-generator/</a:t>
             </a:r>
-            <a:endParaRPr lang="en-GB"/>
+            <a:endParaRPr lang="en-GB" dirty="0"/>
           </a:p>
           <a:p>
             <a:endParaRPr lang="en-GB" dirty="0"/>
